--- a/Class.pptx
+++ b/Class.pptx
@@ -14,6 +14,27 @@
     <p:sldId id="262" r:id="rId8"/>
     <p:sldId id="263" r:id="rId9"/>
     <p:sldId id="264" r:id="rId10"/>
+    <p:sldId id="265" r:id="rId11"/>
+    <p:sldId id="266" r:id="rId12"/>
+    <p:sldId id="268" r:id="rId13"/>
+    <p:sldId id="267" r:id="rId14"/>
+    <p:sldId id="269" r:id="rId15"/>
+    <p:sldId id="270" r:id="rId16"/>
+    <p:sldId id="271" r:id="rId17"/>
+    <p:sldId id="272" r:id="rId18"/>
+    <p:sldId id="273" r:id="rId19"/>
+    <p:sldId id="274" r:id="rId20"/>
+    <p:sldId id="275" r:id="rId21"/>
+    <p:sldId id="276" r:id="rId22"/>
+    <p:sldId id="277" r:id="rId23"/>
+    <p:sldId id="278" r:id="rId24"/>
+    <p:sldId id="279" r:id="rId25"/>
+    <p:sldId id="280" r:id="rId26"/>
+    <p:sldId id="281" r:id="rId27"/>
+    <p:sldId id="283" r:id="rId28"/>
+    <p:sldId id="284" r:id="rId29"/>
+    <p:sldId id="285" r:id="rId30"/>
+    <p:sldId id="282" r:id="rId31"/>
   </p:sldIdLst>
   <p:sldSz cx="12192000" cy="6858000"/>
   <p:notesSz cx="6858000" cy="9144000"/>
@@ -112,6 +133,11 @@
       </a:defRPr>
     </a:lvl9pPr>
   </p:defaultTextStyle>
+  <p:extLst>
+    <p:ext uri="{EFAFB233-063F-42B5-8137-9DF3F51BA10A}">
+      <p15:sldGuideLst xmlns:p15="http://schemas.microsoft.com/office/powerpoint/2012/main"/>
+    </p:ext>
+  </p:extLst>
 </p:presentation>
 </file>
 
@@ -246,7 +272,7 @@
           <a:p>
             <a:fld id="{AD41CD6E-57E6-4EDB-855A-9FAA69CFA1D4}" type="datetimeFigureOut">
               <a:rPr lang="en-US" smtClean="0"/>
-              <a:t>5/8/2023</a:t>
+              <a:t>5/14/2023</a:t>
             </a:fld>
             <a:endParaRPr lang="en-US"/>
           </a:p>
@@ -416,7 +442,7 @@
           <a:p>
             <a:fld id="{AD41CD6E-57E6-4EDB-855A-9FAA69CFA1D4}" type="datetimeFigureOut">
               <a:rPr lang="en-US" smtClean="0"/>
-              <a:t>5/8/2023</a:t>
+              <a:t>5/14/2023</a:t>
             </a:fld>
             <a:endParaRPr lang="en-US"/>
           </a:p>
@@ -596,7 +622,7 @@
           <a:p>
             <a:fld id="{AD41CD6E-57E6-4EDB-855A-9FAA69CFA1D4}" type="datetimeFigureOut">
               <a:rPr lang="en-US" smtClean="0"/>
-              <a:t>5/8/2023</a:t>
+              <a:t>5/14/2023</a:t>
             </a:fld>
             <a:endParaRPr lang="en-US"/>
           </a:p>
@@ -766,7 +792,7 @@
           <a:p>
             <a:fld id="{AD41CD6E-57E6-4EDB-855A-9FAA69CFA1D4}" type="datetimeFigureOut">
               <a:rPr lang="en-US" smtClean="0"/>
-              <a:t>5/8/2023</a:t>
+              <a:t>5/14/2023</a:t>
             </a:fld>
             <a:endParaRPr lang="en-US"/>
           </a:p>
@@ -1012,7 +1038,7 @@
           <a:p>
             <a:fld id="{AD41CD6E-57E6-4EDB-855A-9FAA69CFA1D4}" type="datetimeFigureOut">
               <a:rPr lang="en-US" smtClean="0"/>
-              <a:t>5/8/2023</a:t>
+              <a:t>5/14/2023</a:t>
             </a:fld>
             <a:endParaRPr lang="en-US"/>
           </a:p>
@@ -1244,7 +1270,7 @@
           <a:p>
             <a:fld id="{AD41CD6E-57E6-4EDB-855A-9FAA69CFA1D4}" type="datetimeFigureOut">
               <a:rPr lang="en-US" smtClean="0"/>
-              <a:t>5/8/2023</a:t>
+              <a:t>5/14/2023</a:t>
             </a:fld>
             <a:endParaRPr lang="en-US"/>
           </a:p>
@@ -1611,7 +1637,7 @@
           <a:p>
             <a:fld id="{AD41CD6E-57E6-4EDB-855A-9FAA69CFA1D4}" type="datetimeFigureOut">
               <a:rPr lang="en-US" smtClean="0"/>
-              <a:t>5/8/2023</a:t>
+              <a:t>5/14/2023</a:t>
             </a:fld>
             <a:endParaRPr lang="en-US"/>
           </a:p>
@@ -1729,7 +1755,7 @@
           <a:p>
             <a:fld id="{AD41CD6E-57E6-4EDB-855A-9FAA69CFA1D4}" type="datetimeFigureOut">
               <a:rPr lang="en-US" smtClean="0"/>
-              <a:t>5/8/2023</a:t>
+              <a:t>5/14/2023</a:t>
             </a:fld>
             <a:endParaRPr lang="en-US"/>
           </a:p>
@@ -1824,7 +1850,7 @@
           <a:p>
             <a:fld id="{AD41CD6E-57E6-4EDB-855A-9FAA69CFA1D4}" type="datetimeFigureOut">
               <a:rPr lang="en-US" smtClean="0"/>
-              <a:t>5/8/2023</a:t>
+              <a:t>5/14/2023</a:t>
             </a:fld>
             <a:endParaRPr lang="en-US"/>
           </a:p>
@@ -2101,7 +2127,7 @@
           <a:p>
             <a:fld id="{AD41CD6E-57E6-4EDB-855A-9FAA69CFA1D4}" type="datetimeFigureOut">
               <a:rPr lang="en-US" smtClean="0"/>
-              <a:t>5/8/2023</a:t>
+              <a:t>5/14/2023</a:t>
             </a:fld>
             <a:endParaRPr lang="en-US"/>
           </a:p>
@@ -2354,7 +2380,7 @@
           <a:p>
             <a:fld id="{AD41CD6E-57E6-4EDB-855A-9FAA69CFA1D4}" type="datetimeFigureOut">
               <a:rPr lang="en-US" smtClean="0"/>
-              <a:t>5/8/2023</a:t>
+              <a:t>5/14/2023</a:t>
             </a:fld>
             <a:endParaRPr lang="en-US"/>
           </a:p>
@@ -2567,7 +2593,7 @@
           <a:p>
             <a:fld id="{AD41CD6E-57E6-4EDB-855A-9FAA69CFA1D4}" type="datetimeFigureOut">
               <a:rPr lang="en-US" smtClean="0"/>
-              <a:t>5/8/2023</a:t>
+              <a:t>5/14/2023</a:t>
             </a:fld>
             <a:endParaRPr lang="en-US"/>
           </a:p>
@@ -3034,6 +3060,1472 @@
 </p:sld>
 </file>
 
+<file path=ppt/slides/slide10.xml><?xml version="1.0" encoding="utf-8"?>
+<p:sld xmlns:a="http://schemas.openxmlformats.org/drawingml/2006/main" xmlns:r="http://schemas.openxmlformats.org/officeDocument/2006/relationships" xmlns:p="http://schemas.openxmlformats.org/presentationml/2006/main">
+  <p:cSld>
+    <p:spTree>
+      <p:nvGrpSpPr>
+        <p:cNvPr id="1" name=""/>
+        <p:cNvGrpSpPr/>
+        <p:nvPr/>
+      </p:nvGrpSpPr>
+      <p:grpSpPr>
+        <a:xfrm>
+          <a:off x="0" y="0"/>
+          <a:ext cx="0" cy="0"/>
+          <a:chOff x="0" y="0"/>
+          <a:chExt cx="0" cy="0"/>
+        </a:xfrm>
+      </p:grpSpPr>
+      <p:sp>
+        <p:nvSpPr>
+          <p:cNvPr id="2" name="Title 1"/>
+          <p:cNvSpPr>
+            <a:spLocks noGrp="1"/>
+          </p:cNvSpPr>
+          <p:nvPr>
+            <p:ph type="title"/>
+          </p:nvPr>
+        </p:nvSpPr>
+        <p:spPr/>
+        <p:txBody>
+          <a:bodyPr/>
+          <a:lstStyle/>
+          <a:p>
+            <a:r>
+              <a:rPr lang="en-US" dirty="0" smtClean="0"/>
+              <a:t>Methods</a:t>
+            </a:r>
+            <a:endParaRPr lang="en-US" dirty="0"/>
+          </a:p>
+        </p:txBody>
+      </p:sp>
+      <p:sp>
+        <p:nvSpPr>
+          <p:cNvPr id="3" name="Content Placeholder 2"/>
+          <p:cNvSpPr>
+            <a:spLocks noGrp="1"/>
+          </p:cNvSpPr>
+          <p:nvPr>
+            <p:ph idx="1"/>
+          </p:nvPr>
+        </p:nvSpPr>
+        <p:spPr/>
+        <p:txBody>
+          <a:bodyPr/>
+          <a:lstStyle/>
+          <a:p>
+            <a:r>
+              <a:rPr lang="en-US" dirty="0"/>
+              <a:t>A </a:t>
+            </a:r>
+            <a:r>
+              <a:rPr lang="en-US" b="1" dirty="0"/>
+              <a:t>method</a:t>
+            </a:r>
+            <a:r>
+              <a:rPr lang="en-US" dirty="0"/>
+              <a:t> is a block of code </a:t>
+            </a:r>
+            <a:r>
+              <a:rPr lang="en-US" dirty="0" smtClean="0"/>
+              <a:t>that </a:t>
+            </a:r>
+            <a:r>
+              <a:rPr lang="en-US" dirty="0"/>
+              <a:t>only runs when it is called</a:t>
+            </a:r>
+            <a:r>
+              <a:rPr lang="en-US" dirty="0" smtClean="0"/>
+              <a:t>.</a:t>
+            </a:r>
+          </a:p>
+          <a:p>
+            <a:r>
+              <a:rPr lang="en-US" dirty="0" smtClean="0"/>
+              <a:t>You can pass data, known as parameters, into a method.</a:t>
+            </a:r>
+          </a:p>
+          <a:p>
+            <a:r>
+              <a:rPr lang="en-US" dirty="0" smtClean="0"/>
+              <a:t>Methods are used to perform certain actions, and they are also known as </a:t>
+            </a:r>
+            <a:r>
+              <a:rPr lang="en-US" b="1" dirty="0" smtClean="0"/>
+              <a:t>functions.</a:t>
+            </a:r>
+          </a:p>
+          <a:p>
+            <a:pPr marL="0" indent="0">
+              <a:buNone/>
+            </a:pPr>
+            <a:endParaRPr lang="en-US" dirty="0" smtClean="0"/>
+          </a:p>
+          <a:p>
+            <a:pPr marL="0" indent="0">
+              <a:buNone/>
+            </a:pPr>
+            <a:endParaRPr lang="en-US" dirty="0"/>
+          </a:p>
+          <a:p>
+            <a:pPr marL="0" indent="0">
+              <a:buNone/>
+            </a:pPr>
+            <a:r>
+              <a:rPr lang="en-US" dirty="0" smtClean="0"/>
+              <a:t>Why use the method?</a:t>
+            </a:r>
+            <a:endParaRPr lang="en-US" dirty="0"/>
+          </a:p>
+        </p:txBody>
+      </p:sp>
+    </p:spTree>
+    <p:extLst>
+      <p:ext uri="{BB962C8B-B14F-4D97-AF65-F5344CB8AC3E}">
+        <p14:creationId xmlns:p14="http://schemas.microsoft.com/office/powerpoint/2010/main" val="416967593"/>
+      </p:ext>
+    </p:extLst>
+  </p:cSld>
+  <p:clrMapOvr>
+    <a:masterClrMapping/>
+  </p:clrMapOvr>
+  <p:timing>
+    <p:tnLst>
+      <p:par>
+        <p:cTn id="1" dur="indefinite" restart="never" nodeType="tmRoot"/>
+      </p:par>
+    </p:tnLst>
+  </p:timing>
+</p:sld>
+</file>
+
+<file path=ppt/slides/slide11.xml><?xml version="1.0" encoding="utf-8"?>
+<p:sld xmlns:a="http://schemas.openxmlformats.org/drawingml/2006/main" xmlns:r="http://schemas.openxmlformats.org/officeDocument/2006/relationships" xmlns:p="http://schemas.openxmlformats.org/presentationml/2006/main">
+  <p:cSld>
+    <p:spTree>
+      <p:nvGrpSpPr>
+        <p:cNvPr id="1" name=""/>
+        <p:cNvGrpSpPr/>
+        <p:nvPr/>
+      </p:nvGrpSpPr>
+      <p:grpSpPr>
+        <a:xfrm>
+          <a:off x="0" y="0"/>
+          <a:ext cx="0" cy="0"/>
+          <a:chOff x="0" y="0"/>
+          <a:chExt cx="0" cy="0"/>
+        </a:xfrm>
+      </p:grpSpPr>
+      <p:sp>
+        <p:nvSpPr>
+          <p:cNvPr id="2" name="Title 1"/>
+          <p:cNvSpPr>
+            <a:spLocks noGrp="1"/>
+          </p:cNvSpPr>
+          <p:nvPr>
+            <p:ph type="title"/>
+          </p:nvPr>
+        </p:nvSpPr>
+        <p:spPr/>
+        <p:txBody>
+          <a:bodyPr/>
+          <a:lstStyle/>
+          <a:p>
+            <a:r>
+              <a:rPr lang="en-US" dirty="0" smtClean="0"/>
+              <a:t>General Form of a method:</a:t>
+            </a:r>
+            <a:endParaRPr lang="en-US" dirty="0"/>
+          </a:p>
+        </p:txBody>
+      </p:sp>
+      <p:sp>
+        <p:nvSpPr>
+          <p:cNvPr id="3" name="Content Placeholder 2"/>
+          <p:cNvSpPr>
+            <a:spLocks noGrp="1"/>
+          </p:cNvSpPr>
+          <p:nvPr>
+            <p:ph idx="1"/>
+          </p:nvPr>
+        </p:nvSpPr>
+        <p:spPr/>
+        <p:txBody>
+          <a:bodyPr/>
+          <a:lstStyle/>
+          <a:p>
+            <a:pPr marL="0" indent="0">
+              <a:buNone/>
+            </a:pPr>
+            <a:r>
+              <a:rPr lang="en-US" dirty="0" smtClean="0"/>
+              <a:t>Type name(parameter-list) {</a:t>
+            </a:r>
+          </a:p>
+          <a:p>
+            <a:pPr marL="0" indent="0">
+              <a:buNone/>
+            </a:pPr>
+            <a:r>
+              <a:rPr lang="en-US" dirty="0" smtClean="0"/>
+              <a:t>	// Body of method</a:t>
+            </a:r>
+            <a:endParaRPr lang="en-US" dirty="0"/>
+          </a:p>
+          <a:p>
+            <a:pPr marL="0" indent="0">
+              <a:buNone/>
+            </a:pPr>
+            <a:r>
+              <a:rPr lang="en-US" dirty="0" smtClean="0"/>
+              <a:t>}</a:t>
+            </a:r>
+          </a:p>
+          <a:p>
+            <a:pPr marL="0" indent="0">
+              <a:buNone/>
+            </a:pPr>
+            <a:endParaRPr lang="en-US" dirty="0" smtClean="0"/>
+          </a:p>
+          <a:p>
+            <a:pPr marL="0" indent="0">
+              <a:buNone/>
+            </a:pPr>
+            <a:endParaRPr lang="en-US" dirty="0"/>
+          </a:p>
+        </p:txBody>
+      </p:sp>
+    </p:spTree>
+    <p:extLst>
+      <p:ext uri="{BB962C8B-B14F-4D97-AF65-F5344CB8AC3E}">
+        <p14:creationId xmlns:p14="http://schemas.microsoft.com/office/powerpoint/2010/main" val="2573154198"/>
+      </p:ext>
+    </p:extLst>
+  </p:cSld>
+  <p:clrMapOvr>
+    <a:masterClrMapping/>
+  </p:clrMapOvr>
+  <p:timing>
+    <p:tnLst>
+      <p:par>
+        <p:cTn id="1" dur="indefinite" restart="never" nodeType="tmRoot"/>
+      </p:par>
+    </p:tnLst>
+  </p:timing>
+</p:sld>
+</file>
+
+<file path=ppt/slides/slide12.xml><?xml version="1.0" encoding="utf-8"?>
+<p:sld xmlns:a="http://schemas.openxmlformats.org/drawingml/2006/main" xmlns:r="http://schemas.openxmlformats.org/officeDocument/2006/relationships" xmlns:p="http://schemas.openxmlformats.org/presentationml/2006/main">
+  <p:cSld>
+    <p:spTree>
+      <p:nvGrpSpPr>
+        <p:cNvPr id="1" name=""/>
+        <p:cNvGrpSpPr/>
+        <p:nvPr/>
+      </p:nvGrpSpPr>
+      <p:grpSpPr>
+        <a:xfrm>
+          <a:off x="0" y="0"/>
+          <a:ext cx="0" cy="0"/>
+          <a:chOff x="0" y="0"/>
+          <a:chExt cx="0" cy="0"/>
+        </a:xfrm>
+      </p:grpSpPr>
+      <p:sp>
+        <p:nvSpPr>
+          <p:cNvPr id="2" name="Title 1"/>
+          <p:cNvSpPr>
+            <a:spLocks noGrp="1"/>
+          </p:cNvSpPr>
+          <p:nvPr>
+            <p:ph type="title"/>
+          </p:nvPr>
+        </p:nvSpPr>
+        <p:spPr/>
+        <p:txBody>
+          <a:bodyPr/>
+          <a:lstStyle/>
+          <a:p>
+            <a:r>
+              <a:rPr lang="en-US" dirty="0" smtClean="0"/>
+              <a:t>Adding a method to the Box class</a:t>
+            </a:r>
+            <a:endParaRPr lang="en-US" dirty="0"/>
+          </a:p>
+        </p:txBody>
+      </p:sp>
+      <p:sp>
+        <p:nvSpPr>
+          <p:cNvPr id="3" name="Content Placeholder 2"/>
+          <p:cNvSpPr>
+            <a:spLocks noGrp="1"/>
+          </p:cNvSpPr>
+          <p:nvPr>
+            <p:ph idx="1"/>
+          </p:nvPr>
+        </p:nvSpPr>
+        <p:spPr/>
+        <p:txBody>
+          <a:bodyPr/>
+          <a:lstStyle/>
+          <a:p>
+            <a:pPr marL="0" indent="0">
+              <a:buNone/>
+            </a:pPr>
+            <a:r>
+              <a:rPr lang="en-US" dirty="0" smtClean="0"/>
+              <a:t>class Box { </a:t>
+            </a:r>
+          </a:p>
+          <a:p>
+            <a:pPr marL="0" indent="0">
+              <a:buNone/>
+            </a:pPr>
+            <a:r>
+              <a:rPr lang="en-US" dirty="0"/>
+              <a:t>	</a:t>
+            </a:r>
+            <a:r>
+              <a:rPr lang="en-US" dirty="0" smtClean="0"/>
+              <a:t>double width, height, depth;</a:t>
+            </a:r>
+          </a:p>
+          <a:p>
+            <a:pPr marL="0" indent="0">
+              <a:buNone/>
+            </a:pPr>
+            <a:r>
+              <a:rPr lang="en-US" dirty="0"/>
+              <a:t>	</a:t>
+            </a:r>
+            <a:r>
+              <a:rPr lang="en-US" dirty="0" smtClean="0"/>
+              <a:t>// display volume of a box</a:t>
+            </a:r>
+          </a:p>
+          <a:p>
+            <a:pPr marL="0" indent="0">
+              <a:buNone/>
+            </a:pPr>
+            <a:r>
+              <a:rPr lang="en-US" dirty="0"/>
+              <a:t>	</a:t>
+            </a:r>
+            <a:r>
+              <a:rPr lang="en-US" dirty="0" smtClean="0"/>
+              <a:t>void volume(){</a:t>
+            </a:r>
+          </a:p>
+          <a:p>
+            <a:pPr marL="0" indent="0">
+              <a:buNone/>
+            </a:pPr>
+            <a:r>
+              <a:rPr lang="en-US" dirty="0" smtClean="0"/>
+              <a:t>		</a:t>
+            </a:r>
+            <a:r>
+              <a:rPr lang="en-US" dirty="0" err="1" smtClean="0"/>
+              <a:t>System.out.println</a:t>
+            </a:r>
+            <a:r>
+              <a:rPr lang="en-US" dirty="0" smtClean="0"/>
+              <a:t>(“Volume is ” + width + height + depth);</a:t>
+            </a:r>
+            <a:endParaRPr lang="en-US" dirty="0"/>
+          </a:p>
+          <a:p>
+            <a:pPr marL="0" indent="0">
+              <a:buNone/>
+            </a:pPr>
+            <a:r>
+              <a:rPr lang="en-US" dirty="0" smtClean="0"/>
+              <a:t>	}</a:t>
+            </a:r>
+          </a:p>
+          <a:p>
+            <a:pPr marL="0" indent="0">
+              <a:buNone/>
+            </a:pPr>
+            <a:r>
+              <a:rPr lang="en-US" dirty="0"/>
+              <a:t>}</a:t>
+            </a:r>
+          </a:p>
+        </p:txBody>
+      </p:sp>
+    </p:spTree>
+    <p:extLst>
+      <p:ext uri="{BB962C8B-B14F-4D97-AF65-F5344CB8AC3E}">
+        <p14:creationId xmlns:p14="http://schemas.microsoft.com/office/powerpoint/2010/main" val="2065581464"/>
+      </p:ext>
+    </p:extLst>
+  </p:cSld>
+  <p:clrMapOvr>
+    <a:masterClrMapping/>
+  </p:clrMapOvr>
+  <p:timing>
+    <p:tnLst>
+      <p:par>
+        <p:cTn id="1" dur="indefinite" restart="never" nodeType="tmRoot"/>
+      </p:par>
+    </p:tnLst>
+  </p:timing>
+</p:sld>
+</file>
+
+<file path=ppt/slides/slide13.xml><?xml version="1.0" encoding="utf-8"?>
+<p:sld xmlns:a="http://schemas.openxmlformats.org/drawingml/2006/main" xmlns:r="http://schemas.openxmlformats.org/officeDocument/2006/relationships" xmlns:p="http://schemas.openxmlformats.org/presentationml/2006/main">
+  <p:cSld>
+    <p:spTree>
+      <p:nvGrpSpPr>
+        <p:cNvPr id="1" name=""/>
+        <p:cNvGrpSpPr/>
+        <p:nvPr/>
+      </p:nvGrpSpPr>
+      <p:grpSpPr>
+        <a:xfrm>
+          <a:off x="0" y="0"/>
+          <a:ext cx="0" cy="0"/>
+          <a:chOff x="0" y="0"/>
+          <a:chExt cx="0" cy="0"/>
+        </a:xfrm>
+      </p:grpSpPr>
+      <p:sp>
+        <p:nvSpPr>
+          <p:cNvPr id="2" name="Title 1"/>
+          <p:cNvSpPr>
+            <a:spLocks noGrp="1"/>
+          </p:cNvSpPr>
+          <p:nvPr>
+            <p:ph type="title"/>
+          </p:nvPr>
+        </p:nvSpPr>
+        <p:spPr/>
+        <p:txBody>
+          <a:bodyPr/>
+          <a:lstStyle/>
+          <a:p>
+            <a:r>
+              <a:rPr lang="en-US" dirty="0" smtClean="0"/>
+              <a:t>Returning a Value</a:t>
+            </a:r>
+            <a:endParaRPr lang="en-US" dirty="0"/>
+          </a:p>
+        </p:txBody>
+      </p:sp>
+      <p:sp>
+        <p:nvSpPr>
+          <p:cNvPr id="3" name="Content Placeholder 2"/>
+          <p:cNvSpPr>
+            <a:spLocks noGrp="1"/>
+          </p:cNvSpPr>
+          <p:nvPr>
+            <p:ph idx="1"/>
+          </p:nvPr>
+        </p:nvSpPr>
+        <p:spPr/>
+        <p:txBody>
+          <a:bodyPr/>
+          <a:lstStyle/>
+          <a:p>
+            <a:r>
+              <a:rPr lang="en-US" dirty="0"/>
+              <a:t>While the implementation of </a:t>
+            </a:r>
+            <a:r>
+              <a:rPr lang="en-US" b="1" dirty="0"/>
+              <a:t>volume( ) </a:t>
+            </a:r>
+            <a:r>
+              <a:rPr lang="en-US" dirty="0"/>
+              <a:t>does move the computation of a box’s volume </a:t>
+            </a:r>
+            <a:r>
+              <a:rPr lang="en-US" dirty="0" smtClean="0"/>
+              <a:t>inside the </a:t>
+            </a:r>
+            <a:r>
+              <a:rPr lang="en-US" b="1" dirty="0"/>
+              <a:t>Box </a:t>
+            </a:r>
+            <a:r>
+              <a:rPr lang="en-US" dirty="0"/>
+              <a:t>class where it belongs, it is not the best way to do it</a:t>
+            </a:r>
+            <a:r>
+              <a:rPr lang="en-US" dirty="0" smtClean="0"/>
+              <a:t>.</a:t>
+            </a:r>
+          </a:p>
+          <a:p>
+            <a:pPr marL="457200" lvl="1" indent="0">
+              <a:buNone/>
+            </a:pPr>
+            <a:r>
+              <a:rPr lang="en-US" dirty="0" smtClean="0"/>
+              <a:t>For </a:t>
+            </a:r>
+            <a:r>
+              <a:rPr lang="en-US" dirty="0"/>
+              <a:t>example, what if </a:t>
+            </a:r>
+            <a:r>
+              <a:rPr lang="en-US" dirty="0" smtClean="0"/>
+              <a:t>another part </a:t>
+            </a:r>
+            <a:r>
+              <a:rPr lang="en-US" dirty="0"/>
+              <a:t>of your program wanted to know the volume of a box, but not display its </a:t>
+            </a:r>
+            <a:r>
+              <a:rPr lang="en-US" dirty="0" smtClean="0"/>
+              <a:t>value?</a:t>
+            </a:r>
+          </a:p>
+          <a:p>
+            <a:r>
+              <a:rPr lang="en-US" dirty="0" smtClean="0"/>
+              <a:t>A better way to implement volume() is to have it compute the volume of the box and return the result to the caller.</a:t>
+            </a:r>
+            <a:endParaRPr lang="en-US" dirty="0"/>
+          </a:p>
+        </p:txBody>
+      </p:sp>
+    </p:spTree>
+    <p:extLst>
+      <p:ext uri="{BB962C8B-B14F-4D97-AF65-F5344CB8AC3E}">
+        <p14:creationId xmlns:p14="http://schemas.microsoft.com/office/powerpoint/2010/main" val="3897305646"/>
+      </p:ext>
+    </p:extLst>
+  </p:cSld>
+  <p:clrMapOvr>
+    <a:masterClrMapping/>
+  </p:clrMapOvr>
+  <p:timing>
+    <p:tnLst>
+      <p:par>
+        <p:cTn id="1" dur="indefinite" restart="never" nodeType="tmRoot"/>
+      </p:par>
+    </p:tnLst>
+  </p:timing>
+</p:sld>
+</file>
+
+<file path=ppt/slides/slide14.xml><?xml version="1.0" encoding="utf-8"?>
+<p:sld xmlns:a="http://schemas.openxmlformats.org/drawingml/2006/main" xmlns:r="http://schemas.openxmlformats.org/officeDocument/2006/relationships" xmlns:p="http://schemas.openxmlformats.org/presentationml/2006/main">
+  <p:cSld>
+    <p:spTree>
+      <p:nvGrpSpPr>
+        <p:cNvPr id="1" name=""/>
+        <p:cNvGrpSpPr/>
+        <p:nvPr/>
+      </p:nvGrpSpPr>
+      <p:grpSpPr>
+        <a:xfrm>
+          <a:off x="0" y="0"/>
+          <a:ext cx="0" cy="0"/>
+          <a:chOff x="0" y="0"/>
+          <a:chExt cx="0" cy="0"/>
+        </a:xfrm>
+      </p:grpSpPr>
+      <p:sp>
+        <p:nvSpPr>
+          <p:cNvPr id="3" name="Content Placeholder 2"/>
+          <p:cNvSpPr>
+            <a:spLocks noGrp="1"/>
+          </p:cNvSpPr>
+          <p:nvPr>
+            <p:ph idx="1"/>
+          </p:nvPr>
+        </p:nvSpPr>
+        <p:spPr>
+          <a:xfrm>
+            <a:off x="838200" y="457200"/>
+            <a:ext cx="10515600" cy="5719763"/>
+          </a:xfrm>
+        </p:spPr>
+        <p:txBody>
+          <a:bodyPr>
+            <a:normAutofit/>
+          </a:bodyPr>
+          <a:lstStyle/>
+          <a:p>
+            <a:pPr marL="0" indent="0">
+              <a:buNone/>
+            </a:pPr>
+            <a:r>
+              <a:rPr lang="en-US" dirty="0" smtClean="0"/>
+              <a:t>// Now, volume() returns the volume of a box</a:t>
+            </a:r>
+          </a:p>
+          <a:p>
+            <a:pPr marL="0" indent="0">
+              <a:buNone/>
+            </a:pPr>
+            <a:r>
+              <a:rPr lang="en-US" dirty="0" smtClean="0"/>
+              <a:t>class </a:t>
+            </a:r>
+            <a:r>
+              <a:rPr lang="en-US" dirty="0"/>
+              <a:t>Box {</a:t>
+            </a:r>
+          </a:p>
+          <a:p>
+            <a:pPr marL="0" indent="0">
+              <a:buNone/>
+            </a:pPr>
+            <a:r>
+              <a:rPr lang="en-US" dirty="0" smtClean="0"/>
+              <a:t>	double </a:t>
+            </a:r>
+            <a:r>
+              <a:rPr lang="en-US" dirty="0"/>
+              <a:t>width;</a:t>
+            </a:r>
+          </a:p>
+          <a:p>
+            <a:pPr marL="0" indent="0">
+              <a:buNone/>
+            </a:pPr>
+            <a:r>
+              <a:rPr lang="en-US" dirty="0" smtClean="0"/>
+              <a:t>	double </a:t>
+            </a:r>
+            <a:r>
+              <a:rPr lang="en-US" dirty="0"/>
+              <a:t>height;</a:t>
+            </a:r>
+          </a:p>
+          <a:p>
+            <a:pPr marL="0" indent="0">
+              <a:buNone/>
+            </a:pPr>
+            <a:r>
+              <a:rPr lang="en-US" dirty="0" smtClean="0"/>
+              <a:t>	double </a:t>
+            </a:r>
+            <a:r>
+              <a:rPr lang="en-US" dirty="0"/>
+              <a:t>depth;</a:t>
+            </a:r>
+          </a:p>
+          <a:p>
+            <a:pPr marL="0" indent="0">
+              <a:buNone/>
+            </a:pPr>
+            <a:r>
+              <a:rPr lang="en-US" dirty="0" smtClean="0"/>
+              <a:t>	// </a:t>
+            </a:r>
+            <a:r>
+              <a:rPr lang="en-US" dirty="0"/>
+              <a:t>compute and return volume</a:t>
+            </a:r>
+          </a:p>
+          <a:p>
+            <a:pPr marL="0" indent="0">
+              <a:buNone/>
+            </a:pPr>
+            <a:r>
+              <a:rPr lang="en-US" dirty="0" smtClean="0"/>
+              <a:t>	double </a:t>
+            </a:r>
+            <a:r>
+              <a:rPr lang="en-US" dirty="0"/>
+              <a:t>volume() {</a:t>
+            </a:r>
+          </a:p>
+          <a:p>
+            <a:pPr marL="0" indent="0">
+              <a:buNone/>
+            </a:pPr>
+            <a:r>
+              <a:rPr lang="en-US" dirty="0" smtClean="0"/>
+              <a:t>		return </a:t>
+            </a:r>
+            <a:r>
+              <a:rPr lang="en-US" dirty="0"/>
+              <a:t>width * height * depth;</a:t>
+            </a:r>
+          </a:p>
+          <a:p>
+            <a:pPr marL="0" indent="0">
+              <a:buNone/>
+            </a:pPr>
+            <a:r>
+              <a:rPr lang="en-US" dirty="0" smtClean="0"/>
+              <a:t>	}</a:t>
+            </a:r>
+            <a:endParaRPr lang="en-US" dirty="0"/>
+          </a:p>
+          <a:p>
+            <a:pPr marL="0" indent="0">
+              <a:buNone/>
+            </a:pPr>
+            <a:r>
+              <a:rPr lang="en-US" dirty="0"/>
+              <a:t>}</a:t>
+            </a:r>
+          </a:p>
+        </p:txBody>
+      </p:sp>
+    </p:spTree>
+    <p:extLst>
+      <p:ext uri="{BB962C8B-B14F-4D97-AF65-F5344CB8AC3E}">
+        <p14:creationId xmlns:p14="http://schemas.microsoft.com/office/powerpoint/2010/main" val="2841130924"/>
+      </p:ext>
+    </p:extLst>
+  </p:cSld>
+  <p:clrMapOvr>
+    <a:masterClrMapping/>
+  </p:clrMapOvr>
+  <p:timing>
+    <p:tnLst>
+      <p:par>
+        <p:cTn id="1" dur="indefinite" restart="never" nodeType="tmRoot"/>
+      </p:par>
+    </p:tnLst>
+  </p:timing>
+</p:sld>
+</file>
+
+<file path=ppt/slides/slide15.xml><?xml version="1.0" encoding="utf-8"?>
+<p:sld xmlns:a="http://schemas.openxmlformats.org/drawingml/2006/main" xmlns:r="http://schemas.openxmlformats.org/officeDocument/2006/relationships" xmlns:p="http://schemas.openxmlformats.org/presentationml/2006/main">
+  <p:cSld>
+    <p:spTree>
+      <p:nvGrpSpPr>
+        <p:cNvPr id="1" name=""/>
+        <p:cNvGrpSpPr/>
+        <p:nvPr/>
+      </p:nvGrpSpPr>
+      <p:grpSpPr>
+        <a:xfrm>
+          <a:off x="0" y="0"/>
+          <a:ext cx="0" cy="0"/>
+          <a:chOff x="0" y="0"/>
+          <a:chExt cx="0" cy="0"/>
+        </a:xfrm>
+      </p:grpSpPr>
+      <p:sp>
+        <p:nvSpPr>
+          <p:cNvPr id="2" name="Title 1"/>
+          <p:cNvSpPr>
+            <a:spLocks noGrp="1"/>
+          </p:cNvSpPr>
+          <p:nvPr>
+            <p:ph type="title"/>
+          </p:nvPr>
+        </p:nvSpPr>
+        <p:spPr/>
+        <p:txBody>
+          <a:bodyPr/>
+          <a:lstStyle/>
+          <a:p>
+            <a:r>
+              <a:rPr lang="en-US" b="1" dirty="0"/>
+              <a:t>Adding a Method That Takes Parameters</a:t>
+            </a:r>
+            <a:endParaRPr lang="en-US" dirty="0"/>
+          </a:p>
+        </p:txBody>
+      </p:sp>
+      <p:sp>
+        <p:nvSpPr>
+          <p:cNvPr id="3" name="Content Placeholder 2"/>
+          <p:cNvSpPr>
+            <a:spLocks noGrp="1"/>
+          </p:cNvSpPr>
+          <p:nvPr>
+            <p:ph idx="1"/>
+          </p:nvPr>
+        </p:nvSpPr>
+        <p:spPr/>
+        <p:txBody>
+          <a:bodyPr>
+            <a:normAutofit lnSpcReduction="10000"/>
+          </a:bodyPr>
+          <a:lstStyle/>
+          <a:p>
+            <a:r>
+              <a:rPr lang="en-US" dirty="0"/>
+              <a:t>Parameters allow a method to </a:t>
+            </a:r>
+            <a:r>
+              <a:rPr lang="en-US" dirty="0" smtClean="0"/>
+              <a:t>be generalized</a:t>
+            </a:r>
+            <a:r>
+              <a:rPr lang="en-US" dirty="0"/>
+              <a:t>. </a:t>
+            </a:r>
+            <a:endParaRPr lang="en-US" dirty="0" smtClean="0"/>
+          </a:p>
+          <a:p>
+            <a:r>
+              <a:rPr lang="en-US" dirty="0" smtClean="0"/>
+              <a:t>That </a:t>
+            </a:r>
+            <a:r>
+              <a:rPr lang="en-US" dirty="0"/>
+              <a:t>is, a parameterized method can operate on a variety of data and/or be </a:t>
+            </a:r>
+            <a:r>
+              <a:rPr lang="en-US" dirty="0" smtClean="0"/>
+              <a:t>used in </a:t>
+            </a:r>
+            <a:r>
+              <a:rPr lang="en-US" dirty="0"/>
+              <a:t>a number of slightly different </a:t>
+            </a:r>
+            <a:r>
+              <a:rPr lang="en-US" dirty="0" smtClean="0"/>
+              <a:t>situations</a:t>
+            </a:r>
+          </a:p>
+          <a:p>
+            <a:pPr marL="0" indent="0">
+              <a:buNone/>
+            </a:pPr>
+            <a:endParaRPr lang="en-US" dirty="0"/>
+          </a:p>
+          <a:p>
+            <a:pPr marL="0" indent="0">
+              <a:buNone/>
+            </a:pPr>
+            <a:r>
+              <a:rPr lang="en-US" b="1" dirty="0" smtClean="0"/>
+              <a:t>For example:</a:t>
+            </a:r>
+          </a:p>
+          <a:p>
+            <a:pPr marL="0" indent="0">
+              <a:buNone/>
+            </a:pPr>
+            <a:r>
+              <a:rPr lang="en-US" dirty="0" err="1" smtClean="0"/>
+              <a:t>Int</a:t>
+            </a:r>
+            <a:r>
+              <a:rPr lang="en-US" dirty="0" smtClean="0"/>
+              <a:t> square()					</a:t>
+            </a:r>
+            <a:r>
+              <a:rPr lang="en-US" dirty="0" err="1" smtClean="0"/>
+              <a:t>Int</a:t>
+            </a:r>
+            <a:r>
+              <a:rPr lang="en-US" dirty="0" smtClean="0"/>
+              <a:t> square(</a:t>
+            </a:r>
+            <a:r>
+              <a:rPr lang="en-US" dirty="0" err="1" smtClean="0"/>
+              <a:t>int</a:t>
+            </a:r>
+            <a:r>
+              <a:rPr lang="en-US" dirty="0" smtClean="0"/>
+              <a:t> </a:t>
+            </a:r>
+            <a:r>
+              <a:rPr lang="en-US" dirty="0" err="1" smtClean="0"/>
+              <a:t>i</a:t>
+            </a:r>
+            <a:r>
+              <a:rPr lang="en-US" dirty="0" smtClean="0"/>
+              <a:t>)</a:t>
+            </a:r>
+          </a:p>
+          <a:p>
+            <a:pPr marL="0" indent="0">
+              <a:buNone/>
+            </a:pPr>
+            <a:r>
+              <a:rPr lang="en-US" dirty="0" smtClean="0"/>
+              <a:t>{						{</a:t>
+            </a:r>
+          </a:p>
+          <a:p>
+            <a:pPr marL="0" indent="0">
+              <a:buNone/>
+            </a:pPr>
+            <a:r>
+              <a:rPr lang="en-US" dirty="0"/>
+              <a:t>	</a:t>
+            </a:r>
+            <a:r>
+              <a:rPr lang="en-US" dirty="0" smtClean="0"/>
+              <a:t>return 10 * 10;</a:t>
+            </a:r>
+            <a:r>
+              <a:rPr lang="en-US" dirty="0"/>
+              <a:t>	</a:t>
+            </a:r>
+            <a:r>
+              <a:rPr lang="en-US" dirty="0" smtClean="0"/>
+              <a:t>			return </a:t>
+            </a:r>
+            <a:r>
+              <a:rPr lang="en-US" dirty="0" err="1" smtClean="0"/>
+              <a:t>i</a:t>
+            </a:r>
+            <a:r>
+              <a:rPr lang="en-US" dirty="0" smtClean="0"/>
+              <a:t> * </a:t>
+            </a:r>
+            <a:r>
+              <a:rPr lang="en-US" dirty="0" err="1" smtClean="0"/>
+              <a:t>i</a:t>
+            </a:r>
+            <a:r>
+              <a:rPr lang="en-US" dirty="0" smtClean="0"/>
+              <a:t>;</a:t>
+            </a:r>
+            <a:endParaRPr lang="en-US" dirty="0" smtClean="0"/>
+          </a:p>
+          <a:p>
+            <a:pPr marL="0" indent="0">
+              <a:buNone/>
+            </a:pPr>
+            <a:r>
+              <a:rPr lang="en-US" dirty="0" smtClean="0"/>
+              <a:t>}						}</a:t>
+            </a:r>
+            <a:endParaRPr lang="en-US" dirty="0"/>
+          </a:p>
+        </p:txBody>
+      </p:sp>
+    </p:spTree>
+    <p:extLst>
+      <p:ext uri="{BB962C8B-B14F-4D97-AF65-F5344CB8AC3E}">
+        <p14:creationId xmlns:p14="http://schemas.microsoft.com/office/powerpoint/2010/main" val="3581634697"/>
+      </p:ext>
+    </p:extLst>
+  </p:cSld>
+  <p:clrMapOvr>
+    <a:masterClrMapping/>
+  </p:clrMapOvr>
+  <p:timing>
+    <p:tnLst>
+      <p:par>
+        <p:cTn id="1" dur="indefinite" restart="never" nodeType="tmRoot"/>
+      </p:par>
+    </p:tnLst>
+  </p:timing>
+</p:sld>
+</file>
+
+<file path=ppt/slides/slide16.xml><?xml version="1.0" encoding="utf-8"?>
+<p:sld xmlns:a="http://schemas.openxmlformats.org/drawingml/2006/main" xmlns:r="http://schemas.openxmlformats.org/officeDocument/2006/relationships" xmlns:p="http://schemas.openxmlformats.org/presentationml/2006/main">
+  <p:cSld>
+    <p:spTree>
+      <p:nvGrpSpPr>
+        <p:cNvPr id="1" name=""/>
+        <p:cNvGrpSpPr/>
+        <p:nvPr/>
+      </p:nvGrpSpPr>
+      <p:grpSpPr>
+        <a:xfrm>
+          <a:off x="0" y="0"/>
+          <a:ext cx="0" cy="0"/>
+          <a:chOff x="0" y="0"/>
+          <a:chExt cx="0" cy="0"/>
+        </a:xfrm>
+      </p:grpSpPr>
+      <p:sp>
+        <p:nvSpPr>
+          <p:cNvPr id="2" name="Title 1"/>
+          <p:cNvSpPr>
+            <a:spLocks noGrp="1"/>
+          </p:cNvSpPr>
+          <p:nvPr>
+            <p:ph type="title"/>
+          </p:nvPr>
+        </p:nvSpPr>
+        <p:spPr/>
+        <p:txBody>
+          <a:bodyPr/>
+          <a:lstStyle/>
+          <a:p>
+            <a:r>
+              <a:rPr lang="en-US" dirty="0" smtClean="0"/>
+              <a:t>Constructor</a:t>
+            </a:r>
+            <a:endParaRPr lang="en-US" dirty="0"/>
+          </a:p>
+        </p:txBody>
+      </p:sp>
+      <p:sp>
+        <p:nvSpPr>
+          <p:cNvPr id="3" name="Content Placeholder 2"/>
+          <p:cNvSpPr>
+            <a:spLocks noGrp="1"/>
+          </p:cNvSpPr>
+          <p:nvPr>
+            <p:ph idx="1"/>
+          </p:nvPr>
+        </p:nvSpPr>
+        <p:spPr/>
+        <p:txBody>
+          <a:bodyPr/>
+          <a:lstStyle/>
+          <a:p>
+            <a:r>
+              <a:rPr lang="en-US" dirty="0" smtClean="0"/>
+              <a:t>A constructor </a:t>
+            </a:r>
+            <a:r>
+              <a:rPr lang="en-US" dirty="0"/>
+              <a:t>is a block of codes similar to the method. It is called when an instance of the class is created. </a:t>
+            </a:r>
+            <a:endParaRPr lang="en-US" dirty="0" smtClean="0"/>
+          </a:p>
+          <a:p>
+            <a:r>
+              <a:rPr lang="en-US" dirty="0" smtClean="0"/>
+              <a:t>At </a:t>
+            </a:r>
+            <a:r>
+              <a:rPr lang="en-US" dirty="0"/>
+              <a:t>the time of calling </a:t>
+            </a:r>
+            <a:r>
+              <a:rPr lang="en-US" dirty="0" smtClean="0"/>
+              <a:t>the constructor</a:t>
+            </a:r>
+            <a:r>
+              <a:rPr lang="en-US" dirty="0"/>
+              <a:t>, memory for the object is allocated in the memory</a:t>
+            </a:r>
+            <a:r>
+              <a:rPr lang="en-US" dirty="0" smtClean="0"/>
+              <a:t>.</a:t>
+            </a:r>
+          </a:p>
+          <a:p>
+            <a:r>
+              <a:rPr lang="en-US" dirty="0"/>
+              <a:t>Every time an object is created using the new() keyword, at least one constructor is called. </a:t>
+            </a:r>
+            <a:endParaRPr lang="en-US" dirty="0" smtClean="0"/>
+          </a:p>
+          <a:p>
+            <a:r>
+              <a:rPr lang="en-US" dirty="0"/>
+              <a:t>It calls a default constructor if there is no constructor available in the class. In such </a:t>
+            </a:r>
+            <a:r>
+              <a:rPr lang="en-US" dirty="0" smtClean="0"/>
+              <a:t>cases, </a:t>
+            </a:r>
+            <a:r>
+              <a:rPr lang="en-US" dirty="0"/>
+              <a:t>Java compiler provides a default constructor by default</a:t>
+            </a:r>
+          </a:p>
+        </p:txBody>
+      </p:sp>
+    </p:spTree>
+    <p:extLst>
+      <p:ext uri="{BB962C8B-B14F-4D97-AF65-F5344CB8AC3E}">
+        <p14:creationId xmlns:p14="http://schemas.microsoft.com/office/powerpoint/2010/main" val="4132597634"/>
+      </p:ext>
+    </p:extLst>
+  </p:cSld>
+  <p:clrMapOvr>
+    <a:masterClrMapping/>
+  </p:clrMapOvr>
+  <p:timing>
+    <p:tnLst>
+      <p:par>
+        <p:cTn id="1" dur="indefinite" restart="never" nodeType="tmRoot"/>
+      </p:par>
+    </p:tnLst>
+  </p:timing>
+</p:sld>
+</file>
+
+<file path=ppt/slides/slide17.xml><?xml version="1.0" encoding="utf-8"?>
+<p:sld xmlns:a="http://schemas.openxmlformats.org/drawingml/2006/main" xmlns:r="http://schemas.openxmlformats.org/officeDocument/2006/relationships" xmlns:p="http://schemas.openxmlformats.org/presentationml/2006/main">
+  <p:cSld>
+    <p:spTree>
+      <p:nvGrpSpPr>
+        <p:cNvPr id="1" name=""/>
+        <p:cNvGrpSpPr/>
+        <p:nvPr/>
+      </p:nvGrpSpPr>
+      <p:grpSpPr>
+        <a:xfrm>
+          <a:off x="0" y="0"/>
+          <a:ext cx="0" cy="0"/>
+          <a:chOff x="0" y="0"/>
+          <a:chExt cx="0" cy="0"/>
+        </a:xfrm>
+      </p:grpSpPr>
+      <p:sp>
+        <p:nvSpPr>
+          <p:cNvPr id="2" name="Title 1"/>
+          <p:cNvSpPr>
+            <a:spLocks noGrp="1"/>
+          </p:cNvSpPr>
+          <p:nvPr>
+            <p:ph type="title"/>
+          </p:nvPr>
+        </p:nvSpPr>
+        <p:spPr/>
+        <p:txBody>
+          <a:bodyPr/>
+          <a:lstStyle/>
+          <a:p>
+            <a:r>
+              <a:rPr lang="en-US" dirty="0" smtClean="0"/>
+              <a:t>Types Of Constructor</a:t>
+            </a:r>
+            <a:endParaRPr lang="en-US" dirty="0"/>
+          </a:p>
+        </p:txBody>
+      </p:sp>
+      <p:sp>
+        <p:nvSpPr>
+          <p:cNvPr id="3" name="Content Placeholder 2"/>
+          <p:cNvSpPr>
+            <a:spLocks noGrp="1"/>
+          </p:cNvSpPr>
+          <p:nvPr>
+            <p:ph idx="1"/>
+          </p:nvPr>
+        </p:nvSpPr>
+        <p:spPr/>
+        <p:txBody>
+          <a:bodyPr/>
+          <a:lstStyle/>
+          <a:p>
+            <a:pPr marL="0" indent="0">
+              <a:buNone/>
+            </a:pPr>
+            <a:r>
+              <a:rPr lang="en-US" dirty="0" smtClean="0"/>
+              <a:t>There are two types of constructor:</a:t>
+            </a:r>
+          </a:p>
+          <a:p>
+            <a:pPr marL="514350" indent="-514350">
+              <a:buFont typeface="+mj-lt"/>
+              <a:buAutoNum type="arabicPeriod"/>
+            </a:pPr>
+            <a:r>
+              <a:rPr lang="en-US" dirty="0" smtClean="0"/>
+              <a:t>No-</a:t>
+            </a:r>
+            <a:r>
+              <a:rPr lang="en-US" dirty="0" err="1" smtClean="0"/>
+              <a:t>args</a:t>
+            </a:r>
+            <a:r>
+              <a:rPr lang="en-US" dirty="0" smtClean="0"/>
+              <a:t> constructor</a:t>
+            </a:r>
+          </a:p>
+          <a:p>
+            <a:pPr marL="514350" indent="-514350">
+              <a:buFont typeface="+mj-lt"/>
+              <a:buAutoNum type="arabicPeriod"/>
+            </a:pPr>
+            <a:r>
+              <a:rPr lang="en-US" dirty="0" smtClean="0"/>
+              <a:t>Parameterized constructor.</a:t>
+            </a:r>
+            <a:endParaRPr lang="en-US" dirty="0"/>
+          </a:p>
+        </p:txBody>
+      </p:sp>
+    </p:spTree>
+    <p:extLst>
+      <p:ext uri="{BB962C8B-B14F-4D97-AF65-F5344CB8AC3E}">
+        <p14:creationId xmlns:p14="http://schemas.microsoft.com/office/powerpoint/2010/main" val="2549819427"/>
+      </p:ext>
+    </p:extLst>
+  </p:cSld>
+  <p:clrMapOvr>
+    <a:masterClrMapping/>
+  </p:clrMapOvr>
+  <p:timing>
+    <p:tnLst>
+      <p:par>
+        <p:cTn id="1" dur="indefinite" restart="never" nodeType="tmRoot"/>
+      </p:par>
+    </p:tnLst>
+  </p:timing>
+</p:sld>
+</file>
+
+<file path=ppt/slides/slide18.xml><?xml version="1.0" encoding="utf-8"?>
+<p:sld xmlns:a="http://schemas.openxmlformats.org/drawingml/2006/main" xmlns:r="http://schemas.openxmlformats.org/officeDocument/2006/relationships" xmlns:p="http://schemas.openxmlformats.org/presentationml/2006/main">
+  <p:cSld>
+    <p:spTree>
+      <p:nvGrpSpPr>
+        <p:cNvPr id="1" name=""/>
+        <p:cNvGrpSpPr/>
+        <p:nvPr/>
+      </p:nvGrpSpPr>
+      <p:grpSpPr>
+        <a:xfrm>
+          <a:off x="0" y="0"/>
+          <a:ext cx="0" cy="0"/>
+          <a:chOff x="0" y="0"/>
+          <a:chExt cx="0" cy="0"/>
+        </a:xfrm>
+      </p:grpSpPr>
+      <p:sp>
+        <p:nvSpPr>
+          <p:cNvPr id="2" name="Title 1"/>
+          <p:cNvSpPr>
+            <a:spLocks noGrp="1"/>
+          </p:cNvSpPr>
+          <p:nvPr>
+            <p:ph type="title"/>
+          </p:nvPr>
+        </p:nvSpPr>
+        <p:spPr/>
+        <p:txBody>
+          <a:bodyPr/>
+          <a:lstStyle/>
+          <a:p>
+            <a:r>
+              <a:rPr lang="en-US" dirty="0" smtClean="0"/>
+              <a:t>Rules for creating Java constructor</a:t>
+            </a:r>
+            <a:endParaRPr lang="en-US" dirty="0"/>
+          </a:p>
+        </p:txBody>
+      </p:sp>
+      <p:sp>
+        <p:nvSpPr>
+          <p:cNvPr id="3" name="Content Placeholder 2"/>
+          <p:cNvSpPr>
+            <a:spLocks noGrp="1"/>
+          </p:cNvSpPr>
+          <p:nvPr>
+            <p:ph idx="1"/>
+          </p:nvPr>
+        </p:nvSpPr>
+        <p:spPr/>
+        <p:txBody>
+          <a:bodyPr/>
+          <a:lstStyle/>
+          <a:p>
+            <a:pPr marL="0" indent="0">
+              <a:buNone/>
+            </a:pPr>
+            <a:r>
+              <a:rPr lang="en-US" dirty="0" smtClean="0"/>
+              <a:t>There are three rules defined for the constructor</a:t>
+            </a:r>
+          </a:p>
+          <a:p>
+            <a:pPr marL="971550" lvl="1" indent="-514350">
+              <a:buFont typeface="+mj-lt"/>
+              <a:buAutoNum type="arabicPeriod"/>
+            </a:pPr>
+            <a:r>
+              <a:rPr lang="en-US" dirty="0" smtClean="0"/>
+              <a:t>Constructor name must be the same as its class name</a:t>
+            </a:r>
+          </a:p>
+          <a:p>
+            <a:pPr marL="971550" lvl="1" indent="-514350">
+              <a:buFont typeface="+mj-lt"/>
+              <a:buAutoNum type="arabicPeriod"/>
+            </a:pPr>
+            <a:r>
+              <a:rPr lang="en-US" dirty="0" smtClean="0"/>
+              <a:t>A Constructor must have no explicit return type</a:t>
+            </a:r>
+          </a:p>
+          <a:p>
+            <a:pPr marL="971550" lvl="1" indent="-514350">
+              <a:buFont typeface="+mj-lt"/>
+              <a:buAutoNum type="arabicPeriod"/>
+            </a:pPr>
+            <a:r>
+              <a:rPr lang="en-US" dirty="0" smtClean="0"/>
+              <a:t>A Java constructor cannot be abstract, static, final and synchronized</a:t>
+            </a:r>
+            <a:endParaRPr lang="en-US" dirty="0"/>
+          </a:p>
+        </p:txBody>
+      </p:sp>
+    </p:spTree>
+    <p:extLst>
+      <p:ext uri="{BB962C8B-B14F-4D97-AF65-F5344CB8AC3E}">
+        <p14:creationId xmlns:p14="http://schemas.microsoft.com/office/powerpoint/2010/main" val="2956032641"/>
+      </p:ext>
+    </p:extLst>
+  </p:cSld>
+  <p:clrMapOvr>
+    <a:masterClrMapping/>
+  </p:clrMapOvr>
+  <p:timing>
+    <p:tnLst>
+      <p:par>
+        <p:cTn id="1" dur="indefinite" restart="never" nodeType="tmRoot"/>
+      </p:par>
+    </p:tnLst>
+  </p:timing>
+</p:sld>
+</file>
+
+<file path=ppt/slides/slide19.xml><?xml version="1.0" encoding="utf-8"?>
+<p:sld xmlns:a="http://schemas.openxmlformats.org/drawingml/2006/main" xmlns:r="http://schemas.openxmlformats.org/officeDocument/2006/relationships" xmlns:p="http://schemas.openxmlformats.org/presentationml/2006/main">
+  <p:cSld>
+    <p:spTree>
+      <p:nvGrpSpPr>
+        <p:cNvPr id="1" name=""/>
+        <p:cNvGrpSpPr/>
+        <p:nvPr/>
+      </p:nvGrpSpPr>
+      <p:grpSpPr>
+        <a:xfrm>
+          <a:off x="0" y="0"/>
+          <a:ext cx="0" cy="0"/>
+          <a:chOff x="0" y="0"/>
+          <a:chExt cx="0" cy="0"/>
+        </a:xfrm>
+      </p:grpSpPr>
+      <p:sp>
+        <p:nvSpPr>
+          <p:cNvPr id="2" name="Title 1"/>
+          <p:cNvSpPr>
+            <a:spLocks noGrp="1"/>
+          </p:cNvSpPr>
+          <p:nvPr>
+            <p:ph type="title"/>
+          </p:nvPr>
+        </p:nvSpPr>
+        <p:spPr/>
+        <p:txBody>
+          <a:bodyPr/>
+          <a:lstStyle/>
+          <a:p>
+            <a:r>
+              <a:rPr lang="en-US" dirty="0" smtClean="0"/>
+              <a:t>Default Constructor(no-</a:t>
+            </a:r>
+            <a:r>
+              <a:rPr lang="en-US" dirty="0" err="1" smtClean="0"/>
+              <a:t>args</a:t>
+            </a:r>
+            <a:r>
+              <a:rPr lang="en-US" dirty="0" smtClean="0"/>
+              <a:t> constructor)</a:t>
+            </a:r>
+            <a:endParaRPr lang="en-US" dirty="0"/>
+          </a:p>
+        </p:txBody>
+      </p:sp>
+      <p:sp>
+        <p:nvSpPr>
+          <p:cNvPr id="3" name="Content Placeholder 2"/>
+          <p:cNvSpPr>
+            <a:spLocks noGrp="1"/>
+          </p:cNvSpPr>
+          <p:nvPr>
+            <p:ph idx="1"/>
+          </p:nvPr>
+        </p:nvSpPr>
+        <p:spPr/>
+        <p:txBody>
+          <a:bodyPr/>
+          <a:lstStyle/>
+          <a:p>
+            <a:r>
+              <a:rPr lang="en-US" dirty="0" smtClean="0"/>
+              <a:t>A constructor is called </a:t>
+            </a:r>
+            <a:r>
+              <a:rPr lang="en-US" b="1" dirty="0" smtClean="0"/>
+              <a:t>Default Constructor </a:t>
+            </a:r>
+            <a:r>
+              <a:rPr lang="en-US" dirty="0" smtClean="0"/>
+              <a:t>when it doesn’t have any parameter.</a:t>
+            </a:r>
+          </a:p>
+          <a:p>
+            <a:pPr marL="0" indent="0">
+              <a:buNone/>
+            </a:pPr>
+            <a:endParaRPr lang="en-US" b="1" dirty="0"/>
+          </a:p>
+          <a:p>
+            <a:pPr marL="0" indent="0">
+              <a:buNone/>
+            </a:pPr>
+            <a:r>
+              <a:rPr lang="en-US" b="1" dirty="0" smtClean="0"/>
+              <a:t>Syntax: </a:t>
+            </a:r>
+          </a:p>
+          <a:p>
+            <a:pPr marL="0" indent="0">
+              <a:buNone/>
+            </a:pPr>
+            <a:r>
+              <a:rPr lang="en-US" b="1" dirty="0" smtClean="0"/>
+              <a:t>&lt;</a:t>
+            </a:r>
+            <a:r>
+              <a:rPr lang="en-US" b="1" dirty="0" err="1" smtClean="0"/>
+              <a:t>class_name</a:t>
+            </a:r>
+            <a:r>
+              <a:rPr lang="en-US" b="1" dirty="0" smtClean="0"/>
+              <a:t>&gt;()</a:t>
+            </a:r>
+          </a:p>
+          <a:p>
+            <a:pPr marL="0" indent="0">
+              <a:buNone/>
+            </a:pPr>
+            <a:r>
+              <a:rPr lang="en-US" b="1" dirty="0" smtClean="0"/>
+              <a:t>{</a:t>
+            </a:r>
+          </a:p>
+          <a:p>
+            <a:pPr marL="0" indent="0">
+              <a:buNone/>
+            </a:pPr>
+            <a:r>
+              <a:rPr lang="en-US" b="1" dirty="0" smtClean="0"/>
+              <a:t>}</a:t>
+            </a:r>
+            <a:endParaRPr lang="en-US" b="1" dirty="0"/>
+          </a:p>
+        </p:txBody>
+      </p:sp>
+    </p:spTree>
+    <p:extLst>
+      <p:ext uri="{BB962C8B-B14F-4D97-AF65-F5344CB8AC3E}">
+        <p14:creationId xmlns:p14="http://schemas.microsoft.com/office/powerpoint/2010/main" val="1932746553"/>
+      </p:ext>
+    </p:extLst>
+  </p:cSld>
+  <p:clrMapOvr>
+    <a:masterClrMapping/>
+  </p:clrMapOvr>
+  <p:timing>
+    <p:tnLst>
+      <p:par>
+        <p:cTn id="1" dur="indefinite" restart="never" nodeType="tmRoot"/>
+      </p:par>
+    </p:tnLst>
+  </p:timing>
+</p:sld>
+</file>
+
 <file path=ppt/slides/slide2.xml><?xml version="1.0" encoding="utf-8"?>
 <p:sld xmlns:a="http://schemas.openxmlformats.org/drawingml/2006/main" xmlns:r="http://schemas.openxmlformats.org/officeDocument/2006/relationships" xmlns:p="http://schemas.openxmlformats.org/presentationml/2006/main">
   <p:cSld>
@@ -3121,6 +4613,4236 @@
     <p:extLst>
       <p:ext uri="{BB962C8B-B14F-4D97-AF65-F5344CB8AC3E}">
         <p14:creationId xmlns:p14="http://schemas.microsoft.com/office/powerpoint/2010/main" val="4179468654"/>
+      </p:ext>
+    </p:extLst>
+  </p:cSld>
+  <p:clrMapOvr>
+    <a:masterClrMapping/>
+  </p:clrMapOvr>
+  <p:timing>
+    <p:tnLst>
+      <p:par>
+        <p:cTn id="1" dur="indefinite" restart="never" nodeType="tmRoot"/>
+      </p:par>
+    </p:tnLst>
+  </p:timing>
+</p:sld>
+</file>
+
+<file path=ppt/slides/slide20.xml><?xml version="1.0" encoding="utf-8"?>
+<p:sld xmlns:a="http://schemas.openxmlformats.org/drawingml/2006/main" xmlns:r="http://schemas.openxmlformats.org/officeDocument/2006/relationships" xmlns:p="http://schemas.openxmlformats.org/presentationml/2006/main">
+  <p:cSld>
+    <p:spTree>
+      <p:nvGrpSpPr>
+        <p:cNvPr id="1" name=""/>
+        <p:cNvGrpSpPr/>
+        <p:nvPr/>
+      </p:nvGrpSpPr>
+      <p:grpSpPr>
+        <a:xfrm>
+          <a:off x="0" y="0"/>
+          <a:ext cx="0" cy="0"/>
+          <a:chOff x="0" y="0"/>
+          <a:chExt cx="0" cy="0"/>
+        </a:xfrm>
+      </p:grpSpPr>
+      <p:pic>
+        <p:nvPicPr>
+          <p:cNvPr id="4" name="Content Placeholder 3"/>
+          <p:cNvPicPr>
+            <a:picLocks noGrp="1" noChangeAspect="1"/>
+          </p:cNvPicPr>
+          <p:nvPr>
+            <p:ph idx="1"/>
+          </p:nvPr>
+        </p:nvPicPr>
+        <p:blipFill>
+          <a:blip r:embed="rId2">
+            <a:extLst>
+              <a:ext uri="{28A0092B-C50C-407E-A947-70E740481C1C}">
+                <a14:useLocalDpi xmlns:a14="http://schemas.microsoft.com/office/drawing/2010/main" val="0"/>
+              </a:ext>
+            </a:extLst>
+          </a:blip>
+          <a:stretch>
+            <a:fillRect/>
+          </a:stretch>
+        </p:blipFill>
+        <p:spPr>
+          <a:xfrm>
+            <a:off x="-57036" y="1303020"/>
+            <a:ext cx="12249036" cy="4070827"/>
+          </a:xfrm>
+        </p:spPr>
+      </p:pic>
+    </p:spTree>
+    <p:extLst>
+      <p:ext uri="{BB962C8B-B14F-4D97-AF65-F5344CB8AC3E}">
+        <p14:creationId xmlns:p14="http://schemas.microsoft.com/office/powerpoint/2010/main" val="693877815"/>
+      </p:ext>
+    </p:extLst>
+  </p:cSld>
+  <p:clrMapOvr>
+    <a:masterClrMapping/>
+  </p:clrMapOvr>
+  <p:timing>
+    <p:tnLst>
+      <p:par>
+        <p:cTn id="1" dur="indefinite" restart="never" nodeType="tmRoot"/>
+      </p:par>
+    </p:tnLst>
+  </p:timing>
+</p:sld>
+</file>
+
+<file path=ppt/slides/slide21.xml><?xml version="1.0" encoding="utf-8"?>
+<p:sld xmlns:a="http://schemas.openxmlformats.org/drawingml/2006/main" xmlns:r="http://schemas.openxmlformats.org/officeDocument/2006/relationships" xmlns:p="http://schemas.openxmlformats.org/presentationml/2006/main">
+  <p:cSld>
+    <p:spTree>
+      <p:nvGrpSpPr>
+        <p:cNvPr id="1" name=""/>
+        <p:cNvGrpSpPr/>
+        <p:nvPr/>
+      </p:nvGrpSpPr>
+      <p:grpSpPr>
+        <a:xfrm>
+          <a:off x="0" y="0"/>
+          <a:ext cx="0" cy="0"/>
+          <a:chOff x="0" y="0"/>
+          <a:chExt cx="0" cy="0"/>
+        </a:xfrm>
+      </p:grpSpPr>
+      <p:sp>
+        <p:nvSpPr>
+          <p:cNvPr id="2" name="Title 1"/>
+          <p:cNvSpPr>
+            <a:spLocks noGrp="1"/>
+          </p:cNvSpPr>
+          <p:nvPr>
+            <p:ph type="title"/>
+          </p:nvPr>
+        </p:nvSpPr>
+        <p:spPr/>
+        <p:txBody>
+          <a:bodyPr/>
+          <a:lstStyle/>
+          <a:p>
+            <a:r>
+              <a:rPr lang="en-US" dirty="0" smtClean="0"/>
+              <a:t>What is the purpose of a default constructor?</a:t>
+            </a:r>
+            <a:endParaRPr lang="en-US" dirty="0"/>
+          </a:p>
+        </p:txBody>
+      </p:sp>
+      <p:sp>
+        <p:nvSpPr>
+          <p:cNvPr id="3" name="Content Placeholder 2"/>
+          <p:cNvSpPr>
+            <a:spLocks noGrp="1"/>
+          </p:cNvSpPr>
+          <p:nvPr>
+            <p:ph idx="1"/>
+          </p:nvPr>
+        </p:nvSpPr>
+        <p:spPr/>
+        <p:txBody>
+          <a:bodyPr/>
+          <a:lstStyle/>
+          <a:p>
+            <a:pPr marL="0" indent="0">
+              <a:buNone/>
+            </a:pPr>
+            <a:r>
+              <a:rPr lang="en-US" dirty="0"/>
+              <a:t>The default constructor is used to provide the default values to the object like 0, null, etc., depending on the type.</a:t>
+            </a:r>
+          </a:p>
+        </p:txBody>
+      </p:sp>
+    </p:spTree>
+    <p:extLst>
+      <p:ext uri="{BB962C8B-B14F-4D97-AF65-F5344CB8AC3E}">
+        <p14:creationId xmlns:p14="http://schemas.microsoft.com/office/powerpoint/2010/main" val="1667102791"/>
+      </p:ext>
+    </p:extLst>
+  </p:cSld>
+  <p:clrMapOvr>
+    <a:masterClrMapping/>
+  </p:clrMapOvr>
+  <p:timing>
+    <p:tnLst>
+      <p:par>
+        <p:cTn id="1" dur="indefinite" restart="never" nodeType="tmRoot"/>
+      </p:par>
+    </p:tnLst>
+  </p:timing>
+</p:sld>
+</file>
+
+<file path=ppt/slides/slide22.xml><?xml version="1.0" encoding="utf-8"?>
+<p:sld xmlns:a="http://schemas.openxmlformats.org/drawingml/2006/main" xmlns:r="http://schemas.openxmlformats.org/officeDocument/2006/relationships" xmlns:p="http://schemas.openxmlformats.org/presentationml/2006/main">
+  <p:cSld>
+    <p:spTree>
+      <p:nvGrpSpPr>
+        <p:cNvPr id="1" name=""/>
+        <p:cNvGrpSpPr/>
+        <p:nvPr/>
+      </p:nvGrpSpPr>
+      <p:grpSpPr>
+        <a:xfrm>
+          <a:off x="0" y="0"/>
+          <a:ext cx="0" cy="0"/>
+          <a:chOff x="0" y="0"/>
+          <a:chExt cx="0" cy="0"/>
+        </a:xfrm>
+      </p:grpSpPr>
+      <p:sp>
+        <p:nvSpPr>
+          <p:cNvPr id="2" name="Title 1"/>
+          <p:cNvSpPr>
+            <a:spLocks noGrp="1"/>
+          </p:cNvSpPr>
+          <p:nvPr>
+            <p:ph type="title"/>
+          </p:nvPr>
+        </p:nvSpPr>
+        <p:spPr/>
+        <p:txBody>
+          <a:bodyPr/>
+          <a:lstStyle/>
+          <a:p>
+            <a:r>
+              <a:rPr lang="en-US" dirty="0" smtClean="0"/>
+              <a:t>Example</a:t>
+            </a:r>
+            <a:endParaRPr lang="en-US" dirty="0"/>
+          </a:p>
+        </p:txBody>
+      </p:sp>
+      <p:sp>
+        <p:nvSpPr>
+          <p:cNvPr id="4" name="Rectangle 1"/>
+          <p:cNvSpPr>
+            <a:spLocks noGrp="1" noChangeArrowheads="1"/>
+          </p:cNvSpPr>
+          <p:nvPr>
+            <p:ph idx="1"/>
+          </p:nvPr>
+        </p:nvSpPr>
+        <p:spPr bwMode="auto">
+          <a:xfrm>
+            <a:off x="838200" y="1778207"/>
+            <a:ext cx="9974580" cy="3693319"/>
+          </a:xfrm>
+          <a:prstGeom prst="rect">
+            <a:avLst/>
+          </a:prstGeom>
+          <a:noFill/>
+          <a:ln>
+            <a:noFill/>
+          </a:ln>
+          <a:effectLst/>
+          <a:extLst>
+            <a:ext uri="{909E8E84-426E-40DD-AFC4-6F175D3DCCD1}">
+              <a14:hiddenFill xmlns:a14="http://schemas.microsoft.com/office/drawing/2010/main">
+                <a:solidFill>
+                  <a:schemeClr val="accent1"/>
+                </a:solidFill>
+              </a14:hiddenFill>
+            </a:ext>
+            <a:ext uri="{91240B29-F687-4F45-9708-019B960494DF}">
+              <a14:hiddenLine xmlns:a14="http://schemas.microsoft.com/office/drawing/2010/main" w="9525">
+                <a:solidFill>
+                  <a:schemeClr val="tx1"/>
+                </a:solidFill>
+                <a:miter lim="800000"/>
+                <a:headEnd/>
+                <a:tailEnd/>
+              </a14:hiddenLine>
+            </a:ext>
+            <a:ext uri="{AF507438-7753-43E0-B8FC-AC1667EBCBE1}">
+              <a14:hiddenEffects xmlns:a14="http://schemas.microsoft.com/office/drawing/2010/main">
+                <a:effectLst>
+                  <a:outerShdw dist="35921" dir="2700000" algn="ctr" rotWithShape="0">
+                    <a:schemeClr val="bg2"/>
+                  </a:outerShdw>
+                </a:effectLst>
+              </a14:hiddenEffects>
+            </a:ext>
+          </a:extLst>
+        </p:spPr>
+        <p:txBody>
+          <a:bodyPr vert="horz" wrap="square" lIns="91440" tIns="45720" rIns="91440" bIns="45720" numCol="1" anchor="ctr" anchorCtr="0" compatLnSpc="1">
+            <a:prstTxWarp prst="textNoShape">
+              <a:avLst/>
+            </a:prstTxWarp>
+            <a:spAutoFit/>
+          </a:bodyPr>
+          <a:lstStyle/>
+          <a:p>
+            <a:pPr marL="0" marR="0" lvl="0" indent="0" algn="l" defTabSz="914400" rtl="0" eaLnBrk="0" fontAlgn="base" latinLnBrk="0" hangingPunct="0">
+              <a:lnSpc>
+                <a:spcPct val="100000"/>
+              </a:lnSpc>
+              <a:spcBef>
+                <a:spcPct val="0"/>
+              </a:spcBef>
+              <a:spcAft>
+                <a:spcPct val="0"/>
+              </a:spcAft>
+              <a:buClrTx/>
+              <a:buSzTx/>
+              <a:buNone/>
+              <a:tabLst/>
+            </a:pPr>
+            <a:r>
+              <a:rPr kumimoji="0" lang="en-US" altLang="en-US" sz="1800" b="0" i="0" u="none" strike="noStrike" cap="none" normalizeH="0" baseline="0" dirty="0" smtClean="0">
+                <a:ln>
+                  <a:noFill/>
+                </a:ln>
+                <a:solidFill>
+                  <a:schemeClr val="tx1"/>
+                </a:solidFill>
+                <a:effectLst/>
+                <a:latin typeface="Arial" panose="020B0604020202020204" pitchFamily="34" charset="0"/>
+              </a:rPr>
+              <a:t>class Employee{  </a:t>
+            </a:r>
+          </a:p>
+          <a:p>
+            <a:pPr marL="0" marR="0" lvl="0" indent="0" algn="l" defTabSz="914400" rtl="0" eaLnBrk="0" fontAlgn="base" latinLnBrk="0" hangingPunct="0">
+              <a:lnSpc>
+                <a:spcPct val="100000"/>
+              </a:lnSpc>
+              <a:spcBef>
+                <a:spcPct val="0"/>
+              </a:spcBef>
+              <a:spcAft>
+                <a:spcPct val="0"/>
+              </a:spcAft>
+              <a:buClrTx/>
+              <a:buSzTx/>
+              <a:buNone/>
+              <a:tabLst/>
+            </a:pPr>
+            <a:r>
+              <a:rPr kumimoji="0" lang="en-US" altLang="en-US" sz="1800" b="0" i="0" u="none" strike="noStrike" cap="none" normalizeH="0" baseline="0" dirty="0" err="1" smtClean="0">
+                <a:ln>
+                  <a:noFill/>
+                </a:ln>
+                <a:solidFill>
+                  <a:schemeClr val="tx1"/>
+                </a:solidFill>
+                <a:effectLst/>
+                <a:latin typeface="Arial" panose="020B0604020202020204" pitchFamily="34" charset="0"/>
+              </a:rPr>
+              <a:t>int</a:t>
+            </a:r>
+            <a:r>
+              <a:rPr kumimoji="0" lang="en-US" altLang="en-US" sz="1800" b="0" i="0" u="none" strike="noStrike" cap="none" normalizeH="0" baseline="0" dirty="0" smtClean="0">
+                <a:ln>
+                  <a:noFill/>
+                </a:ln>
+                <a:solidFill>
+                  <a:schemeClr val="tx1"/>
+                </a:solidFill>
+                <a:effectLst/>
+                <a:latin typeface="Arial" panose="020B0604020202020204" pitchFamily="34" charset="0"/>
+              </a:rPr>
+              <a:t> id;  </a:t>
+            </a:r>
+          </a:p>
+          <a:p>
+            <a:pPr marL="0" marR="0" lvl="0" indent="0" algn="l" defTabSz="914400" rtl="0" eaLnBrk="0" fontAlgn="base" latinLnBrk="0" hangingPunct="0">
+              <a:lnSpc>
+                <a:spcPct val="100000"/>
+              </a:lnSpc>
+              <a:spcBef>
+                <a:spcPct val="0"/>
+              </a:spcBef>
+              <a:spcAft>
+                <a:spcPct val="0"/>
+              </a:spcAft>
+              <a:buClrTx/>
+              <a:buSzTx/>
+              <a:buNone/>
+              <a:tabLst/>
+            </a:pPr>
+            <a:r>
+              <a:rPr kumimoji="0" lang="en-US" altLang="en-US" sz="1800" b="0" i="0" u="none" strike="noStrike" cap="none" normalizeH="0" baseline="0" dirty="0" smtClean="0">
+                <a:ln>
+                  <a:noFill/>
+                </a:ln>
+                <a:solidFill>
+                  <a:schemeClr val="tx1"/>
+                </a:solidFill>
+                <a:effectLst/>
+                <a:latin typeface="Arial" panose="020B0604020202020204" pitchFamily="34" charset="0"/>
+              </a:rPr>
+              <a:t>String name;  </a:t>
+            </a:r>
+          </a:p>
+          <a:p>
+            <a:pPr marL="0" marR="0" lvl="0" indent="0" algn="l" defTabSz="914400" rtl="0" eaLnBrk="0" fontAlgn="base" latinLnBrk="0" hangingPunct="0">
+              <a:lnSpc>
+                <a:spcPct val="100000"/>
+              </a:lnSpc>
+              <a:spcBef>
+                <a:spcPct val="0"/>
+              </a:spcBef>
+              <a:spcAft>
+                <a:spcPct val="0"/>
+              </a:spcAft>
+              <a:buClrTx/>
+              <a:buSzTx/>
+              <a:buNone/>
+              <a:tabLst/>
+            </a:pPr>
+            <a:endParaRPr kumimoji="0" lang="en-US" altLang="en-US" sz="1800" b="0" i="0" u="none" strike="noStrike" cap="none" normalizeH="0" baseline="0" dirty="0" smtClean="0">
+              <a:ln>
+                <a:noFill/>
+              </a:ln>
+              <a:solidFill>
+                <a:schemeClr val="tx1"/>
+              </a:solidFill>
+              <a:effectLst/>
+              <a:latin typeface="Arial" panose="020B0604020202020204" pitchFamily="34" charset="0"/>
+            </a:endParaRPr>
+          </a:p>
+          <a:p>
+            <a:pPr marL="0" marR="0" lvl="0" indent="0" algn="l" defTabSz="914400" rtl="0" eaLnBrk="0" fontAlgn="base" latinLnBrk="0" hangingPunct="0">
+              <a:lnSpc>
+                <a:spcPct val="100000"/>
+              </a:lnSpc>
+              <a:spcBef>
+                <a:spcPct val="0"/>
+              </a:spcBef>
+              <a:spcAft>
+                <a:spcPct val="0"/>
+              </a:spcAft>
+              <a:buClrTx/>
+              <a:buSzTx/>
+              <a:buNone/>
+              <a:tabLst/>
+            </a:pPr>
+            <a:r>
+              <a:rPr kumimoji="0" lang="en-US" altLang="en-US" sz="1800" b="0" i="0" u="none" strike="noStrike" cap="none" normalizeH="0" baseline="0" dirty="0" smtClean="0">
+                <a:ln>
+                  <a:noFill/>
+                </a:ln>
+                <a:solidFill>
+                  <a:schemeClr val="tx1"/>
+                </a:solidFill>
+                <a:effectLst/>
+                <a:latin typeface="Arial" panose="020B0604020202020204" pitchFamily="34" charset="0"/>
+              </a:rPr>
+              <a:t>void display(){</a:t>
+            </a:r>
+            <a:r>
+              <a:rPr kumimoji="0" lang="en-US" altLang="en-US" sz="1800" b="0" i="0" u="none" strike="noStrike" cap="none" normalizeH="0" baseline="0" dirty="0" err="1" smtClean="0">
+                <a:ln>
+                  <a:noFill/>
+                </a:ln>
+                <a:solidFill>
+                  <a:schemeClr val="tx1"/>
+                </a:solidFill>
+                <a:effectLst/>
+                <a:latin typeface="Arial" panose="020B0604020202020204" pitchFamily="34" charset="0"/>
+              </a:rPr>
+              <a:t>System.out.println</a:t>
+            </a:r>
+            <a:r>
+              <a:rPr kumimoji="0" lang="en-US" altLang="en-US" sz="1800" b="0" i="0" u="none" strike="noStrike" cap="none" normalizeH="0" baseline="0" dirty="0" smtClean="0">
+                <a:ln>
+                  <a:noFill/>
+                </a:ln>
+                <a:solidFill>
+                  <a:schemeClr val="tx1"/>
+                </a:solidFill>
+                <a:effectLst/>
+                <a:latin typeface="Arial" panose="020B0604020202020204" pitchFamily="34" charset="0"/>
+              </a:rPr>
+              <a:t>(id+" "+name);}  </a:t>
+            </a:r>
+          </a:p>
+          <a:p>
+            <a:pPr marL="0" marR="0" lvl="0" indent="0" algn="l" defTabSz="914400" rtl="0" eaLnBrk="0" fontAlgn="base" latinLnBrk="0" hangingPunct="0">
+              <a:lnSpc>
+                <a:spcPct val="100000"/>
+              </a:lnSpc>
+              <a:spcBef>
+                <a:spcPct val="0"/>
+              </a:spcBef>
+              <a:spcAft>
+                <a:spcPct val="0"/>
+              </a:spcAft>
+              <a:buClrTx/>
+              <a:buSzTx/>
+              <a:buNone/>
+              <a:tabLst/>
+            </a:pPr>
+            <a:endParaRPr kumimoji="0" lang="en-US" altLang="en-US" sz="1800" b="0" i="0" u="none" strike="noStrike" cap="none" normalizeH="0" baseline="0" dirty="0" smtClean="0">
+              <a:ln>
+                <a:noFill/>
+              </a:ln>
+              <a:solidFill>
+                <a:schemeClr val="tx1"/>
+              </a:solidFill>
+              <a:effectLst/>
+              <a:latin typeface="Arial" panose="020B0604020202020204" pitchFamily="34" charset="0"/>
+            </a:endParaRPr>
+          </a:p>
+          <a:p>
+            <a:pPr marL="0" marR="0" lvl="0" indent="0" algn="l" defTabSz="914400" rtl="0" eaLnBrk="0" fontAlgn="base" latinLnBrk="0" hangingPunct="0">
+              <a:lnSpc>
+                <a:spcPct val="100000"/>
+              </a:lnSpc>
+              <a:spcBef>
+                <a:spcPct val="0"/>
+              </a:spcBef>
+              <a:spcAft>
+                <a:spcPct val="0"/>
+              </a:spcAft>
+              <a:buClrTx/>
+              <a:buSzTx/>
+              <a:buNone/>
+              <a:tabLst/>
+            </a:pPr>
+            <a:r>
+              <a:rPr kumimoji="0" lang="en-US" altLang="en-US" sz="1800" b="0" i="0" u="none" strike="noStrike" cap="none" normalizeH="0" baseline="0" dirty="0" smtClean="0">
+                <a:ln>
+                  <a:noFill/>
+                </a:ln>
+                <a:solidFill>
+                  <a:schemeClr val="tx1"/>
+                </a:solidFill>
+                <a:effectLst/>
+                <a:latin typeface="Arial" panose="020B0604020202020204" pitchFamily="34" charset="0"/>
+              </a:rPr>
+              <a:t>public static void main(String </a:t>
+            </a:r>
+            <a:r>
+              <a:rPr kumimoji="0" lang="en-US" altLang="en-US" sz="1800" b="0" i="0" u="none" strike="noStrike" cap="none" normalizeH="0" baseline="0" dirty="0" err="1" smtClean="0">
+                <a:ln>
+                  <a:noFill/>
+                </a:ln>
+                <a:solidFill>
+                  <a:schemeClr val="tx1"/>
+                </a:solidFill>
+                <a:effectLst/>
+                <a:latin typeface="Arial" panose="020B0604020202020204" pitchFamily="34" charset="0"/>
+              </a:rPr>
+              <a:t>args</a:t>
+            </a:r>
+            <a:r>
+              <a:rPr kumimoji="0" lang="en-US" altLang="en-US" sz="1800" b="0" i="0" u="none" strike="noStrike" cap="none" normalizeH="0" baseline="0" dirty="0" smtClean="0">
+                <a:ln>
+                  <a:noFill/>
+                </a:ln>
+                <a:solidFill>
+                  <a:schemeClr val="tx1"/>
+                </a:solidFill>
+                <a:effectLst/>
+                <a:latin typeface="Arial" panose="020B0604020202020204" pitchFamily="34" charset="0"/>
+              </a:rPr>
+              <a:t>[]){   </a:t>
+            </a:r>
+          </a:p>
+          <a:p>
+            <a:pPr marL="0" lvl="0" indent="0" eaLnBrk="0" fontAlgn="base" hangingPunct="0">
+              <a:lnSpc>
+                <a:spcPct val="100000"/>
+              </a:lnSpc>
+              <a:spcBef>
+                <a:spcPct val="0"/>
+              </a:spcBef>
+              <a:spcAft>
+                <a:spcPct val="0"/>
+              </a:spcAft>
+              <a:buNone/>
+            </a:pPr>
+            <a:r>
+              <a:rPr lang="en-US" altLang="en-US" sz="1800" dirty="0">
+                <a:latin typeface="Arial" panose="020B0604020202020204" pitchFamily="34" charset="0"/>
+              </a:rPr>
+              <a:t>Employee </a:t>
+            </a:r>
+            <a:r>
+              <a:rPr kumimoji="0" lang="en-US" altLang="en-US" sz="1800" b="0" i="0" u="none" strike="noStrike" cap="none" normalizeH="0" baseline="0" dirty="0" smtClean="0">
+                <a:ln>
+                  <a:noFill/>
+                </a:ln>
+                <a:solidFill>
+                  <a:schemeClr val="tx1"/>
+                </a:solidFill>
+                <a:effectLst/>
+                <a:latin typeface="Arial" panose="020B0604020202020204" pitchFamily="34" charset="0"/>
+              </a:rPr>
+              <a:t> e1=new </a:t>
+            </a:r>
+            <a:r>
+              <a:rPr lang="en-US" altLang="en-US" sz="1800" dirty="0">
+                <a:latin typeface="Arial" panose="020B0604020202020204" pitchFamily="34" charset="0"/>
+              </a:rPr>
+              <a:t> Employee</a:t>
+            </a:r>
+            <a:r>
+              <a:rPr kumimoji="0" lang="en-US" altLang="en-US" sz="1800" b="0" i="0" u="none" strike="noStrike" cap="none" normalizeH="0" baseline="0" dirty="0" smtClean="0">
+                <a:ln>
+                  <a:noFill/>
+                </a:ln>
+                <a:solidFill>
+                  <a:schemeClr val="tx1"/>
+                </a:solidFill>
+                <a:effectLst/>
+                <a:latin typeface="Arial" panose="020B0604020202020204" pitchFamily="34" charset="0"/>
+              </a:rPr>
+              <a:t>();  </a:t>
+            </a:r>
+          </a:p>
+          <a:p>
+            <a:pPr marL="0" lvl="0" indent="0" eaLnBrk="0" fontAlgn="base" hangingPunct="0">
+              <a:lnSpc>
+                <a:spcPct val="100000"/>
+              </a:lnSpc>
+              <a:spcBef>
+                <a:spcPct val="0"/>
+              </a:spcBef>
+              <a:spcAft>
+                <a:spcPct val="0"/>
+              </a:spcAft>
+              <a:buNone/>
+            </a:pPr>
+            <a:r>
+              <a:rPr lang="en-US" altLang="en-US" sz="1800" dirty="0">
+                <a:latin typeface="Arial" panose="020B0604020202020204" pitchFamily="34" charset="0"/>
+              </a:rPr>
+              <a:t>Employee </a:t>
+            </a:r>
+            <a:r>
+              <a:rPr kumimoji="0" lang="en-US" altLang="en-US" sz="1800" b="0" i="0" u="none" strike="noStrike" cap="none" normalizeH="0" baseline="0" dirty="0" smtClean="0">
+                <a:ln>
+                  <a:noFill/>
+                </a:ln>
+                <a:solidFill>
+                  <a:schemeClr val="tx1"/>
+                </a:solidFill>
+                <a:effectLst/>
+                <a:latin typeface="Arial" panose="020B0604020202020204" pitchFamily="34" charset="0"/>
+              </a:rPr>
+              <a:t> e2=new </a:t>
+            </a:r>
+            <a:r>
+              <a:rPr lang="en-US" altLang="en-US" sz="1800" dirty="0">
+                <a:latin typeface="Arial" panose="020B0604020202020204" pitchFamily="34" charset="0"/>
+              </a:rPr>
+              <a:t> Employee</a:t>
+            </a:r>
+            <a:r>
+              <a:rPr kumimoji="0" lang="en-US" altLang="en-US" sz="1800" b="0" i="0" u="none" strike="noStrike" cap="none" normalizeH="0" baseline="0" dirty="0" smtClean="0">
+                <a:ln>
+                  <a:noFill/>
+                </a:ln>
+                <a:solidFill>
+                  <a:schemeClr val="tx1"/>
+                </a:solidFill>
+                <a:effectLst/>
+                <a:latin typeface="Arial" panose="020B0604020202020204" pitchFamily="34" charset="0"/>
+              </a:rPr>
+              <a:t>();  </a:t>
+            </a:r>
+          </a:p>
+          <a:p>
+            <a:pPr marL="0" marR="0" lvl="0" indent="0" algn="l" defTabSz="914400" rtl="0" eaLnBrk="0" fontAlgn="base" latinLnBrk="0" hangingPunct="0">
+              <a:lnSpc>
+                <a:spcPct val="100000"/>
+              </a:lnSpc>
+              <a:spcBef>
+                <a:spcPct val="0"/>
+              </a:spcBef>
+              <a:spcAft>
+                <a:spcPct val="0"/>
+              </a:spcAft>
+              <a:buClrTx/>
+              <a:buSzTx/>
+              <a:buNone/>
+              <a:tabLst/>
+            </a:pPr>
+            <a:endParaRPr kumimoji="0" lang="en-US" altLang="en-US" sz="1800" b="0" i="0" u="none" strike="noStrike" cap="none" normalizeH="0" baseline="0" dirty="0" smtClean="0">
+              <a:ln>
+                <a:noFill/>
+              </a:ln>
+              <a:solidFill>
+                <a:schemeClr val="tx1"/>
+              </a:solidFill>
+              <a:effectLst/>
+              <a:latin typeface="Arial" panose="020B0604020202020204" pitchFamily="34" charset="0"/>
+            </a:endParaRPr>
+          </a:p>
+          <a:p>
+            <a:pPr marL="0" marR="0" lvl="0" indent="0" algn="l" defTabSz="914400" rtl="0" eaLnBrk="0" fontAlgn="base" latinLnBrk="0" hangingPunct="0">
+              <a:lnSpc>
+                <a:spcPct val="100000"/>
+              </a:lnSpc>
+              <a:spcBef>
+                <a:spcPct val="0"/>
+              </a:spcBef>
+              <a:spcAft>
+                <a:spcPct val="0"/>
+              </a:spcAft>
+              <a:buClrTx/>
+              <a:buSzTx/>
+              <a:buNone/>
+              <a:tabLst/>
+            </a:pPr>
+            <a:r>
+              <a:rPr lang="en-US" altLang="en-US" sz="1800" dirty="0">
+                <a:latin typeface="Arial" panose="020B0604020202020204" pitchFamily="34" charset="0"/>
+              </a:rPr>
+              <a:t>e</a:t>
+            </a:r>
+            <a:r>
+              <a:rPr kumimoji="0" lang="en-US" altLang="en-US" sz="1800" b="0" i="0" u="none" strike="noStrike" cap="none" normalizeH="0" baseline="0" dirty="0" smtClean="0">
+                <a:ln>
+                  <a:noFill/>
+                </a:ln>
+                <a:solidFill>
+                  <a:schemeClr val="tx1"/>
+                </a:solidFill>
+                <a:effectLst/>
+                <a:latin typeface="Arial" panose="020B0604020202020204" pitchFamily="34" charset="0"/>
+              </a:rPr>
+              <a:t>1.display();  </a:t>
+            </a:r>
+          </a:p>
+          <a:p>
+            <a:pPr marL="0" marR="0" lvl="0" indent="0" algn="l" defTabSz="914400" rtl="0" eaLnBrk="0" fontAlgn="base" latinLnBrk="0" hangingPunct="0">
+              <a:lnSpc>
+                <a:spcPct val="100000"/>
+              </a:lnSpc>
+              <a:spcBef>
+                <a:spcPct val="0"/>
+              </a:spcBef>
+              <a:spcAft>
+                <a:spcPct val="0"/>
+              </a:spcAft>
+              <a:buClrTx/>
+              <a:buSzTx/>
+              <a:buNone/>
+              <a:tabLst/>
+            </a:pPr>
+            <a:r>
+              <a:rPr lang="en-US" altLang="en-US" sz="1800" dirty="0">
+                <a:latin typeface="Arial" panose="020B0604020202020204" pitchFamily="34" charset="0"/>
+              </a:rPr>
+              <a:t>e</a:t>
+            </a:r>
+            <a:r>
+              <a:rPr kumimoji="0" lang="en-US" altLang="en-US" sz="1800" b="0" i="0" u="none" strike="noStrike" cap="none" normalizeH="0" baseline="0" dirty="0" smtClean="0">
+                <a:ln>
+                  <a:noFill/>
+                </a:ln>
+                <a:solidFill>
+                  <a:schemeClr val="tx1"/>
+                </a:solidFill>
+                <a:effectLst/>
+                <a:latin typeface="Arial" panose="020B0604020202020204" pitchFamily="34" charset="0"/>
+              </a:rPr>
+              <a:t>2.display();  </a:t>
+            </a:r>
+          </a:p>
+          <a:p>
+            <a:pPr marL="0" marR="0" lvl="0" indent="0" algn="l" defTabSz="914400" rtl="0" eaLnBrk="0" fontAlgn="base" latinLnBrk="0" hangingPunct="0">
+              <a:lnSpc>
+                <a:spcPct val="100000"/>
+              </a:lnSpc>
+              <a:spcBef>
+                <a:spcPct val="0"/>
+              </a:spcBef>
+              <a:spcAft>
+                <a:spcPct val="0"/>
+              </a:spcAft>
+              <a:buClrTx/>
+              <a:buSzTx/>
+              <a:buNone/>
+              <a:tabLst/>
+            </a:pPr>
+            <a:r>
+              <a:rPr kumimoji="0" lang="en-US" altLang="en-US" sz="1800" b="0" i="0" u="none" strike="noStrike" cap="none" normalizeH="0" baseline="0" dirty="0" smtClean="0">
+                <a:ln>
+                  <a:noFill/>
+                </a:ln>
+                <a:solidFill>
+                  <a:schemeClr val="tx1"/>
+                </a:solidFill>
+                <a:effectLst/>
+                <a:latin typeface="Arial" panose="020B0604020202020204" pitchFamily="34" charset="0"/>
+              </a:rPr>
+              <a:t>} }  </a:t>
+            </a:r>
+          </a:p>
+        </p:txBody>
+      </p:sp>
+    </p:spTree>
+    <p:extLst>
+      <p:ext uri="{BB962C8B-B14F-4D97-AF65-F5344CB8AC3E}">
+        <p14:creationId xmlns:p14="http://schemas.microsoft.com/office/powerpoint/2010/main" val="915347276"/>
+      </p:ext>
+    </p:extLst>
+  </p:cSld>
+  <p:clrMapOvr>
+    <a:masterClrMapping/>
+  </p:clrMapOvr>
+  <p:timing>
+    <p:tnLst>
+      <p:par>
+        <p:cTn id="1" dur="indefinite" restart="never" nodeType="tmRoot"/>
+      </p:par>
+    </p:tnLst>
+  </p:timing>
+</p:sld>
+</file>
+
+<file path=ppt/slides/slide23.xml><?xml version="1.0" encoding="utf-8"?>
+<p:sld xmlns:a="http://schemas.openxmlformats.org/drawingml/2006/main" xmlns:r="http://schemas.openxmlformats.org/officeDocument/2006/relationships" xmlns:p="http://schemas.openxmlformats.org/presentationml/2006/main">
+  <p:cSld>
+    <p:spTree>
+      <p:nvGrpSpPr>
+        <p:cNvPr id="1" name=""/>
+        <p:cNvGrpSpPr/>
+        <p:nvPr/>
+      </p:nvGrpSpPr>
+      <p:grpSpPr>
+        <a:xfrm>
+          <a:off x="0" y="0"/>
+          <a:ext cx="0" cy="0"/>
+          <a:chOff x="0" y="0"/>
+          <a:chExt cx="0" cy="0"/>
+        </a:xfrm>
+      </p:grpSpPr>
+      <p:sp>
+        <p:nvSpPr>
+          <p:cNvPr id="2" name="Title 1"/>
+          <p:cNvSpPr>
+            <a:spLocks noGrp="1"/>
+          </p:cNvSpPr>
+          <p:nvPr>
+            <p:ph type="title"/>
+          </p:nvPr>
+        </p:nvSpPr>
+        <p:spPr/>
+        <p:txBody>
+          <a:bodyPr/>
+          <a:lstStyle/>
+          <a:p>
+            <a:r>
+              <a:rPr lang="en-US" dirty="0" smtClean="0"/>
+              <a:t>Parameterized Constructor</a:t>
+            </a:r>
+            <a:endParaRPr lang="en-US" dirty="0"/>
+          </a:p>
+        </p:txBody>
+      </p:sp>
+      <p:sp>
+        <p:nvSpPr>
+          <p:cNvPr id="3" name="Content Placeholder 2"/>
+          <p:cNvSpPr>
+            <a:spLocks noGrp="1"/>
+          </p:cNvSpPr>
+          <p:nvPr>
+            <p:ph idx="1"/>
+          </p:nvPr>
+        </p:nvSpPr>
+        <p:spPr/>
+        <p:txBody>
+          <a:bodyPr/>
+          <a:lstStyle/>
+          <a:p>
+            <a:r>
+              <a:rPr lang="en-US" dirty="0" smtClean="0"/>
+              <a:t>A constructor which has a specific number of parameters is called a parameterized constructor.</a:t>
+            </a:r>
+          </a:p>
+          <a:p>
+            <a:pPr marL="0" indent="0">
+              <a:buNone/>
+            </a:pPr>
+            <a:endParaRPr lang="en-US" dirty="0"/>
+          </a:p>
+          <a:p>
+            <a:pPr marL="0" indent="0">
+              <a:buNone/>
+            </a:pPr>
+            <a:r>
+              <a:rPr lang="en-US" dirty="0" smtClean="0"/>
+              <a:t>Why use the parametrized constructor?</a:t>
+            </a:r>
+          </a:p>
+          <a:p>
+            <a:pPr marL="0" indent="0">
+              <a:buNone/>
+            </a:pPr>
+            <a:r>
+              <a:rPr lang="en-US" dirty="0" smtClean="0"/>
+              <a:t>The parameterized constructor is used to provide different values to distinct objects. However, you can provide the same values also.</a:t>
+            </a:r>
+            <a:endParaRPr lang="en-US" dirty="0"/>
+          </a:p>
+        </p:txBody>
+      </p:sp>
+    </p:spTree>
+    <p:extLst>
+      <p:ext uri="{BB962C8B-B14F-4D97-AF65-F5344CB8AC3E}">
+        <p14:creationId xmlns:p14="http://schemas.microsoft.com/office/powerpoint/2010/main" val="1980537246"/>
+      </p:ext>
+    </p:extLst>
+  </p:cSld>
+  <p:clrMapOvr>
+    <a:masterClrMapping/>
+  </p:clrMapOvr>
+  <p:timing>
+    <p:tnLst>
+      <p:par>
+        <p:cTn id="1" dur="indefinite" restart="never" nodeType="tmRoot"/>
+      </p:par>
+    </p:tnLst>
+  </p:timing>
+</p:sld>
+</file>
+
+<file path=ppt/slides/slide24.xml><?xml version="1.0" encoding="utf-8"?>
+<p:sld xmlns:a="http://schemas.openxmlformats.org/drawingml/2006/main" xmlns:r="http://schemas.openxmlformats.org/officeDocument/2006/relationships" xmlns:p="http://schemas.openxmlformats.org/presentationml/2006/main">
+  <p:cSld>
+    <p:spTree>
+      <p:nvGrpSpPr>
+        <p:cNvPr id="1" name=""/>
+        <p:cNvGrpSpPr/>
+        <p:nvPr/>
+      </p:nvGrpSpPr>
+      <p:grpSpPr>
+        <a:xfrm>
+          <a:off x="0" y="0"/>
+          <a:ext cx="0" cy="0"/>
+          <a:chOff x="0" y="0"/>
+          <a:chExt cx="0" cy="0"/>
+        </a:xfrm>
+      </p:grpSpPr>
+      <p:sp>
+        <p:nvSpPr>
+          <p:cNvPr id="2" name="Title 1"/>
+          <p:cNvSpPr>
+            <a:spLocks noGrp="1"/>
+          </p:cNvSpPr>
+          <p:nvPr>
+            <p:ph type="title"/>
+          </p:nvPr>
+        </p:nvSpPr>
+        <p:spPr/>
+        <p:txBody>
+          <a:bodyPr/>
+          <a:lstStyle/>
+          <a:p>
+            <a:r>
+              <a:rPr lang="en-US" dirty="0" smtClean="0"/>
+              <a:t>Example</a:t>
+            </a:r>
+            <a:endParaRPr lang="en-US" dirty="0"/>
+          </a:p>
+        </p:txBody>
+      </p:sp>
+      <p:sp>
+        <p:nvSpPr>
+          <p:cNvPr id="4" name="Rectangle 1"/>
+          <p:cNvSpPr>
+            <a:spLocks noGrp="1" noChangeArrowheads="1"/>
+          </p:cNvSpPr>
+          <p:nvPr>
+            <p:ph idx="1"/>
+          </p:nvPr>
+        </p:nvSpPr>
+        <p:spPr bwMode="auto">
+          <a:xfrm>
+            <a:off x="548640" y="1348740"/>
+            <a:ext cx="10972800" cy="5144745"/>
+          </a:xfrm>
+          <a:prstGeom prst="rect">
+            <a:avLst/>
+          </a:prstGeom>
+          <a:noFill/>
+          <a:ln>
+            <a:noFill/>
+          </a:ln>
+          <a:effectLst/>
+          <a:extLst>
+            <a:ext uri="{909E8E84-426E-40DD-AFC4-6F175D3DCCD1}">
+              <a14:hiddenFill xmlns:a14="http://schemas.microsoft.com/office/drawing/2010/main">
+                <a:solidFill>
+                  <a:schemeClr val="accent1"/>
+                </a:solidFill>
+              </a14:hiddenFill>
+            </a:ext>
+            <a:ext uri="{91240B29-F687-4F45-9708-019B960494DF}">
+              <a14:hiddenLine xmlns:a14="http://schemas.microsoft.com/office/drawing/2010/main" w="9525">
+                <a:solidFill>
+                  <a:schemeClr val="tx1"/>
+                </a:solidFill>
+                <a:miter lim="800000"/>
+                <a:headEnd/>
+                <a:tailEnd/>
+              </a14:hiddenLine>
+            </a:ext>
+            <a:ext uri="{AF507438-7753-43E0-B8FC-AC1667EBCBE1}">
+              <a14:hiddenEffects xmlns:a14="http://schemas.microsoft.com/office/drawing/2010/main">
+                <a:effectLst>
+                  <a:outerShdw dist="35921" dir="2700000" algn="ctr" rotWithShape="0">
+                    <a:schemeClr val="bg2"/>
+                  </a:outerShdw>
+                </a:effectLst>
+              </a14:hiddenEffects>
+            </a:ext>
+          </a:extLst>
+        </p:spPr>
+        <p:txBody>
+          <a:bodyPr vert="horz" wrap="square" lIns="91440" tIns="45720" rIns="91440" bIns="45720" numCol="1" anchor="ctr" anchorCtr="0" compatLnSpc="1">
+            <a:prstTxWarp prst="textNoShape">
+              <a:avLst/>
+            </a:prstTxWarp>
+            <a:spAutoFit/>
+          </a:bodyPr>
+          <a:lstStyle/>
+          <a:p>
+            <a:pPr marL="0" marR="0" lvl="0" indent="0" algn="l" defTabSz="914400" rtl="0" eaLnBrk="0" fontAlgn="base" latinLnBrk="0" hangingPunct="0">
+              <a:lnSpc>
+                <a:spcPct val="100000"/>
+              </a:lnSpc>
+              <a:spcBef>
+                <a:spcPct val="0"/>
+              </a:spcBef>
+              <a:spcAft>
+                <a:spcPct val="0"/>
+              </a:spcAft>
+              <a:buClrTx/>
+              <a:buSzTx/>
+              <a:buNone/>
+              <a:tabLst/>
+            </a:pPr>
+            <a:r>
+              <a:rPr kumimoji="0" lang="en-US" altLang="en-US" sz="1800" b="0" i="0" u="none" strike="noStrike" cap="none" normalizeH="0" baseline="0" dirty="0" smtClean="0">
+                <a:ln>
+                  <a:noFill/>
+                </a:ln>
+                <a:solidFill>
+                  <a:schemeClr val="tx1"/>
+                </a:solidFill>
+                <a:effectLst/>
+                <a:latin typeface="Arial" panose="020B0604020202020204" pitchFamily="34" charset="0"/>
+              </a:rPr>
+              <a:t>class Employee{  </a:t>
+            </a:r>
+          </a:p>
+          <a:p>
+            <a:pPr marL="0" marR="0" lvl="0" indent="0" algn="l" defTabSz="914400" rtl="0" eaLnBrk="0" fontAlgn="base" latinLnBrk="0" hangingPunct="0">
+              <a:lnSpc>
+                <a:spcPct val="100000"/>
+              </a:lnSpc>
+              <a:spcBef>
+                <a:spcPct val="0"/>
+              </a:spcBef>
+              <a:spcAft>
+                <a:spcPct val="0"/>
+              </a:spcAft>
+              <a:buClrTx/>
+              <a:buSzTx/>
+              <a:buNone/>
+              <a:tabLst/>
+            </a:pPr>
+            <a:r>
+              <a:rPr kumimoji="0" lang="en-US" altLang="en-US" sz="1800" b="0" i="0" u="none" strike="noStrike" cap="none" normalizeH="0" baseline="0" dirty="0" smtClean="0">
+                <a:ln>
+                  <a:noFill/>
+                </a:ln>
+                <a:solidFill>
+                  <a:schemeClr val="tx1"/>
+                </a:solidFill>
+                <a:effectLst/>
+                <a:latin typeface="Arial" panose="020B0604020202020204" pitchFamily="34" charset="0"/>
+              </a:rPr>
+              <a:t>    </a:t>
+            </a:r>
+            <a:r>
+              <a:rPr kumimoji="0" lang="en-US" altLang="en-US" sz="1800" b="0" i="0" u="none" strike="noStrike" cap="none" normalizeH="0" baseline="0" dirty="0" err="1" smtClean="0">
+                <a:ln>
+                  <a:noFill/>
+                </a:ln>
+                <a:solidFill>
+                  <a:schemeClr val="tx1"/>
+                </a:solidFill>
+                <a:effectLst/>
+                <a:latin typeface="Arial" panose="020B0604020202020204" pitchFamily="34" charset="0"/>
+              </a:rPr>
+              <a:t>int</a:t>
+            </a:r>
+            <a:r>
+              <a:rPr kumimoji="0" lang="en-US" altLang="en-US" sz="1800" b="0" i="0" u="none" strike="noStrike" cap="none" normalizeH="0" baseline="0" dirty="0" smtClean="0">
+                <a:ln>
+                  <a:noFill/>
+                </a:ln>
+                <a:solidFill>
+                  <a:schemeClr val="tx1"/>
+                </a:solidFill>
+                <a:effectLst/>
+                <a:latin typeface="Arial" panose="020B0604020202020204" pitchFamily="34" charset="0"/>
+              </a:rPr>
+              <a:t> id;  </a:t>
+            </a:r>
+          </a:p>
+          <a:p>
+            <a:pPr marL="0" marR="0" lvl="0" indent="0" algn="l" defTabSz="914400" rtl="0" eaLnBrk="0" fontAlgn="base" latinLnBrk="0" hangingPunct="0">
+              <a:lnSpc>
+                <a:spcPct val="100000"/>
+              </a:lnSpc>
+              <a:spcBef>
+                <a:spcPct val="0"/>
+              </a:spcBef>
+              <a:spcAft>
+                <a:spcPct val="0"/>
+              </a:spcAft>
+              <a:buClrTx/>
+              <a:buSzTx/>
+              <a:buNone/>
+              <a:tabLst/>
+            </a:pPr>
+            <a:r>
+              <a:rPr kumimoji="0" lang="en-US" altLang="en-US" sz="1800" b="0" i="0" u="none" strike="noStrike" cap="none" normalizeH="0" baseline="0" dirty="0" smtClean="0">
+                <a:ln>
+                  <a:noFill/>
+                </a:ln>
+                <a:solidFill>
+                  <a:schemeClr val="tx1"/>
+                </a:solidFill>
+                <a:effectLst/>
+                <a:latin typeface="Arial" panose="020B0604020202020204" pitchFamily="34" charset="0"/>
+              </a:rPr>
+              <a:t>    String name;  </a:t>
+            </a:r>
+          </a:p>
+          <a:p>
+            <a:pPr marL="0" marR="0" lvl="0" indent="0" algn="l" defTabSz="914400" rtl="0" eaLnBrk="0" fontAlgn="base" latinLnBrk="0" hangingPunct="0">
+              <a:lnSpc>
+                <a:spcPct val="100000"/>
+              </a:lnSpc>
+              <a:spcBef>
+                <a:spcPct val="0"/>
+              </a:spcBef>
+              <a:spcAft>
+                <a:spcPct val="0"/>
+              </a:spcAft>
+              <a:buClrTx/>
+              <a:buSzTx/>
+              <a:buNone/>
+              <a:tabLst/>
+            </a:pPr>
+            <a:r>
+              <a:rPr kumimoji="0" lang="en-US" altLang="en-US" sz="1800" b="0" i="0" u="none" strike="noStrike" cap="none" normalizeH="0" baseline="0" dirty="0" smtClean="0">
+                <a:ln>
+                  <a:noFill/>
+                </a:ln>
+                <a:solidFill>
+                  <a:schemeClr val="tx1"/>
+                </a:solidFill>
+                <a:effectLst/>
+                <a:latin typeface="Arial" panose="020B0604020202020204" pitchFamily="34" charset="0"/>
+              </a:rPr>
+              <a:t>    //creating a parameterized constructor  </a:t>
+            </a:r>
+          </a:p>
+          <a:p>
+            <a:pPr marL="0" marR="0" lvl="0" indent="0" algn="l" defTabSz="914400" rtl="0" eaLnBrk="0" fontAlgn="base" latinLnBrk="0" hangingPunct="0">
+              <a:lnSpc>
+                <a:spcPct val="100000"/>
+              </a:lnSpc>
+              <a:spcBef>
+                <a:spcPct val="0"/>
+              </a:spcBef>
+              <a:spcAft>
+                <a:spcPct val="0"/>
+              </a:spcAft>
+              <a:buClrTx/>
+              <a:buSzTx/>
+              <a:buNone/>
+              <a:tabLst/>
+            </a:pPr>
+            <a:r>
+              <a:rPr kumimoji="0" lang="en-US" altLang="en-US" sz="1800" b="0" i="0" u="none" strike="noStrike" cap="none" normalizeH="0" baseline="0" dirty="0" smtClean="0">
+                <a:ln>
+                  <a:noFill/>
+                </a:ln>
+                <a:solidFill>
+                  <a:schemeClr val="tx1"/>
+                </a:solidFill>
+                <a:effectLst/>
+                <a:latin typeface="Arial" panose="020B0604020202020204" pitchFamily="34" charset="0"/>
+              </a:rPr>
+              <a:t>    Employee(</a:t>
+            </a:r>
+            <a:r>
+              <a:rPr kumimoji="0" lang="en-US" altLang="en-US" sz="1800" b="0" i="0" u="none" strike="noStrike" cap="none" normalizeH="0" baseline="0" dirty="0" err="1" smtClean="0">
+                <a:ln>
+                  <a:noFill/>
+                </a:ln>
+                <a:solidFill>
+                  <a:schemeClr val="tx1"/>
+                </a:solidFill>
+                <a:effectLst/>
+                <a:latin typeface="Arial" panose="020B0604020202020204" pitchFamily="34" charset="0"/>
+              </a:rPr>
+              <a:t>int</a:t>
+            </a:r>
+            <a:r>
+              <a:rPr kumimoji="0" lang="en-US" altLang="en-US" sz="1800" b="0" i="0" u="none" strike="noStrike" cap="none" normalizeH="0" baseline="0" dirty="0" smtClean="0">
+                <a:ln>
+                  <a:noFill/>
+                </a:ln>
+                <a:solidFill>
+                  <a:schemeClr val="tx1"/>
+                </a:solidFill>
+                <a:effectLst/>
+                <a:latin typeface="Arial" panose="020B0604020202020204" pitchFamily="34" charset="0"/>
+              </a:rPr>
+              <a:t> </a:t>
+            </a:r>
+            <a:r>
+              <a:rPr kumimoji="0" lang="en-US" altLang="en-US" sz="1800" b="0" i="0" u="none" strike="noStrike" cap="none" normalizeH="0" baseline="0" dirty="0" err="1" smtClean="0">
+                <a:ln>
+                  <a:noFill/>
+                </a:ln>
+                <a:solidFill>
+                  <a:schemeClr val="tx1"/>
+                </a:solidFill>
+                <a:effectLst/>
+                <a:latin typeface="Arial" panose="020B0604020202020204" pitchFamily="34" charset="0"/>
+              </a:rPr>
+              <a:t>i,String</a:t>
+            </a:r>
+            <a:r>
+              <a:rPr kumimoji="0" lang="en-US" altLang="en-US" sz="1800" b="0" i="0" u="none" strike="noStrike" cap="none" normalizeH="0" baseline="0" dirty="0" smtClean="0">
+                <a:ln>
+                  <a:noFill/>
+                </a:ln>
+                <a:solidFill>
+                  <a:schemeClr val="tx1"/>
+                </a:solidFill>
+                <a:effectLst/>
+                <a:latin typeface="Arial" panose="020B0604020202020204" pitchFamily="34" charset="0"/>
+              </a:rPr>
+              <a:t> n){  </a:t>
+            </a:r>
+          </a:p>
+          <a:p>
+            <a:pPr marL="0" marR="0" lvl="0" indent="0" algn="l" defTabSz="914400" rtl="0" eaLnBrk="0" fontAlgn="base" latinLnBrk="0" hangingPunct="0">
+              <a:lnSpc>
+                <a:spcPct val="100000"/>
+              </a:lnSpc>
+              <a:spcBef>
+                <a:spcPct val="0"/>
+              </a:spcBef>
+              <a:spcAft>
+                <a:spcPct val="0"/>
+              </a:spcAft>
+              <a:buClrTx/>
+              <a:buSzTx/>
+              <a:buNone/>
+              <a:tabLst/>
+            </a:pPr>
+            <a:r>
+              <a:rPr kumimoji="0" lang="en-US" altLang="en-US" sz="1800" b="0" i="0" u="none" strike="noStrike" cap="none" normalizeH="0" baseline="0" dirty="0" smtClean="0">
+                <a:ln>
+                  <a:noFill/>
+                </a:ln>
+                <a:solidFill>
+                  <a:schemeClr val="tx1"/>
+                </a:solidFill>
+                <a:effectLst/>
+                <a:latin typeface="Arial" panose="020B0604020202020204" pitchFamily="34" charset="0"/>
+              </a:rPr>
+              <a:t>    id = </a:t>
+            </a:r>
+            <a:r>
+              <a:rPr kumimoji="0" lang="en-US" altLang="en-US" sz="1800" b="0" i="0" u="none" strike="noStrike" cap="none" normalizeH="0" baseline="0" dirty="0" err="1" smtClean="0">
+                <a:ln>
+                  <a:noFill/>
+                </a:ln>
+                <a:solidFill>
+                  <a:schemeClr val="tx1"/>
+                </a:solidFill>
+                <a:effectLst/>
+                <a:latin typeface="Arial" panose="020B0604020202020204" pitchFamily="34" charset="0"/>
+              </a:rPr>
+              <a:t>i</a:t>
+            </a:r>
+            <a:r>
+              <a:rPr kumimoji="0" lang="en-US" altLang="en-US" sz="1800" b="0" i="0" u="none" strike="noStrike" cap="none" normalizeH="0" baseline="0" dirty="0" smtClean="0">
+                <a:ln>
+                  <a:noFill/>
+                </a:ln>
+                <a:solidFill>
+                  <a:schemeClr val="tx1"/>
+                </a:solidFill>
+                <a:effectLst/>
+                <a:latin typeface="Arial" panose="020B0604020202020204" pitchFamily="34" charset="0"/>
+              </a:rPr>
+              <a:t>;  </a:t>
+            </a:r>
+          </a:p>
+          <a:p>
+            <a:pPr marL="0" marR="0" lvl="0" indent="0" algn="l" defTabSz="914400" rtl="0" eaLnBrk="0" fontAlgn="base" latinLnBrk="0" hangingPunct="0">
+              <a:lnSpc>
+                <a:spcPct val="100000"/>
+              </a:lnSpc>
+              <a:spcBef>
+                <a:spcPct val="0"/>
+              </a:spcBef>
+              <a:spcAft>
+                <a:spcPct val="0"/>
+              </a:spcAft>
+              <a:buClrTx/>
+              <a:buSzTx/>
+              <a:buNone/>
+              <a:tabLst/>
+            </a:pPr>
+            <a:r>
+              <a:rPr kumimoji="0" lang="en-US" altLang="en-US" sz="1800" b="0" i="0" u="none" strike="noStrike" cap="none" normalizeH="0" baseline="0" dirty="0" smtClean="0">
+                <a:ln>
+                  <a:noFill/>
+                </a:ln>
+                <a:solidFill>
+                  <a:schemeClr val="tx1"/>
+                </a:solidFill>
+                <a:effectLst/>
+                <a:latin typeface="Arial" panose="020B0604020202020204" pitchFamily="34" charset="0"/>
+              </a:rPr>
+              <a:t>    name = n;  </a:t>
+            </a:r>
+          </a:p>
+          <a:p>
+            <a:pPr marL="0" marR="0" lvl="0" indent="0" algn="l" defTabSz="914400" rtl="0" eaLnBrk="0" fontAlgn="base" latinLnBrk="0" hangingPunct="0">
+              <a:lnSpc>
+                <a:spcPct val="100000"/>
+              </a:lnSpc>
+              <a:spcBef>
+                <a:spcPct val="0"/>
+              </a:spcBef>
+              <a:spcAft>
+                <a:spcPct val="0"/>
+              </a:spcAft>
+              <a:buClrTx/>
+              <a:buSzTx/>
+              <a:buNone/>
+              <a:tabLst/>
+            </a:pPr>
+            <a:r>
+              <a:rPr kumimoji="0" lang="en-US" altLang="en-US" sz="1800" b="0" i="0" u="none" strike="noStrike" cap="none" normalizeH="0" baseline="0" dirty="0" smtClean="0">
+                <a:ln>
+                  <a:noFill/>
+                </a:ln>
+                <a:solidFill>
+                  <a:schemeClr val="tx1"/>
+                </a:solidFill>
+                <a:effectLst/>
+                <a:latin typeface="Arial" panose="020B0604020202020204" pitchFamily="34" charset="0"/>
+              </a:rPr>
+              <a:t>    }  </a:t>
+            </a:r>
+          </a:p>
+          <a:p>
+            <a:pPr marL="0" marR="0" lvl="0" indent="0" algn="l" defTabSz="914400" rtl="0" eaLnBrk="0" fontAlgn="base" latinLnBrk="0" hangingPunct="0">
+              <a:lnSpc>
+                <a:spcPct val="100000"/>
+              </a:lnSpc>
+              <a:spcBef>
+                <a:spcPct val="0"/>
+              </a:spcBef>
+              <a:spcAft>
+                <a:spcPct val="0"/>
+              </a:spcAft>
+              <a:buClrTx/>
+              <a:buSzTx/>
+              <a:buNone/>
+              <a:tabLst/>
+            </a:pPr>
+            <a:r>
+              <a:rPr kumimoji="0" lang="en-US" altLang="en-US" sz="1800" b="0" i="0" u="none" strike="noStrike" cap="none" normalizeH="0" baseline="0" dirty="0" smtClean="0">
+                <a:ln>
+                  <a:noFill/>
+                </a:ln>
+                <a:solidFill>
+                  <a:schemeClr val="tx1"/>
+                </a:solidFill>
+                <a:effectLst/>
+                <a:latin typeface="Arial" panose="020B0604020202020204" pitchFamily="34" charset="0"/>
+              </a:rPr>
+              <a:t>    //method to display the values  </a:t>
+            </a:r>
+          </a:p>
+          <a:p>
+            <a:pPr marL="0" marR="0" lvl="0" indent="0" algn="l" defTabSz="914400" rtl="0" eaLnBrk="0" fontAlgn="base" latinLnBrk="0" hangingPunct="0">
+              <a:lnSpc>
+                <a:spcPct val="100000"/>
+              </a:lnSpc>
+              <a:spcBef>
+                <a:spcPct val="0"/>
+              </a:spcBef>
+              <a:spcAft>
+                <a:spcPct val="0"/>
+              </a:spcAft>
+              <a:buClrTx/>
+              <a:buSzTx/>
+              <a:buNone/>
+              <a:tabLst/>
+            </a:pPr>
+            <a:r>
+              <a:rPr kumimoji="0" lang="en-US" altLang="en-US" sz="1800" b="0" i="0" u="none" strike="noStrike" cap="none" normalizeH="0" baseline="0" dirty="0" smtClean="0">
+                <a:ln>
+                  <a:noFill/>
+                </a:ln>
+                <a:solidFill>
+                  <a:schemeClr val="tx1"/>
+                </a:solidFill>
+                <a:effectLst/>
+                <a:latin typeface="Arial" panose="020B0604020202020204" pitchFamily="34" charset="0"/>
+              </a:rPr>
+              <a:t>    void display(){</a:t>
+            </a:r>
+            <a:r>
+              <a:rPr kumimoji="0" lang="en-US" altLang="en-US" sz="1800" b="0" i="0" u="none" strike="noStrike" cap="none" normalizeH="0" baseline="0" dirty="0" err="1" smtClean="0">
+                <a:ln>
+                  <a:noFill/>
+                </a:ln>
+                <a:solidFill>
+                  <a:schemeClr val="tx1"/>
+                </a:solidFill>
+                <a:effectLst/>
+                <a:latin typeface="Arial" panose="020B0604020202020204" pitchFamily="34" charset="0"/>
+              </a:rPr>
+              <a:t>System.out.println</a:t>
+            </a:r>
+            <a:r>
+              <a:rPr kumimoji="0" lang="en-US" altLang="en-US" sz="1800" b="0" i="0" u="none" strike="noStrike" cap="none" normalizeH="0" baseline="0" dirty="0" smtClean="0">
+                <a:ln>
+                  <a:noFill/>
+                </a:ln>
+                <a:solidFill>
+                  <a:schemeClr val="tx1"/>
+                </a:solidFill>
+                <a:effectLst/>
+                <a:latin typeface="Arial" panose="020B0604020202020204" pitchFamily="34" charset="0"/>
+              </a:rPr>
+              <a:t>(id+" "+name);}  </a:t>
+            </a:r>
+          </a:p>
+          <a:p>
+            <a:pPr marL="0" marR="0" lvl="0" indent="0" algn="l" defTabSz="914400" rtl="0" eaLnBrk="0" fontAlgn="base" latinLnBrk="0" hangingPunct="0">
+              <a:lnSpc>
+                <a:spcPct val="100000"/>
+              </a:lnSpc>
+              <a:spcBef>
+                <a:spcPct val="0"/>
+              </a:spcBef>
+              <a:spcAft>
+                <a:spcPct val="0"/>
+              </a:spcAft>
+              <a:buClrTx/>
+              <a:buSzTx/>
+              <a:buNone/>
+              <a:tabLst/>
+            </a:pPr>
+            <a:r>
+              <a:rPr kumimoji="0" lang="en-US" altLang="en-US" sz="1800" b="0" i="0" u="none" strike="noStrike" cap="none" normalizeH="0" baseline="0" dirty="0" smtClean="0">
+                <a:ln>
+                  <a:noFill/>
+                </a:ln>
+                <a:solidFill>
+                  <a:schemeClr val="tx1"/>
+                </a:solidFill>
+                <a:effectLst/>
+                <a:latin typeface="Arial" panose="020B0604020202020204" pitchFamily="34" charset="0"/>
+              </a:rPr>
+              <a:t>   </a:t>
+            </a:r>
+          </a:p>
+          <a:p>
+            <a:pPr marL="0" marR="0" lvl="0" indent="0" algn="l" defTabSz="914400" rtl="0" eaLnBrk="0" fontAlgn="base" latinLnBrk="0" hangingPunct="0">
+              <a:lnSpc>
+                <a:spcPct val="100000"/>
+              </a:lnSpc>
+              <a:spcBef>
+                <a:spcPct val="0"/>
+              </a:spcBef>
+              <a:spcAft>
+                <a:spcPct val="0"/>
+              </a:spcAft>
+              <a:buClrTx/>
+              <a:buSzTx/>
+              <a:buNone/>
+              <a:tabLst/>
+            </a:pPr>
+            <a:r>
+              <a:rPr kumimoji="0" lang="en-US" altLang="en-US" sz="1800" b="0" i="0" u="none" strike="noStrike" cap="none" normalizeH="0" baseline="0" dirty="0" smtClean="0">
+                <a:ln>
+                  <a:noFill/>
+                </a:ln>
+                <a:solidFill>
+                  <a:schemeClr val="tx1"/>
+                </a:solidFill>
+                <a:effectLst/>
+                <a:latin typeface="Arial" panose="020B0604020202020204" pitchFamily="34" charset="0"/>
+              </a:rPr>
+              <a:t>    public static void main(String </a:t>
+            </a:r>
+            <a:r>
+              <a:rPr kumimoji="0" lang="en-US" altLang="en-US" sz="1800" b="0" i="0" u="none" strike="noStrike" cap="none" normalizeH="0" baseline="0" dirty="0" err="1" smtClean="0">
+                <a:ln>
+                  <a:noFill/>
+                </a:ln>
+                <a:solidFill>
+                  <a:schemeClr val="tx1"/>
+                </a:solidFill>
+                <a:effectLst/>
+                <a:latin typeface="Arial" panose="020B0604020202020204" pitchFamily="34" charset="0"/>
+              </a:rPr>
+              <a:t>args</a:t>
+            </a:r>
+            <a:r>
+              <a:rPr kumimoji="0" lang="en-US" altLang="en-US" sz="1800" b="0" i="0" u="none" strike="noStrike" cap="none" normalizeH="0" baseline="0" dirty="0" smtClean="0">
+                <a:ln>
+                  <a:noFill/>
+                </a:ln>
+                <a:solidFill>
+                  <a:schemeClr val="tx1"/>
+                </a:solidFill>
+                <a:effectLst/>
+                <a:latin typeface="Arial" panose="020B0604020202020204" pitchFamily="34" charset="0"/>
+              </a:rPr>
+              <a:t>[]){  </a:t>
+            </a:r>
+          </a:p>
+          <a:p>
+            <a:pPr marL="0" marR="0" lvl="0" indent="0" algn="l" defTabSz="914400" rtl="0" eaLnBrk="0" fontAlgn="base" latinLnBrk="0" hangingPunct="0">
+              <a:lnSpc>
+                <a:spcPct val="100000"/>
+              </a:lnSpc>
+              <a:spcBef>
+                <a:spcPct val="0"/>
+              </a:spcBef>
+              <a:spcAft>
+                <a:spcPct val="0"/>
+              </a:spcAft>
+              <a:buClrTx/>
+              <a:buSzTx/>
+              <a:buNone/>
+              <a:tabLst/>
+            </a:pPr>
+            <a:r>
+              <a:rPr kumimoji="0" lang="en-US" altLang="en-US" sz="1800" b="0" i="0" u="none" strike="noStrike" cap="none" normalizeH="0" baseline="0" dirty="0" smtClean="0">
+                <a:ln>
+                  <a:noFill/>
+                </a:ln>
+                <a:solidFill>
+                  <a:schemeClr val="tx1"/>
+                </a:solidFill>
+                <a:effectLst/>
+                <a:latin typeface="Arial" panose="020B0604020202020204" pitchFamily="34" charset="0"/>
+              </a:rPr>
+              <a:t>    //creating objects and passing values  </a:t>
+            </a:r>
+          </a:p>
+          <a:p>
+            <a:pPr marL="0" lvl="0" indent="0" eaLnBrk="0" fontAlgn="base" hangingPunct="0">
+              <a:lnSpc>
+                <a:spcPct val="100000"/>
+              </a:lnSpc>
+              <a:spcBef>
+                <a:spcPct val="0"/>
+              </a:spcBef>
+              <a:spcAft>
+                <a:spcPct val="0"/>
+              </a:spcAft>
+              <a:buNone/>
+            </a:pPr>
+            <a:r>
+              <a:rPr kumimoji="0" lang="en-US" altLang="en-US" sz="1800" b="0" i="0" u="none" strike="noStrike" cap="none" normalizeH="0" baseline="0" dirty="0" smtClean="0">
+                <a:ln>
+                  <a:noFill/>
+                </a:ln>
+                <a:solidFill>
+                  <a:schemeClr val="tx1"/>
+                </a:solidFill>
+                <a:effectLst/>
+                <a:latin typeface="Arial" panose="020B0604020202020204" pitchFamily="34" charset="0"/>
+              </a:rPr>
+              <a:t>    Employee e1 = new </a:t>
+            </a:r>
+            <a:r>
+              <a:rPr lang="en-US" altLang="en-US" sz="1800" dirty="0">
+                <a:latin typeface="Arial" panose="020B0604020202020204" pitchFamily="34" charset="0"/>
+              </a:rPr>
+              <a:t> Employee </a:t>
+            </a:r>
+            <a:r>
+              <a:rPr kumimoji="0" lang="en-US" altLang="en-US" sz="1800" b="0" i="0" u="none" strike="noStrike" cap="none" normalizeH="0" baseline="0" dirty="0" smtClean="0">
+                <a:ln>
+                  <a:noFill/>
+                </a:ln>
+                <a:solidFill>
+                  <a:schemeClr val="tx1"/>
+                </a:solidFill>
+                <a:effectLst/>
+                <a:latin typeface="Arial" panose="020B0604020202020204" pitchFamily="34" charset="0"/>
+              </a:rPr>
+              <a:t>(1,“Ram");  </a:t>
+            </a:r>
+          </a:p>
+          <a:p>
+            <a:pPr marL="0" lvl="0" indent="0" eaLnBrk="0" fontAlgn="base" hangingPunct="0">
+              <a:lnSpc>
+                <a:spcPct val="100000"/>
+              </a:lnSpc>
+              <a:spcBef>
+                <a:spcPct val="0"/>
+              </a:spcBef>
+              <a:spcAft>
+                <a:spcPct val="0"/>
+              </a:spcAft>
+              <a:buNone/>
+            </a:pPr>
+            <a:r>
+              <a:rPr kumimoji="0" lang="en-US" altLang="en-US" sz="1800" b="0" i="0" u="none" strike="noStrike" cap="none" normalizeH="0" baseline="0" dirty="0" smtClean="0">
+                <a:ln>
+                  <a:noFill/>
+                </a:ln>
+                <a:solidFill>
+                  <a:schemeClr val="tx1"/>
+                </a:solidFill>
+                <a:effectLst/>
+                <a:latin typeface="Arial" panose="020B0604020202020204" pitchFamily="34" charset="0"/>
+              </a:rPr>
+              <a:t>    </a:t>
+            </a:r>
+            <a:r>
+              <a:rPr lang="en-US" altLang="en-US" sz="1800" dirty="0">
+                <a:latin typeface="Arial" panose="020B0604020202020204" pitchFamily="34" charset="0"/>
+              </a:rPr>
+              <a:t> Employee</a:t>
+            </a:r>
+            <a:r>
+              <a:rPr kumimoji="0" lang="en-US" altLang="en-US" sz="1800" b="0" i="0" u="none" strike="noStrike" cap="none" normalizeH="0" baseline="0" dirty="0" smtClean="0">
+                <a:ln>
+                  <a:noFill/>
+                </a:ln>
+                <a:solidFill>
+                  <a:schemeClr val="tx1"/>
+                </a:solidFill>
+                <a:effectLst/>
+                <a:latin typeface="Arial" panose="020B0604020202020204" pitchFamily="34" charset="0"/>
+              </a:rPr>
+              <a:t> e2 = new </a:t>
+            </a:r>
+            <a:r>
+              <a:rPr lang="en-US" altLang="en-US" sz="1800" dirty="0">
+                <a:latin typeface="Arial" panose="020B0604020202020204" pitchFamily="34" charset="0"/>
+              </a:rPr>
+              <a:t> Employee </a:t>
+            </a:r>
+            <a:r>
+              <a:rPr kumimoji="0" lang="en-US" altLang="en-US" sz="1800" b="0" i="0" u="none" strike="noStrike" cap="none" normalizeH="0" baseline="0" dirty="0" smtClean="0">
+                <a:ln>
+                  <a:noFill/>
+                </a:ln>
+                <a:solidFill>
+                  <a:schemeClr val="tx1"/>
+                </a:solidFill>
+                <a:effectLst/>
+                <a:latin typeface="Arial" panose="020B0604020202020204" pitchFamily="34" charset="0"/>
+              </a:rPr>
+              <a:t>(2,“Shyam");   </a:t>
+            </a:r>
+          </a:p>
+          <a:p>
+            <a:pPr marL="0" marR="0" lvl="0" indent="0" algn="l" defTabSz="914400" rtl="0" eaLnBrk="0" fontAlgn="base" latinLnBrk="0" hangingPunct="0">
+              <a:lnSpc>
+                <a:spcPct val="100000"/>
+              </a:lnSpc>
+              <a:spcBef>
+                <a:spcPct val="0"/>
+              </a:spcBef>
+              <a:spcAft>
+                <a:spcPct val="0"/>
+              </a:spcAft>
+              <a:buClrTx/>
+              <a:buSzTx/>
+              <a:buNone/>
+              <a:tabLst/>
+            </a:pPr>
+            <a:r>
+              <a:rPr kumimoji="0" lang="en-US" altLang="en-US" sz="1800" b="0" i="0" u="none" strike="noStrike" cap="none" normalizeH="0" baseline="0" dirty="0" smtClean="0">
+                <a:ln>
+                  <a:noFill/>
+                </a:ln>
+                <a:solidFill>
+                  <a:schemeClr val="tx1"/>
+                </a:solidFill>
+                <a:effectLst/>
+                <a:latin typeface="Arial" panose="020B0604020202020204" pitchFamily="34" charset="0"/>
+              </a:rPr>
+              <a:t>    e1.display();  </a:t>
+            </a:r>
+          </a:p>
+          <a:p>
+            <a:pPr marL="0" marR="0" lvl="0" indent="0" algn="l" defTabSz="914400" rtl="0" eaLnBrk="0" fontAlgn="base" latinLnBrk="0" hangingPunct="0">
+              <a:lnSpc>
+                <a:spcPct val="100000"/>
+              </a:lnSpc>
+              <a:spcBef>
+                <a:spcPct val="0"/>
+              </a:spcBef>
+              <a:spcAft>
+                <a:spcPct val="0"/>
+              </a:spcAft>
+              <a:buClrTx/>
+              <a:buSzTx/>
+              <a:buNone/>
+              <a:tabLst/>
+            </a:pPr>
+            <a:r>
+              <a:rPr kumimoji="0" lang="en-US" altLang="en-US" sz="1800" b="0" i="0" u="none" strike="noStrike" cap="none" normalizeH="0" baseline="0" dirty="0" smtClean="0">
+                <a:ln>
+                  <a:noFill/>
+                </a:ln>
+                <a:solidFill>
+                  <a:schemeClr val="tx1"/>
+                </a:solidFill>
+                <a:effectLst/>
+                <a:latin typeface="Arial" panose="020B0604020202020204" pitchFamily="34" charset="0"/>
+              </a:rPr>
+              <a:t>    e2.display();  </a:t>
+            </a:r>
+          </a:p>
+          <a:p>
+            <a:pPr marL="0" marR="0" lvl="0" indent="0" algn="l" defTabSz="914400" rtl="0" eaLnBrk="0" fontAlgn="base" latinLnBrk="0" hangingPunct="0">
+              <a:lnSpc>
+                <a:spcPct val="100000"/>
+              </a:lnSpc>
+              <a:spcBef>
+                <a:spcPct val="0"/>
+              </a:spcBef>
+              <a:spcAft>
+                <a:spcPct val="0"/>
+              </a:spcAft>
+              <a:buClrTx/>
+              <a:buSzTx/>
+              <a:buNone/>
+              <a:tabLst/>
+            </a:pPr>
+            <a:r>
+              <a:rPr kumimoji="0" lang="en-US" altLang="en-US" sz="1800" b="0" i="0" u="none" strike="noStrike" cap="none" normalizeH="0" baseline="0" dirty="0" smtClean="0">
+                <a:ln>
+                  <a:noFill/>
+                </a:ln>
+                <a:solidFill>
+                  <a:schemeClr val="tx1"/>
+                </a:solidFill>
+                <a:effectLst/>
+                <a:latin typeface="Arial" panose="020B0604020202020204" pitchFamily="34" charset="0"/>
+              </a:rPr>
+              <a:t>   } }   </a:t>
+            </a:r>
+          </a:p>
+        </p:txBody>
+      </p:sp>
+    </p:spTree>
+    <p:extLst>
+      <p:ext uri="{BB962C8B-B14F-4D97-AF65-F5344CB8AC3E}">
+        <p14:creationId xmlns:p14="http://schemas.microsoft.com/office/powerpoint/2010/main" val="3574553619"/>
+      </p:ext>
+    </p:extLst>
+  </p:cSld>
+  <p:clrMapOvr>
+    <a:masterClrMapping/>
+  </p:clrMapOvr>
+  <p:timing>
+    <p:tnLst>
+      <p:par>
+        <p:cTn id="1" dur="indefinite" restart="never" nodeType="tmRoot"/>
+      </p:par>
+    </p:tnLst>
+  </p:timing>
+</p:sld>
+</file>
+
+<file path=ppt/slides/slide25.xml><?xml version="1.0" encoding="utf-8"?>
+<p:sld xmlns:a="http://schemas.openxmlformats.org/drawingml/2006/main" xmlns:r="http://schemas.openxmlformats.org/officeDocument/2006/relationships" xmlns:p="http://schemas.openxmlformats.org/presentationml/2006/main">
+  <p:cSld>
+    <p:spTree>
+      <p:nvGrpSpPr>
+        <p:cNvPr id="1" name=""/>
+        <p:cNvGrpSpPr/>
+        <p:nvPr/>
+      </p:nvGrpSpPr>
+      <p:grpSpPr>
+        <a:xfrm>
+          <a:off x="0" y="0"/>
+          <a:ext cx="0" cy="0"/>
+          <a:chOff x="0" y="0"/>
+          <a:chExt cx="0" cy="0"/>
+        </a:xfrm>
+      </p:grpSpPr>
+      <p:sp>
+        <p:nvSpPr>
+          <p:cNvPr id="2" name="Title 1"/>
+          <p:cNvSpPr>
+            <a:spLocks noGrp="1"/>
+          </p:cNvSpPr>
+          <p:nvPr>
+            <p:ph type="title"/>
+          </p:nvPr>
+        </p:nvSpPr>
+        <p:spPr/>
+        <p:txBody>
+          <a:bodyPr/>
+          <a:lstStyle/>
+          <a:p>
+            <a:r>
+              <a:rPr lang="en-US" b="1" dirty="0"/>
+              <a:t>Constructor Overloading</a:t>
+            </a:r>
+            <a:br>
+              <a:rPr lang="en-US" b="1" dirty="0"/>
+            </a:br>
+            <a:endParaRPr lang="en-US" dirty="0"/>
+          </a:p>
+        </p:txBody>
+      </p:sp>
+      <p:sp>
+        <p:nvSpPr>
+          <p:cNvPr id="3" name="Content Placeholder 2"/>
+          <p:cNvSpPr>
+            <a:spLocks noGrp="1"/>
+          </p:cNvSpPr>
+          <p:nvPr>
+            <p:ph idx="1"/>
+          </p:nvPr>
+        </p:nvSpPr>
+        <p:spPr/>
+        <p:txBody>
+          <a:bodyPr/>
+          <a:lstStyle/>
+          <a:p>
+            <a:r>
+              <a:rPr lang="en-US" dirty="0" smtClean="0"/>
+              <a:t>A constructor </a:t>
+            </a:r>
+            <a:r>
+              <a:rPr lang="en-US" dirty="0"/>
+              <a:t>is just like a method but without return type. It can also be overloaded like Java methods. </a:t>
+            </a:r>
+            <a:endParaRPr lang="en-US" dirty="0" smtClean="0"/>
+          </a:p>
+          <a:p>
+            <a:r>
+              <a:rPr lang="en-US" dirty="0"/>
+              <a:t>Constructor </a:t>
+            </a:r>
+            <a:r>
+              <a:rPr lang="en-US" dirty="0" smtClean="0"/>
+              <a:t>overloading </a:t>
+            </a:r>
+            <a:r>
+              <a:rPr lang="en-US" dirty="0"/>
+              <a:t>is a technique of having more than one constructor with different parameter lists. </a:t>
+            </a:r>
+            <a:endParaRPr lang="en-US" dirty="0" smtClean="0"/>
+          </a:p>
+          <a:p>
+            <a:r>
+              <a:rPr lang="en-US" dirty="0" smtClean="0"/>
+              <a:t>They </a:t>
+            </a:r>
+            <a:r>
+              <a:rPr lang="en-US" dirty="0"/>
+              <a:t>are arranged in a way that each constructor performs a different task. </a:t>
+            </a:r>
+            <a:endParaRPr lang="en-US" dirty="0" smtClean="0"/>
+          </a:p>
+          <a:p>
+            <a:r>
+              <a:rPr lang="en-US" dirty="0" smtClean="0"/>
+              <a:t>They </a:t>
+            </a:r>
+            <a:r>
+              <a:rPr lang="en-US" dirty="0"/>
+              <a:t>are differentiated by the compiler by the number of parameters in the list and their types.</a:t>
+            </a:r>
+          </a:p>
+        </p:txBody>
+      </p:sp>
+    </p:spTree>
+    <p:extLst>
+      <p:ext uri="{BB962C8B-B14F-4D97-AF65-F5344CB8AC3E}">
+        <p14:creationId xmlns:p14="http://schemas.microsoft.com/office/powerpoint/2010/main" val="474450580"/>
+      </p:ext>
+    </p:extLst>
+  </p:cSld>
+  <p:clrMapOvr>
+    <a:masterClrMapping/>
+  </p:clrMapOvr>
+  <p:timing>
+    <p:tnLst>
+      <p:par>
+        <p:cTn id="1" dur="indefinite" restart="never" nodeType="tmRoot"/>
+      </p:par>
+    </p:tnLst>
+  </p:timing>
+</p:sld>
+</file>
+
+<file path=ppt/slides/slide26.xml><?xml version="1.0" encoding="utf-8"?>
+<p:sld xmlns:a="http://schemas.openxmlformats.org/drawingml/2006/main" xmlns:r="http://schemas.openxmlformats.org/officeDocument/2006/relationships" xmlns:p="http://schemas.openxmlformats.org/presentationml/2006/main">
+  <p:cSld>
+    <p:spTree>
+      <p:nvGrpSpPr>
+        <p:cNvPr id="1" name=""/>
+        <p:cNvGrpSpPr/>
+        <p:nvPr/>
+      </p:nvGrpSpPr>
+      <p:grpSpPr>
+        <a:xfrm>
+          <a:off x="0" y="0"/>
+          <a:ext cx="0" cy="0"/>
+          <a:chOff x="0" y="0"/>
+          <a:chExt cx="0" cy="0"/>
+        </a:xfrm>
+      </p:grpSpPr>
+      <p:sp>
+        <p:nvSpPr>
+          <p:cNvPr id="2" name="Title 1"/>
+          <p:cNvSpPr>
+            <a:spLocks noGrp="1"/>
+          </p:cNvSpPr>
+          <p:nvPr>
+            <p:ph type="title"/>
+          </p:nvPr>
+        </p:nvSpPr>
+        <p:spPr/>
+        <p:txBody>
+          <a:bodyPr/>
+          <a:lstStyle/>
+          <a:p>
+            <a:r>
+              <a:rPr lang="en-US" dirty="0" smtClean="0"/>
+              <a:t>Example</a:t>
+            </a:r>
+            <a:endParaRPr lang="en-US" dirty="0"/>
+          </a:p>
+        </p:txBody>
+      </p:sp>
+      <p:sp>
+        <p:nvSpPr>
+          <p:cNvPr id="4" name="Rectangle 1"/>
+          <p:cNvSpPr>
+            <a:spLocks noGrp="1" noChangeArrowheads="1"/>
+          </p:cNvSpPr>
+          <p:nvPr>
+            <p:ph idx="1"/>
+          </p:nvPr>
+        </p:nvSpPr>
+        <p:spPr bwMode="auto">
+          <a:xfrm>
+            <a:off x="838200" y="1877635"/>
+            <a:ext cx="10172700" cy="4247317"/>
+          </a:xfrm>
+          <a:prstGeom prst="rect">
+            <a:avLst/>
+          </a:prstGeom>
+          <a:noFill/>
+          <a:ln>
+            <a:noFill/>
+          </a:ln>
+          <a:effectLst/>
+          <a:extLst>
+            <a:ext uri="{909E8E84-426E-40DD-AFC4-6F175D3DCCD1}">
+              <a14:hiddenFill xmlns:a14="http://schemas.microsoft.com/office/drawing/2010/main">
+                <a:solidFill>
+                  <a:schemeClr val="accent1"/>
+                </a:solidFill>
+              </a14:hiddenFill>
+            </a:ext>
+            <a:ext uri="{91240B29-F687-4F45-9708-019B960494DF}">
+              <a14:hiddenLine xmlns:a14="http://schemas.microsoft.com/office/drawing/2010/main" w="9525">
+                <a:solidFill>
+                  <a:schemeClr val="tx1"/>
+                </a:solidFill>
+                <a:miter lim="800000"/>
+                <a:headEnd/>
+                <a:tailEnd/>
+              </a14:hiddenLine>
+            </a:ext>
+            <a:ext uri="{AF507438-7753-43E0-B8FC-AC1667EBCBE1}">
+              <a14:hiddenEffects xmlns:a14="http://schemas.microsoft.com/office/drawing/2010/main">
+                <a:effectLst>
+                  <a:outerShdw dist="35921" dir="2700000" algn="ctr" rotWithShape="0">
+                    <a:schemeClr val="bg2"/>
+                  </a:outerShdw>
+                </a:effectLst>
+              </a14:hiddenEffects>
+            </a:ext>
+          </a:extLst>
+        </p:spPr>
+        <p:txBody>
+          <a:bodyPr vert="horz" wrap="square" lIns="91440" tIns="45720" rIns="91440" bIns="45720" numCol="1" anchor="ctr" anchorCtr="0" compatLnSpc="1">
+            <a:prstTxWarp prst="textNoShape">
+              <a:avLst/>
+            </a:prstTxWarp>
+            <a:spAutoFit/>
+          </a:bodyPr>
+          <a:lstStyle/>
+          <a:p>
+            <a:pPr marL="0" marR="0" lvl="0" indent="0" algn="l" defTabSz="914400" rtl="0" eaLnBrk="0" fontAlgn="base" latinLnBrk="0" hangingPunct="0">
+              <a:lnSpc>
+                <a:spcPct val="100000"/>
+              </a:lnSpc>
+              <a:spcBef>
+                <a:spcPct val="0"/>
+              </a:spcBef>
+              <a:spcAft>
+                <a:spcPct val="0"/>
+              </a:spcAft>
+              <a:buClrTx/>
+              <a:buSzTx/>
+              <a:buNone/>
+              <a:tabLst/>
+            </a:pPr>
+            <a:r>
+              <a:rPr kumimoji="0" lang="en-US" altLang="en-US" sz="1800" b="0" i="0" u="none" strike="noStrike" cap="none" normalizeH="0" baseline="0" dirty="0" smtClean="0">
+                <a:ln>
+                  <a:noFill/>
+                </a:ln>
+                <a:solidFill>
+                  <a:schemeClr val="tx1"/>
+                </a:solidFill>
+                <a:effectLst/>
+                <a:latin typeface="Arial" panose="020B0604020202020204" pitchFamily="34" charset="0"/>
+              </a:rPr>
+              <a:t>class Employee{  </a:t>
+            </a:r>
+          </a:p>
+          <a:p>
+            <a:pPr marL="0" marR="0" lvl="0" indent="0" algn="l" defTabSz="914400" rtl="0" eaLnBrk="0" fontAlgn="base" latinLnBrk="0" hangingPunct="0">
+              <a:lnSpc>
+                <a:spcPct val="100000"/>
+              </a:lnSpc>
+              <a:spcBef>
+                <a:spcPct val="0"/>
+              </a:spcBef>
+              <a:spcAft>
+                <a:spcPct val="0"/>
+              </a:spcAft>
+              <a:buClrTx/>
+              <a:buSzTx/>
+              <a:buNone/>
+              <a:tabLst/>
+            </a:pPr>
+            <a:r>
+              <a:rPr kumimoji="0" lang="en-US" altLang="en-US" sz="1800" b="0" i="0" u="none" strike="noStrike" cap="none" normalizeH="0" baseline="0" dirty="0" smtClean="0">
+                <a:ln>
+                  <a:noFill/>
+                </a:ln>
+                <a:solidFill>
+                  <a:schemeClr val="tx1"/>
+                </a:solidFill>
+                <a:effectLst/>
+                <a:latin typeface="Arial" panose="020B0604020202020204" pitchFamily="34" charset="0"/>
+              </a:rPr>
+              <a:t>    </a:t>
+            </a:r>
+            <a:r>
+              <a:rPr kumimoji="0" lang="en-US" altLang="en-US" sz="1800" b="0" i="0" u="none" strike="noStrike" cap="none" normalizeH="0" baseline="0" dirty="0" err="1" smtClean="0">
+                <a:ln>
+                  <a:noFill/>
+                </a:ln>
+                <a:solidFill>
+                  <a:schemeClr val="tx1"/>
+                </a:solidFill>
+                <a:effectLst/>
+                <a:latin typeface="Arial" panose="020B0604020202020204" pitchFamily="34" charset="0"/>
+              </a:rPr>
+              <a:t>int</a:t>
+            </a:r>
+            <a:r>
+              <a:rPr kumimoji="0" lang="en-US" altLang="en-US" sz="1800" b="0" i="0" u="none" strike="noStrike" cap="none" normalizeH="0" baseline="0" dirty="0" smtClean="0">
+                <a:ln>
+                  <a:noFill/>
+                </a:ln>
+                <a:solidFill>
+                  <a:schemeClr val="tx1"/>
+                </a:solidFill>
+                <a:effectLst/>
+                <a:latin typeface="Arial" panose="020B0604020202020204" pitchFamily="34" charset="0"/>
+              </a:rPr>
+              <a:t> id;  </a:t>
+            </a:r>
+          </a:p>
+          <a:p>
+            <a:pPr marL="0" marR="0" lvl="0" indent="0" algn="l" defTabSz="914400" rtl="0" eaLnBrk="0" fontAlgn="base" latinLnBrk="0" hangingPunct="0">
+              <a:lnSpc>
+                <a:spcPct val="100000"/>
+              </a:lnSpc>
+              <a:spcBef>
+                <a:spcPct val="0"/>
+              </a:spcBef>
+              <a:spcAft>
+                <a:spcPct val="0"/>
+              </a:spcAft>
+              <a:buClrTx/>
+              <a:buSzTx/>
+              <a:buNone/>
+              <a:tabLst/>
+            </a:pPr>
+            <a:r>
+              <a:rPr kumimoji="0" lang="en-US" altLang="en-US" sz="1800" b="0" i="0" u="none" strike="noStrike" cap="none" normalizeH="0" baseline="0" dirty="0" smtClean="0">
+                <a:ln>
+                  <a:noFill/>
+                </a:ln>
+                <a:solidFill>
+                  <a:schemeClr val="tx1"/>
+                </a:solidFill>
+                <a:effectLst/>
+                <a:latin typeface="Arial" panose="020B0604020202020204" pitchFamily="34" charset="0"/>
+              </a:rPr>
+              <a:t>    String name;  </a:t>
+            </a:r>
+          </a:p>
+          <a:p>
+            <a:pPr marL="0" marR="0" lvl="0" indent="0" algn="l" defTabSz="914400" rtl="0" eaLnBrk="0" fontAlgn="base" latinLnBrk="0" hangingPunct="0">
+              <a:lnSpc>
+                <a:spcPct val="100000"/>
+              </a:lnSpc>
+              <a:spcBef>
+                <a:spcPct val="0"/>
+              </a:spcBef>
+              <a:spcAft>
+                <a:spcPct val="0"/>
+              </a:spcAft>
+              <a:buClrTx/>
+              <a:buSzTx/>
+              <a:buNone/>
+              <a:tabLst/>
+            </a:pPr>
+            <a:r>
+              <a:rPr kumimoji="0" lang="en-US" altLang="en-US" sz="1800" b="0" i="0" u="none" strike="noStrike" cap="none" normalizeH="0" baseline="0" dirty="0" smtClean="0">
+                <a:ln>
+                  <a:noFill/>
+                </a:ln>
+                <a:solidFill>
+                  <a:schemeClr val="tx1"/>
+                </a:solidFill>
+                <a:effectLst/>
+                <a:latin typeface="Arial" panose="020B0604020202020204" pitchFamily="34" charset="0"/>
+              </a:rPr>
+              <a:t>    </a:t>
+            </a:r>
+            <a:r>
+              <a:rPr kumimoji="0" lang="en-US" altLang="en-US" sz="1800" b="0" i="0" u="none" strike="noStrike" cap="none" normalizeH="0" baseline="0" dirty="0" err="1" smtClean="0">
+                <a:ln>
+                  <a:noFill/>
+                </a:ln>
+                <a:solidFill>
+                  <a:schemeClr val="tx1"/>
+                </a:solidFill>
+                <a:effectLst/>
+                <a:latin typeface="Arial" panose="020B0604020202020204" pitchFamily="34" charset="0"/>
+              </a:rPr>
+              <a:t>int</a:t>
+            </a:r>
+            <a:r>
+              <a:rPr kumimoji="0" lang="en-US" altLang="en-US" sz="1800" b="0" i="0" u="none" strike="noStrike" cap="none" normalizeH="0" baseline="0" dirty="0" smtClean="0">
+                <a:ln>
+                  <a:noFill/>
+                </a:ln>
+                <a:solidFill>
+                  <a:schemeClr val="tx1"/>
+                </a:solidFill>
+                <a:effectLst/>
+                <a:latin typeface="Arial" panose="020B0604020202020204" pitchFamily="34" charset="0"/>
+              </a:rPr>
+              <a:t> age;  </a:t>
+            </a:r>
+          </a:p>
+          <a:p>
+            <a:pPr marL="0" marR="0" lvl="0" indent="0" algn="l" defTabSz="914400" rtl="0" eaLnBrk="0" fontAlgn="base" latinLnBrk="0" hangingPunct="0">
+              <a:lnSpc>
+                <a:spcPct val="100000"/>
+              </a:lnSpc>
+              <a:spcBef>
+                <a:spcPct val="0"/>
+              </a:spcBef>
+              <a:spcAft>
+                <a:spcPct val="0"/>
+              </a:spcAft>
+              <a:buClrTx/>
+              <a:buSzTx/>
+              <a:buNone/>
+              <a:tabLst/>
+            </a:pPr>
+            <a:r>
+              <a:rPr kumimoji="0" lang="en-US" altLang="en-US" sz="1800" b="0" i="0" u="none" strike="noStrike" cap="none" normalizeH="0" baseline="0" dirty="0" smtClean="0">
+                <a:ln>
+                  <a:noFill/>
+                </a:ln>
+                <a:solidFill>
+                  <a:schemeClr val="tx1"/>
+                </a:solidFill>
+                <a:effectLst/>
+                <a:latin typeface="Arial" panose="020B0604020202020204" pitchFamily="34" charset="0"/>
+              </a:rPr>
+              <a:t>    //creating two </a:t>
+            </a:r>
+            <a:r>
+              <a:rPr kumimoji="0" lang="en-US" altLang="en-US" sz="1800" b="0" i="0" u="none" strike="noStrike" cap="none" normalizeH="0" baseline="0" dirty="0" err="1" smtClean="0">
+                <a:ln>
+                  <a:noFill/>
+                </a:ln>
+                <a:solidFill>
+                  <a:schemeClr val="tx1"/>
+                </a:solidFill>
+                <a:effectLst/>
+                <a:latin typeface="Arial" panose="020B0604020202020204" pitchFamily="34" charset="0"/>
+              </a:rPr>
+              <a:t>arg</a:t>
+            </a:r>
+            <a:r>
+              <a:rPr kumimoji="0" lang="en-US" altLang="en-US" sz="1800" b="0" i="0" u="none" strike="noStrike" cap="none" normalizeH="0" baseline="0" dirty="0" smtClean="0">
+                <a:ln>
+                  <a:noFill/>
+                </a:ln>
+                <a:solidFill>
+                  <a:schemeClr val="tx1"/>
+                </a:solidFill>
+                <a:effectLst/>
+                <a:latin typeface="Arial" panose="020B0604020202020204" pitchFamily="34" charset="0"/>
+              </a:rPr>
+              <a:t> constructor  </a:t>
+            </a:r>
+          </a:p>
+          <a:p>
+            <a:pPr marL="0" marR="0" lvl="0" indent="0" algn="l" defTabSz="914400" rtl="0" eaLnBrk="0" fontAlgn="base" latinLnBrk="0" hangingPunct="0">
+              <a:lnSpc>
+                <a:spcPct val="100000"/>
+              </a:lnSpc>
+              <a:spcBef>
+                <a:spcPct val="0"/>
+              </a:spcBef>
+              <a:spcAft>
+                <a:spcPct val="0"/>
+              </a:spcAft>
+              <a:buClrTx/>
+              <a:buSzTx/>
+              <a:buNone/>
+              <a:tabLst/>
+            </a:pPr>
+            <a:r>
+              <a:rPr kumimoji="0" lang="en-US" altLang="en-US" sz="1800" b="0" i="0" u="none" strike="noStrike" cap="none" normalizeH="0" baseline="0" dirty="0" smtClean="0">
+                <a:ln>
+                  <a:noFill/>
+                </a:ln>
+                <a:solidFill>
+                  <a:schemeClr val="tx1"/>
+                </a:solidFill>
+                <a:effectLst/>
+                <a:latin typeface="Arial" panose="020B0604020202020204" pitchFamily="34" charset="0"/>
+              </a:rPr>
+              <a:t>    Employee(</a:t>
+            </a:r>
+            <a:r>
+              <a:rPr kumimoji="0" lang="en-US" altLang="en-US" sz="1800" b="0" i="0" u="none" strike="noStrike" cap="none" normalizeH="0" baseline="0" dirty="0" err="1" smtClean="0">
+                <a:ln>
+                  <a:noFill/>
+                </a:ln>
+                <a:solidFill>
+                  <a:schemeClr val="tx1"/>
+                </a:solidFill>
+                <a:effectLst/>
+                <a:latin typeface="Arial" panose="020B0604020202020204" pitchFamily="34" charset="0"/>
+              </a:rPr>
+              <a:t>int</a:t>
+            </a:r>
+            <a:r>
+              <a:rPr kumimoji="0" lang="en-US" altLang="en-US" sz="1800" b="0" i="0" u="none" strike="noStrike" cap="none" normalizeH="0" baseline="0" dirty="0" smtClean="0">
+                <a:ln>
+                  <a:noFill/>
+                </a:ln>
+                <a:solidFill>
+                  <a:schemeClr val="tx1"/>
+                </a:solidFill>
+                <a:effectLst/>
+                <a:latin typeface="Arial" panose="020B0604020202020204" pitchFamily="34" charset="0"/>
+              </a:rPr>
+              <a:t> </a:t>
+            </a:r>
+            <a:r>
+              <a:rPr kumimoji="0" lang="en-US" altLang="en-US" sz="1800" b="0" i="0" u="none" strike="noStrike" cap="none" normalizeH="0" baseline="0" dirty="0" err="1" smtClean="0">
+                <a:ln>
+                  <a:noFill/>
+                </a:ln>
+                <a:solidFill>
+                  <a:schemeClr val="tx1"/>
+                </a:solidFill>
+                <a:effectLst/>
+                <a:latin typeface="Arial" panose="020B0604020202020204" pitchFamily="34" charset="0"/>
+              </a:rPr>
+              <a:t>i,String</a:t>
+            </a:r>
+            <a:r>
+              <a:rPr kumimoji="0" lang="en-US" altLang="en-US" sz="1800" b="0" i="0" u="none" strike="noStrike" cap="none" normalizeH="0" baseline="0" dirty="0" smtClean="0">
+                <a:ln>
+                  <a:noFill/>
+                </a:ln>
+                <a:solidFill>
+                  <a:schemeClr val="tx1"/>
+                </a:solidFill>
+                <a:effectLst/>
+                <a:latin typeface="Arial" panose="020B0604020202020204" pitchFamily="34" charset="0"/>
+              </a:rPr>
+              <a:t> n){  </a:t>
+            </a:r>
+          </a:p>
+          <a:p>
+            <a:pPr marL="0" marR="0" lvl="0" indent="0" algn="l" defTabSz="914400" rtl="0" eaLnBrk="0" fontAlgn="base" latinLnBrk="0" hangingPunct="0">
+              <a:lnSpc>
+                <a:spcPct val="100000"/>
+              </a:lnSpc>
+              <a:spcBef>
+                <a:spcPct val="0"/>
+              </a:spcBef>
+              <a:spcAft>
+                <a:spcPct val="0"/>
+              </a:spcAft>
+              <a:buClrTx/>
+              <a:buSzTx/>
+              <a:buNone/>
+              <a:tabLst/>
+            </a:pPr>
+            <a:r>
+              <a:rPr kumimoji="0" lang="en-US" altLang="en-US" sz="1800" b="0" i="0" u="none" strike="noStrike" cap="none" normalizeH="0" baseline="0" dirty="0" smtClean="0">
+                <a:ln>
+                  <a:noFill/>
+                </a:ln>
+                <a:solidFill>
+                  <a:schemeClr val="tx1"/>
+                </a:solidFill>
+                <a:effectLst/>
+                <a:latin typeface="Arial" panose="020B0604020202020204" pitchFamily="34" charset="0"/>
+              </a:rPr>
+              <a:t>    id = </a:t>
+            </a:r>
+            <a:r>
+              <a:rPr kumimoji="0" lang="en-US" altLang="en-US" sz="1800" b="0" i="0" u="none" strike="noStrike" cap="none" normalizeH="0" baseline="0" dirty="0" err="1" smtClean="0">
+                <a:ln>
+                  <a:noFill/>
+                </a:ln>
+                <a:solidFill>
+                  <a:schemeClr val="tx1"/>
+                </a:solidFill>
+                <a:effectLst/>
+                <a:latin typeface="Arial" panose="020B0604020202020204" pitchFamily="34" charset="0"/>
+              </a:rPr>
+              <a:t>i</a:t>
+            </a:r>
+            <a:r>
+              <a:rPr kumimoji="0" lang="en-US" altLang="en-US" sz="1800" b="0" i="0" u="none" strike="noStrike" cap="none" normalizeH="0" baseline="0" dirty="0" smtClean="0">
+                <a:ln>
+                  <a:noFill/>
+                </a:ln>
+                <a:solidFill>
+                  <a:schemeClr val="tx1"/>
+                </a:solidFill>
+                <a:effectLst/>
+                <a:latin typeface="Arial" panose="020B0604020202020204" pitchFamily="34" charset="0"/>
+              </a:rPr>
+              <a:t>;  </a:t>
+            </a:r>
+          </a:p>
+          <a:p>
+            <a:pPr marL="0" marR="0" lvl="0" indent="0" algn="l" defTabSz="914400" rtl="0" eaLnBrk="0" fontAlgn="base" latinLnBrk="0" hangingPunct="0">
+              <a:lnSpc>
+                <a:spcPct val="100000"/>
+              </a:lnSpc>
+              <a:spcBef>
+                <a:spcPct val="0"/>
+              </a:spcBef>
+              <a:spcAft>
+                <a:spcPct val="0"/>
+              </a:spcAft>
+              <a:buClrTx/>
+              <a:buSzTx/>
+              <a:buNone/>
+              <a:tabLst/>
+            </a:pPr>
+            <a:r>
+              <a:rPr kumimoji="0" lang="en-US" altLang="en-US" sz="1800" b="0" i="0" u="none" strike="noStrike" cap="none" normalizeH="0" baseline="0" dirty="0" smtClean="0">
+                <a:ln>
+                  <a:noFill/>
+                </a:ln>
+                <a:solidFill>
+                  <a:schemeClr val="tx1"/>
+                </a:solidFill>
+                <a:effectLst/>
+                <a:latin typeface="Arial" panose="020B0604020202020204" pitchFamily="34" charset="0"/>
+              </a:rPr>
+              <a:t>    name = n;  </a:t>
+            </a:r>
+          </a:p>
+          <a:p>
+            <a:pPr marL="0" marR="0" lvl="0" indent="0" algn="l" defTabSz="914400" rtl="0" eaLnBrk="0" fontAlgn="base" latinLnBrk="0" hangingPunct="0">
+              <a:lnSpc>
+                <a:spcPct val="100000"/>
+              </a:lnSpc>
+              <a:spcBef>
+                <a:spcPct val="0"/>
+              </a:spcBef>
+              <a:spcAft>
+                <a:spcPct val="0"/>
+              </a:spcAft>
+              <a:buClrTx/>
+              <a:buSzTx/>
+              <a:buNone/>
+              <a:tabLst/>
+            </a:pPr>
+            <a:r>
+              <a:rPr kumimoji="0" lang="en-US" altLang="en-US" sz="1800" b="0" i="0" u="none" strike="noStrike" cap="none" normalizeH="0" baseline="0" dirty="0" smtClean="0">
+                <a:ln>
+                  <a:noFill/>
+                </a:ln>
+                <a:solidFill>
+                  <a:schemeClr val="tx1"/>
+                </a:solidFill>
+                <a:effectLst/>
+                <a:latin typeface="Arial" panose="020B0604020202020204" pitchFamily="34" charset="0"/>
+              </a:rPr>
+              <a:t>    }  </a:t>
+            </a:r>
+          </a:p>
+          <a:p>
+            <a:pPr marL="0" marR="0" lvl="0" indent="0" algn="l" defTabSz="914400" rtl="0" eaLnBrk="0" fontAlgn="base" latinLnBrk="0" hangingPunct="0">
+              <a:lnSpc>
+                <a:spcPct val="100000"/>
+              </a:lnSpc>
+              <a:spcBef>
+                <a:spcPct val="0"/>
+              </a:spcBef>
+              <a:spcAft>
+                <a:spcPct val="0"/>
+              </a:spcAft>
+              <a:buClrTx/>
+              <a:buSzTx/>
+              <a:buNone/>
+              <a:tabLst/>
+            </a:pPr>
+            <a:r>
+              <a:rPr kumimoji="0" lang="en-US" altLang="en-US" sz="1800" b="0" i="0" u="none" strike="noStrike" cap="none" normalizeH="0" baseline="0" dirty="0" smtClean="0">
+                <a:ln>
+                  <a:noFill/>
+                </a:ln>
+                <a:solidFill>
+                  <a:schemeClr val="tx1"/>
+                </a:solidFill>
+                <a:effectLst/>
+                <a:latin typeface="Arial" panose="020B0604020202020204" pitchFamily="34" charset="0"/>
+              </a:rPr>
+              <a:t>    //creating three </a:t>
+            </a:r>
+            <a:r>
+              <a:rPr kumimoji="0" lang="en-US" altLang="en-US" sz="1800" b="0" i="0" u="none" strike="noStrike" cap="none" normalizeH="0" baseline="0" dirty="0" err="1" smtClean="0">
+                <a:ln>
+                  <a:noFill/>
+                </a:ln>
+                <a:solidFill>
+                  <a:schemeClr val="tx1"/>
+                </a:solidFill>
+                <a:effectLst/>
+                <a:latin typeface="Arial" panose="020B0604020202020204" pitchFamily="34" charset="0"/>
+              </a:rPr>
+              <a:t>arg</a:t>
+            </a:r>
+            <a:r>
+              <a:rPr kumimoji="0" lang="en-US" altLang="en-US" sz="1800" b="0" i="0" u="none" strike="noStrike" cap="none" normalizeH="0" baseline="0" dirty="0" smtClean="0">
+                <a:ln>
+                  <a:noFill/>
+                </a:ln>
+                <a:solidFill>
+                  <a:schemeClr val="tx1"/>
+                </a:solidFill>
+                <a:effectLst/>
+                <a:latin typeface="Arial" panose="020B0604020202020204" pitchFamily="34" charset="0"/>
+              </a:rPr>
+              <a:t> constructor  </a:t>
+            </a:r>
+          </a:p>
+          <a:p>
+            <a:pPr marL="0" marR="0" lvl="0" indent="0" algn="l" defTabSz="914400" rtl="0" eaLnBrk="0" fontAlgn="base" latinLnBrk="0" hangingPunct="0">
+              <a:lnSpc>
+                <a:spcPct val="100000"/>
+              </a:lnSpc>
+              <a:spcBef>
+                <a:spcPct val="0"/>
+              </a:spcBef>
+              <a:spcAft>
+                <a:spcPct val="0"/>
+              </a:spcAft>
+              <a:buClrTx/>
+              <a:buSzTx/>
+              <a:buNone/>
+              <a:tabLst/>
+            </a:pPr>
+            <a:r>
+              <a:rPr kumimoji="0" lang="en-US" altLang="en-US" sz="1800" b="0" i="0" u="none" strike="noStrike" cap="none" normalizeH="0" baseline="0" dirty="0" smtClean="0">
+                <a:ln>
+                  <a:noFill/>
+                </a:ln>
+                <a:solidFill>
+                  <a:schemeClr val="tx1"/>
+                </a:solidFill>
+                <a:effectLst/>
+                <a:latin typeface="Arial" panose="020B0604020202020204" pitchFamily="34" charset="0"/>
+              </a:rPr>
+              <a:t>    Employee(</a:t>
+            </a:r>
+            <a:r>
+              <a:rPr kumimoji="0" lang="en-US" altLang="en-US" sz="1800" b="0" i="0" u="none" strike="noStrike" cap="none" normalizeH="0" baseline="0" dirty="0" err="1" smtClean="0">
+                <a:ln>
+                  <a:noFill/>
+                </a:ln>
+                <a:solidFill>
+                  <a:schemeClr val="tx1"/>
+                </a:solidFill>
+                <a:effectLst/>
+                <a:latin typeface="Arial" panose="020B0604020202020204" pitchFamily="34" charset="0"/>
+              </a:rPr>
+              <a:t>int</a:t>
+            </a:r>
+            <a:r>
+              <a:rPr kumimoji="0" lang="en-US" altLang="en-US" sz="1800" b="0" i="0" u="none" strike="noStrike" cap="none" normalizeH="0" baseline="0" dirty="0" smtClean="0">
+                <a:ln>
+                  <a:noFill/>
+                </a:ln>
+                <a:solidFill>
+                  <a:schemeClr val="tx1"/>
+                </a:solidFill>
+                <a:effectLst/>
+                <a:latin typeface="Arial" panose="020B0604020202020204" pitchFamily="34" charset="0"/>
+              </a:rPr>
+              <a:t> </a:t>
+            </a:r>
+            <a:r>
+              <a:rPr kumimoji="0" lang="en-US" altLang="en-US" sz="1800" b="0" i="0" u="none" strike="noStrike" cap="none" normalizeH="0" baseline="0" dirty="0" err="1" smtClean="0">
+                <a:ln>
+                  <a:noFill/>
+                </a:ln>
+                <a:solidFill>
+                  <a:schemeClr val="tx1"/>
+                </a:solidFill>
+                <a:effectLst/>
+                <a:latin typeface="Arial" panose="020B0604020202020204" pitchFamily="34" charset="0"/>
+              </a:rPr>
+              <a:t>i,String</a:t>
+            </a:r>
+            <a:r>
+              <a:rPr kumimoji="0" lang="en-US" altLang="en-US" sz="1800" b="0" i="0" u="none" strike="noStrike" cap="none" normalizeH="0" baseline="0" dirty="0" smtClean="0">
+                <a:ln>
+                  <a:noFill/>
+                </a:ln>
+                <a:solidFill>
+                  <a:schemeClr val="tx1"/>
+                </a:solidFill>
+                <a:effectLst/>
+                <a:latin typeface="Arial" panose="020B0604020202020204" pitchFamily="34" charset="0"/>
+              </a:rPr>
+              <a:t> </a:t>
+            </a:r>
+            <a:r>
+              <a:rPr kumimoji="0" lang="en-US" altLang="en-US" sz="1800" b="0" i="0" u="none" strike="noStrike" cap="none" normalizeH="0" baseline="0" dirty="0" err="1" smtClean="0">
+                <a:ln>
+                  <a:noFill/>
+                </a:ln>
+                <a:solidFill>
+                  <a:schemeClr val="tx1"/>
+                </a:solidFill>
+                <a:effectLst/>
+                <a:latin typeface="Arial" panose="020B0604020202020204" pitchFamily="34" charset="0"/>
+              </a:rPr>
+              <a:t>n,int</a:t>
+            </a:r>
+            <a:r>
+              <a:rPr kumimoji="0" lang="en-US" altLang="en-US" sz="1800" b="0" i="0" u="none" strike="noStrike" cap="none" normalizeH="0" baseline="0" dirty="0" smtClean="0">
+                <a:ln>
+                  <a:noFill/>
+                </a:ln>
+                <a:solidFill>
+                  <a:schemeClr val="tx1"/>
+                </a:solidFill>
+                <a:effectLst/>
+                <a:latin typeface="Arial" panose="020B0604020202020204" pitchFamily="34" charset="0"/>
+              </a:rPr>
+              <a:t> a){  </a:t>
+            </a:r>
+          </a:p>
+          <a:p>
+            <a:pPr marL="0" marR="0" lvl="0" indent="0" algn="l" defTabSz="914400" rtl="0" eaLnBrk="0" fontAlgn="base" latinLnBrk="0" hangingPunct="0">
+              <a:lnSpc>
+                <a:spcPct val="100000"/>
+              </a:lnSpc>
+              <a:spcBef>
+                <a:spcPct val="0"/>
+              </a:spcBef>
+              <a:spcAft>
+                <a:spcPct val="0"/>
+              </a:spcAft>
+              <a:buClrTx/>
+              <a:buSzTx/>
+              <a:buNone/>
+              <a:tabLst/>
+            </a:pPr>
+            <a:r>
+              <a:rPr kumimoji="0" lang="en-US" altLang="en-US" sz="1800" b="0" i="0" u="none" strike="noStrike" cap="none" normalizeH="0" baseline="0" dirty="0" smtClean="0">
+                <a:ln>
+                  <a:noFill/>
+                </a:ln>
+                <a:solidFill>
+                  <a:schemeClr val="tx1"/>
+                </a:solidFill>
+                <a:effectLst/>
+                <a:latin typeface="Arial" panose="020B0604020202020204" pitchFamily="34" charset="0"/>
+              </a:rPr>
+              <a:t>    id = </a:t>
+            </a:r>
+            <a:r>
+              <a:rPr kumimoji="0" lang="en-US" altLang="en-US" sz="1800" b="0" i="0" u="none" strike="noStrike" cap="none" normalizeH="0" baseline="0" dirty="0" err="1" smtClean="0">
+                <a:ln>
+                  <a:noFill/>
+                </a:ln>
+                <a:solidFill>
+                  <a:schemeClr val="tx1"/>
+                </a:solidFill>
+                <a:effectLst/>
+                <a:latin typeface="Arial" panose="020B0604020202020204" pitchFamily="34" charset="0"/>
+              </a:rPr>
+              <a:t>i</a:t>
+            </a:r>
+            <a:r>
+              <a:rPr kumimoji="0" lang="en-US" altLang="en-US" sz="1800" b="0" i="0" u="none" strike="noStrike" cap="none" normalizeH="0" baseline="0" dirty="0" smtClean="0">
+                <a:ln>
+                  <a:noFill/>
+                </a:ln>
+                <a:solidFill>
+                  <a:schemeClr val="tx1"/>
+                </a:solidFill>
+                <a:effectLst/>
+                <a:latin typeface="Arial" panose="020B0604020202020204" pitchFamily="34" charset="0"/>
+              </a:rPr>
+              <a:t>;  </a:t>
+            </a:r>
+          </a:p>
+          <a:p>
+            <a:pPr marL="0" marR="0" lvl="0" indent="0" algn="l" defTabSz="914400" rtl="0" eaLnBrk="0" fontAlgn="base" latinLnBrk="0" hangingPunct="0">
+              <a:lnSpc>
+                <a:spcPct val="100000"/>
+              </a:lnSpc>
+              <a:spcBef>
+                <a:spcPct val="0"/>
+              </a:spcBef>
+              <a:spcAft>
+                <a:spcPct val="0"/>
+              </a:spcAft>
+              <a:buClrTx/>
+              <a:buSzTx/>
+              <a:buNone/>
+              <a:tabLst/>
+            </a:pPr>
+            <a:r>
+              <a:rPr kumimoji="0" lang="en-US" altLang="en-US" sz="1800" b="0" i="0" u="none" strike="noStrike" cap="none" normalizeH="0" baseline="0" dirty="0" smtClean="0">
+                <a:ln>
+                  <a:noFill/>
+                </a:ln>
+                <a:solidFill>
+                  <a:schemeClr val="tx1"/>
+                </a:solidFill>
+                <a:effectLst/>
+                <a:latin typeface="Arial" panose="020B0604020202020204" pitchFamily="34" charset="0"/>
+              </a:rPr>
+              <a:t>    name = n;  </a:t>
+            </a:r>
+          </a:p>
+          <a:p>
+            <a:pPr marL="0" marR="0" lvl="0" indent="0" algn="l" defTabSz="914400" rtl="0" eaLnBrk="0" fontAlgn="base" latinLnBrk="0" hangingPunct="0">
+              <a:lnSpc>
+                <a:spcPct val="100000"/>
+              </a:lnSpc>
+              <a:spcBef>
+                <a:spcPct val="0"/>
+              </a:spcBef>
+              <a:spcAft>
+                <a:spcPct val="0"/>
+              </a:spcAft>
+              <a:buClrTx/>
+              <a:buSzTx/>
+              <a:buNone/>
+              <a:tabLst/>
+            </a:pPr>
+            <a:r>
+              <a:rPr kumimoji="0" lang="en-US" altLang="en-US" sz="1800" b="0" i="0" u="none" strike="noStrike" cap="none" normalizeH="0" baseline="0" dirty="0" smtClean="0">
+                <a:ln>
+                  <a:noFill/>
+                </a:ln>
+                <a:solidFill>
+                  <a:schemeClr val="tx1"/>
+                </a:solidFill>
+                <a:effectLst/>
+                <a:latin typeface="Arial" panose="020B0604020202020204" pitchFamily="34" charset="0"/>
+              </a:rPr>
+              <a:t>    age=a;  </a:t>
+            </a:r>
+          </a:p>
+          <a:p>
+            <a:pPr marL="0" marR="0" lvl="0" indent="0" algn="l" defTabSz="914400" rtl="0" eaLnBrk="0" fontAlgn="base" latinLnBrk="0" hangingPunct="0">
+              <a:lnSpc>
+                <a:spcPct val="100000"/>
+              </a:lnSpc>
+              <a:spcBef>
+                <a:spcPct val="0"/>
+              </a:spcBef>
+              <a:spcAft>
+                <a:spcPct val="0"/>
+              </a:spcAft>
+              <a:buClrTx/>
+              <a:buSzTx/>
+              <a:buNone/>
+              <a:tabLst/>
+            </a:pPr>
+            <a:r>
+              <a:rPr kumimoji="0" lang="en-US" altLang="en-US" sz="1800" b="0" i="0" u="none" strike="noStrike" cap="none" normalizeH="0" baseline="0" dirty="0" smtClean="0">
+                <a:ln>
+                  <a:noFill/>
+                </a:ln>
+                <a:solidFill>
+                  <a:schemeClr val="tx1"/>
+                </a:solidFill>
+                <a:effectLst/>
+                <a:latin typeface="Arial" panose="020B0604020202020204" pitchFamily="34" charset="0"/>
+              </a:rPr>
+              <a:t>    } } </a:t>
+            </a:r>
+          </a:p>
+        </p:txBody>
+      </p:sp>
+    </p:spTree>
+    <p:extLst>
+      <p:ext uri="{BB962C8B-B14F-4D97-AF65-F5344CB8AC3E}">
+        <p14:creationId xmlns:p14="http://schemas.microsoft.com/office/powerpoint/2010/main" val="2502352763"/>
+      </p:ext>
+    </p:extLst>
+  </p:cSld>
+  <p:clrMapOvr>
+    <a:masterClrMapping/>
+  </p:clrMapOvr>
+  <p:timing>
+    <p:tnLst>
+      <p:par>
+        <p:cTn id="1" dur="indefinite" restart="never" nodeType="tmRoot"/>
+      </p:par>
+    </p:tnLst>
+  </p:timing>
+</p:sld>
+</file>
+
+<file path=ppt/slides/slide27.xml><?xml version="1.0" encoding="utf-8"?>
+<p:sld xmlns:a="http://schemas.openxmlformats.org/drawingml/2006/main" xmlns:r="http://schemas.openxmlformats.org/officeDocument/2006/relationships" xmlns:p="http://schemas.openxmlformats.org/presentationml/2006/main">
+  <p:cSld>
+    <p:spTree>
+      <p:nvGrpSpPr>
+        <p:cNvPr id="1" name=""/>
+        <p:cNvGrpSpPr/>
+        <p:nvPr/>
+      </p:nvGrpSpPr>
+      <p:grpSpPr>
+        <a:xfrm>
+          <a:off x="0" y="0"/>
+          <a:ext cx="0" cy="0"/>
+          <a:chOff x="0" y="0"/>
+          <a:chExt cx="0" cy="0"/>
+        </a:xfrm>
+      </p:grpSpPr>
+      <p:sp>
+        <p:nvSpPr>
+          <p:cNvPr id="2" name="Title 1"/>
+          <p:cNvSpPr>
+            <a:spLocks noGrp="1"/>
+          </p:cNvSpPr>
+          <p:nvPr>
+            <p:ph type="title"/>
+          </p:nvPr>
+        </p:nvSpPr>
+        <p:spPr/>
+        <p:txBody>
+          <a:bodyPr/>
+          <a:lstStyle/>
+          <a:p>
+            <a:r>
+              <a:rPr lang="en-US" b="1" dirty="0" smtClean="0"/>
+              <a:t>Copy </a:t>
+            </a:r>
+            <a:r>
+              <a:rPr lang="en-US" b="1" dirty="0"/>
+              <a:t>Constructor</a:t>
+            </a:r>
+            <a:br>
+              <a:rPr lang="en-US" b="1" dirty="0"/>
+            </a:br>
+            <a:endParaRPr lang="en-US" dirty="0"/>
+          </a:p>
+        </p:txBody>
+      </p:sp>
+      <p:sp>
+        <p:nvSpPr>
+          <p:cNvPr id="3" name="Content Placeholder 2"/>
+          <p:cNvSpPr>
+            <a:spLocks noGrp="1"/>
+          </p:cNvSpPr>
+          <p:nvPr>
+            <p:ph idx="1"/>
+          </p:nvPr>
+        </p:nvSpPr>
+        <p:spPr/>
+        <p:txBody>
+          <a:bodyPr/>
+          <a:lstStyle/>
+          <a:p>
+            <a:r>
+              <a:rPr lang="en-US" dirty="0"/>
+              <a:t>There is no copy constructor in Java. However, we can copy the values from one object to another like copy constructor in C</a:t>
+            </a:r>
+            <a:r>
+              <a:rPr lang="en-US" dirty="0" smtClean="0"/>
+              <a:t>++.</a:t>
+            </a:r>
+          </a:p>
+          <a:p>
+            <a:r>
+              <a:rPr lang="en-US" dirty="0"/>
+              <a:t>There are many ways to copy the values of one object into another in Java. They are</a:t>
+            </a:r>
+            <a:r>
+              <a:rPr lang="en-US" dirty="0" smtClean="0"/>
+              <a:t>:</a:t>
+            </a:r>
+          </a:p>
+          <a:p>
+            <a:pPr marL="971550" lvl="1" indent="-514350">
+              <a:buFont typeface="+mj-lt"/>
+              <a:buAutoNum type="romanLcPeriod"/>
+            </a:pPr>
+            <a:r>
+              <a:rPr lang="en-US" dirty="0"/>
+              <a:t>By </a:t>
+            </a:r>
+            <a:r>
+              <a:rPr lang="en-US" dirty="0" smtClean="0"/>
+              <a:t>constructor</a:t>
+            </a:r>
+          </a:p>
+          <a:p>
+            <a:pPr marL="971550" lvl="1" indent="-514350">
+              <a:buFont typeface="+mj-lt"/>
+              <a:buAutoNum type="romanLcPeriod"/>
+            </a:pPr>
+            <a:r>
+              <a:rPr lang="en-US" dirty="0"/>
+              <a:t>By assigning the values of one object into </a:t>
+            </a:r>
+            <a:r>
+              <a:rPr lang="en-US" dirty="0" smtClean="0"/>
+              <a:t>another</a:t>
+            </a:r>
+          </a:p>
+          <a:p>
+            <a:pPr marL="971550" lvl="1" indent="-514350">
+              <a:buFont typeface="+mj-lt"/>
+              <a:buAutoNum type="romanLcPeriod"/>
+            </a:pPr>
+            <a:r>
+              <a:rPr lang="en-US" dirty="0"/>
+              <a:t>By clone() method of Object class</a:t>
+            </a:r>
+          </a:p>
+        </p:txBody>
+      </p:sp>
+    </p:spTree>
+    <p:extLst>
+      <p:ext uri="{BB962C8B-B14F-4D97-AF65-F5344CB8AC3E}">
+        <p14:creationId xmlns:p14="http://schemas.microsoft.com/office/powerpoint/2010/main" val="126839666"/>
+      </p:ext>
+    </p:extLst>
+  </p:cSld>
+  <p:clrMapOvr>
+    <a:masterClrMapping/>
+  </p:clrMapOvr>
+  <p:timing>
+    <p:tnLst>
+      <p:par>
+        <p:cTn id="1" dur="indefinite" restart="never" nodeType="tmRoot"/>
+      </p:par>
+    </p:tnLst>
+  </p:timing>
+</p:sld>
+</file>
+
+<file path=ppt/slides/slide28.xml><?xml version="1.0" encoding="utf-8"?>
+<p:sld xmlns:a="http://schemas.openxmlformats.org/drawingml/2006/main" xmlns:r="http://schemas.openxmlformats.org/officeDocument/2006/relationships" xmlns:p="http://schemas.openxmlformats.org/presentationml/2006/main">
+  <p:cSld>
+    <p:spTree>
+      <p:nvGrpSpPr>
+        <p:cNvPr id="1" name=""/>
+        <p:cNvGrpSpPr/>
+        <p:nvPr/>
+      </p:nvGrpSpPr>
+      <p:grpSpPr>
+        <a:xfrm>
+          <a:off x="0" y="0"/>
+          <a:ext cx="0" cy="0"/>
+          <a:chOff x="0" y="0"/>
+          <a:chExt cx="0" cy="0"/>
+        </a:xfrm>
+      </p:grpSpPr>
+      <p:sp>
+        <p:nvSpPr>
+          <p:cNvPr id="2" name="Title 1"/>
+          <p:cNvSpPr>
+            <a:spLocks noGrp="1"/>
+          </p:cNvSpPr>
+          <p:nvPr>
+            <p:ph type="title"/>
+          </p:nvPr>
+        </p:nvSpPr>
+        <p:spPr>
+          <a:xfrm>
+            <a:off x="838200" y="365125"/>
+            <a:ext cx="10515600" cy="498475"/>
+          </a:xfrm>
+        </p:spPr>
+        <p:txBody>
+          <a:bodyPr>
+            <a:normAutofit fontScale="90000"/>
+          </a:bodyPr>
+          <a:lstStyle/>
+          <a:p>
+            <a:r>
+              <a:rPr lang="en-US" dirty="0" smtClean="0"/>
+              <a:t>Example </a:t>
+            </a:r>
+            <a:endParaRPr lang="en-US" dirty="0"/>
+          </a:p>
+        </p:txBody>
+      </p:sp>
+      <p:sp>
+        <p:nvSpPr>
+          <p:cNvPr id="3" name="Content Placeholder 2"/>
+          <p:cNvSpPr>
+            <a:spLocks noGrp="1"/>
+          </p:cNvSpPr>
+          <p:nvPr>
+            <p:ph idx="1"/>
+          </p:nvPr>
+        </p:nvSpPr>
+        <p:spPr>
+          <a:xfrm>
+            <a:off x="838200" y="873805"/>
+            <a:ext cx="10515600" cy="400050"/>
+          </a:xfrm>
+        </p:spPr>
+        <p:txBody>
+          <a:bodyPr>
+            <a:normAutofit fontScale="70000" lnSpcReduction="20000"/>
+          </a:bodyPr>
+          <a:lstStyle/>
+          <a:p>
+            <a:pPr marL="0" indent="0">
+              <a:buNone/>
+            </a:pPr>
+            <a:r>
+              <a:rPr lang="en-US" dirty="0"/>
+              <a:t>// In this example, we are going to copy the values of one object into another using Java </a:t>
+            </a:r>
+            <a:r>
+              <a:rPr lang="en-US" dirty="0" smtClean="0"/>
+              <a:t>constructor</a:t>
+            </a:r>
+          </a:p>
+          <a:p>
+            <a:pPr marL="0" indent="0">
+              <a:buNone/>
+            </a:pPr>
+            <a:endParaRPr lang="en-US" dirty="0"/>
+          </a:p>
+        </p:txBody>
+      </p:sp>
+      <p:sp>
+        <p:nvSpPr>
+          <p:cNvPr id="4" name="Rectangle 1"/>
+          <p:cNvSpPr>
+            <a:spLocks noChangeArrowheads="1"/>
+          </p:cNvSpPr>
+          <p:nvPr/>
+        </p:nvSpPr>
+        <p:spPr bwMode="auto">
+          <a:xfrm>
+            <a:off x="838200" y="1284060"/>
+            <a:ext cx="9555812" cy="5355312"/>
+          </a:xfrm>
+          <a:prstGeom prst="rect">
+            <a:avLst/>
+          </a:prstGeom>
+          <a:noFill/>
+          <a:ln>
+            <a:noFill/>
+          </a:ln>
+          <a:effectLst/>
+          <a:extLst>
+            <a:ext uri="{909E8E84-426E-40DD-AFC4-6F175D3DCCD1}">
+              <a14:hiddenFill xmlns:a14="http://schemas.microsoft.com/office/drawing/2010/main">
+                <a:solidFill>
+                  <a:schemeClr val="accent1"/>
+                </a:solidFill>
+              </a14:hiddenFill>
+            </a:ext>
+            <a:ext uri="{91240B29-F687-4F45-9708-019B960494DF}">
+              <a14:hiddenLine xmlns:a14="http://schemas.microsoft.com/office/drawing/2010/main" w="9525">
+                <a:solidFill>
+                  <a:schemeClr val="tx1"/>
+                </a:solidFill>
+                <a:miter lim="800000"/>
+                <a:headEnd/>
+                <a:tailEnd/>
+              </a14:hiddenLine>
+            </a:ext>
+            <a:ext uri="{AF507438-7753-43E0-B8FC-AC1667EBCBE1}">
+              <a14:hiddenEffects xmlns:a14="http://schemas.microsoft.com/office/drawing/2010/main">
+                <a:effectLst>
+                  <a:outerShdw dist="35921" dir="2700000" algn="ctr" rotWithShape="0">
+                    <a:schemeClr val="bg2"/>
+                  </a:outerShdw>
+                </a:effectLst>
+              </a14:hiddenEffects>
+            </a:ext>
+          </a:extLst>
+        </p:spPr>
+        <p:txBody>
+          <a:bodyPr vert="horz" wrap="square" lIns="91440" tIns="45720" rIns="91440" bIns="45720" numCol="1" anchor="ctr" anchorCtr="0" compatLnSpc="1">
+            <a:prstTxWarp prst="textNoShape">
+              <a:avLst/>
+            </a:prstTxWarp>
+            <a:spAutoFit/>
+          </a:bodyPr>
+          <a:lstStyle/>
+          <a:p>
+            <a:pPr marL="0" marR="0" lvl="0" indent="0" algn="l" defTabSz="914400" rtl="0" eaLnBrk="0" fontAlgn="base" latinLnBrk="0" hangingPunct="0">
+              <a:lnSpc>
+                <a:spcPct val="100000"/>
+              </a:lnSpc>
+              <a:spcBef>
+                <a:spcPct val="0"/>
+              </a:spcBef>
+              <a:spcAft>
+                <a:spcPct val="0"/>
+              </a:spcAft>
+              <a:buClrTx/>
+              <a:buSzTx/>
+              <a:tabLst/>
+            </a:pPr>
+            <a:r>
+              <a:rPr kumimoji="0" lang="en-US" altLang="en-US" sz="1800" b="0" i="0" u="none" strike="noStrike" cap="none" normalizeH="0" baseline="0" dirty="0" smtClean="0">
+                <a:ln>
+                  <a:noFill/>
+                </a:ln>
+                <a:solidFill>
+                  <a:schemeClr val="tx1"/>
+                </a:solidFill>
+                <a:effectLst/>
+                <a:latin typeface="Arial" panose="020B0604020202020204" pitchFamily="34" charset="0"/>
+              </a:rPr>
+              <a:t>class Employee{  </a:t>
+            </a:r>
+          </a:p>
+          <a:p>
+            <a:pPr marL="0" marR="0" lvl="0" indent="0" algn="l" defTabSz="914400" rtl="0" eaLnBrk="0" fontAlgn="base" latinLnBrk="0" hangingPunct="0">
+              <a:lnSpc>
+                <a:spcPct val="100000"/>
+              </a:lnSpc>
+              <a:spcBef>
+                <a:spcPct val="0"/>
+              </a:spcBef>
+              <a:spcAft>
+                <a:spcPct val="0"/>
+              </a:spcAft>
+              <a:buClrTx/>
+              <a:buSzTx/>
+              <a:tabLst/>
+            </a:pPr>
+            <a:r>
+              <a:rPr kumimoji="0" lang="en-US" altLang="en-US" sz="1800" b="0" i="0" u="none" strike="noStrike" cap="none" normalizeH="0" baseline="0" dirty="0" smtClean="0">
+                <a:ln>
+                  <a:noFill/>
+                </a:ln>
+                <a:solidFill>
+                  <a:schemeClr val="tx1"/>
+                </a:solidFill>
+                <a:effectLst/>
+                <a:latin typeface="Arial" panose="020B0604020202020204" pitchFamily="34" charset="0"/>
+              </a:rPr>
+              <a:t>    </a:t>
+            </a:r>
+            <a:r>
+              <a:rPr kumimoji="0" lang="en-US" altLang="en-US" sz="1800" b="0" i="0" u="none" strike="noStrike" cap="none" normalizeH="0" baseline="0" dirty="0" err="1" smtClean="0">
+                <a:ln>
+                  <a:noFill/>
+                </a:ln>
+                <a:solidFill>
+                  <a:schemeClr val="tx1"/>
+                </a:solidFill>
+                <a:effectLst/>
+                <a:latin typeface="Arial" panose="020B0604020202020204" pitchFamily="34" charset="0"/>
+              </a:rPr>
+              <a:t>int</a:t>
+            </a:r>
+            <a:r>
+              <a:rPr kumimoji="0" lang="en-US" altLang="en-US" sz="1800" b="0" i="0" u="none" strike="noStrike" cap="none" normalizeH="0" baseline="0" dirty="0" smtClean="0">
+                <a:ln>
+                  <a:noFill/>
+                </a:ln>
+                <a:solidFill>
+                  <a:schemeClr val="tx1"/>
+                </a:solidFill>
+                <a:effectLst/>
+                <a:latin typeface="Arial" panose="020B0604020202020204" pitchFamily="34" charset="0"/>
+              </a:rPr>
+              <a:t> id;  </a:t>
+            </a:r>
+          </a:p>
+          <a:p>
+            <a:pPr marL="0" marR="0" lvl="0" indent="0" algn="l" defTabSz="914400" rtl="0" eaLnBrk="0" fontAlgn="base" latinLnBrk="0" hangingPunct="0">
+              <a:lnSpc>
+                <a:spcPct val="100000"/>
+              </a:lnSpc>
+              <a:spcBef>
+                <a:spcPct val="0"/>
+              </a:spcBef>
+              <a:spcAft>
+                <a:spcPct val="0"/>
+              </a:spcAft>
+              <a:buClrTx/>
+              <a:buSzTx/>
+              <a:tabLst/>
+            </a:pPr>
+            <a:r>
+              <a:rPr kumimoji="0" lang="en-US" altLang="en-US" sz="1800" b="0" i="0" u="none" strike="noStrike" cap="none" normalizeH="0" baseline="0" dirty="0" smtClean="0">
+                <a:ln>
+                  <a:noFill/>
+                </a:ln>
+                <a:solidFill>
+                  <a:schemeClr val="tx1"/>
+                </a:solidFill>
+                <a:effectLst/>
+                <a:latin typeface="Arial" panose="020B0604020202020204" pitchFamily="34" charset="0"/>
+              </a:rPr>
+              <a:t>    String name;  </a:t>
+            </a:r>
+          </a:p>
+          <a:p>
+            <a:pPr marL="0" marR="0" lvl="0" indent="0" algn="l" defTabSz="914400" rtl="0" eaLnBrk="0" fontAlgn="base" latinLnBrk="0" hangingPunct="0">
+              <a:lnSpc>
+                <a:spcPct val="100000"/>
+              </a:lnSpc>
+              <a:spcBef>
+                <a:spcPct val="0"/>
+              </a:spcBef>
+              <a:spcAft>
+                <a:spcPct val="0"/>
+              </a:spcAft>
+              <a:buClrTx/>
+              <a:buSzTx/>
+              <a:tabLst/>
+            </a:pPr>
+            <a:r>
+              <a:rPr kumimoji="0" lang="en-US" altLang="en-US" sz="1800" b="0" i="0" u="none" strike="noStrike" cap="none" normalizeH="0" baseline="0" dirty="0" smtClean="0">
+                <a:ln>
+                  <a:noFill/>
+                </a:ln>
+                <a:solidFill>
+                  <a:schemeClr val="tx1"/>
+                </a:solidFill>
+                <a:effectLst/>
+                <a:latin typeface="Arial" panose="020B0604020202020204" pitchFamily="34" charset="0"/>
+              </a:rPr>
+              <a:t>    //constructor to initialize integer and string  </a:t>
+            </a:r>
+          </a:p>
+          <a:p>
+            <a:pPr marL="0" marR="0" lvl="0" indent="0" algn="l" defTabSz="914400" rtl="0" eaLnBrk="0" fontAlgn="base" latinLnBrk="0" hangingPunct="0">
+              <a:lnSpc>
+                <a:spcPct val="100000"/>
+              </a:lnSpc>
+              <a:spcBef>
+                <a:spcPct val="0"/>
+              </a:spcBef>
+              <a:spcAft>
+                <a:spcPct val="0"/>
+              </a:spcAft>
+              <a:buClrTx/>
+              <a:buSzTx/>
+              <a:tabLst/>
+            </a:pPr>
+            <a:r>
+              <a:rPr kumimoji="0" lang="en-US" altLang="en-US" sz="1800" b="0" i="0" u="none" strike="noStrike" cap="none" normalizeH="0" baseline="0" dirty="0" smtClean="0">
+                <a:ln>
+                  <a:noFill/>
+                </a:ln>
+                <a:solidFill>
+                  <a:schemeClr val="tx1"/>
+                </a:solidFill>
+                <a:effectLst/>
+                <a:latin typeface="Arial" panose="020B0604020202020204" pitchFamily="34" charset="0"/>
+              </a:rPr>
+              <a:t>    Employee(</a:t>
+            </a:r>
+            <a:r>
+              <a:rPr kumimoji="0" lang="en-US" altLang="en-US" sz="1800" b="0" i="0" u="none" strike="noStrike" cap="none" normalizeH="0" baseline="0" dirty="0" err="1" smtClean="0">
+                <a:ln>
+                  <a:noFill/>
+                </a:ln>
+                <a:solidFill>
+                  <a:schemeClr val="tx1"/>
+                </a:solidFill>
+                <a:effectLst/>
+                <a:latin typeface="Arial" panose="020B0604020202020204" pitchFamily="34" charset="0"/>
+              </a:rPr>
+              <a:t>int</a:t>
+            </a:r>
+            <a:r>
+              <a:rPr kumimoji="0" lang="en-US" altLang="en-US" sz="1800" b="0" i="0" u="none" strike="noStrike" cap="none" normalizeH="0" baseline="0" dirty="0" smtClean="0">
+                <a:ln>
+                  <a:noFill/>
+                </a:ln>
+                <a:solidFill>
+                  <a:schemeClr val="tx1"/>
+                </a:solidFill>
+                <a:effectLst/>
+                <a:latin typeface="Arial" panose="020B0604020202020204" pitchFamily="34" charset="0"/>
+              </a:rPr>
+              <a:t> </a:t>
+            </a:r>
+            <a:r>
+              <a:rPr kumimoji="0" lang="en-US" altLang="en-US" sz="1800" b="0" i="0" u="none" strike="noStrike" cap="none" normalizeH="0" baseline="0" dirty="0" err="1" smtClean="0">
+                <a:ln>
+                  <a:noFill/>
+                </a:ln>
+                <a:solidFill>
+                  <a:schemeClr val="tx1"/>
+                </a:solidFill>
+                <a:effectLst/>
+                <a:latin typeface="Arial" panose="020B0604020202020204" pitchFamily="34" charset="0"/>
+              </a:rPr>
+              <a:t>i,String</a:t>
+            </a:r>
+            <a:r>
+              <a:rPr kumimoji="0" lang="en-US" altLang="en-US" sz="1800" b="0" i="0" u="none" strike="noStrike" cap="none" normalizeH="0" baseline="0" dirty="0" smtClean="0">
+                <a:ln>
+                  <a:noFill/>
+                </a:ln>
+                <a:solidFill>
+                  <a:schemeClr val="tx1"/>
+                </a:solidFill>
+                <a:effectLst/>
+                <a:latin typeface="Arial" panose="020B0604020202020204" pitchFamily="34" charset="0"/>
+              </a:rPr>
+              <a:t> n){  </a:t>
+            </a:r>
+          </a:p>
+          <a:p>
+            <a:pPr marL="0" marR="0" lvl="0" indent="0" algn="l" defTabSz="914400" rtl="0" eaLnBrk="0" fontAlgn="base" latinLnBrk="0" hangingPunct="0">
+              <a:lnSpc>
+                <a:spcPct val="100000"/>
+              </a:lnSpc>
+              <a:spcBef>
+                <a:spcPct val="0"/>
+              </a:spcBef>
+              <a:spcAft>
+                <a:spcPct val="0"/>
+              </a:spcAft>
+              <a:buClrTx/>
+              <a:buSzTx/>
+              <a:tabLst/>
+            </a:pPr>
+            <a:r>
+              <a:rPr kumimoji="0" lang="en-US" altLang="en-US" sz="1800" b="0" i="0" u="none" strike="noStrike" cap="none" normalizeH="0" baseline="0" dirty="0" smtClean="0">
+                <a:ln>
+                  <a:noFill/>
+                </a:ln>
+                <a:solidFill>
+                  <a:schemeClr val="tx1"/>
+                </a:solidFill>
+                <a:effectLst/>
+                <a:latin typeface="Arial" panose="020B0604020202020204" pitchFamily="34" charset="0"/>
+              </a:rPr>
+              <a:t>    id = </a:t>
+            </a:r>
+            <a:r>
+              <a:rPr kumimoji="0" lang="en-US" altLang="en-US" sz="1800" b="0" i="0" u="none" strike="noStrike" cap="none" normalizeH="0" baseline="0" dirty="0" err="1" smtClean="0">
+                <a:ln>
+                  <a:noFill/>
+                </a:ln>
+                <a:solidFill>
+                  <a:schemeClr val="tx1"/>
+                </a:solidFill>
+                <a:effectLst/>
+                <a:latin typeface="Arial" panose="020B0604020202020204" pitchFamily="34" charset="0"/>
+              </a:rPr>
+              <a:t>i</a:t>
+            </a:r>
+            <a:r>
+              <a:rPr kumimoji="0" lang="en-US" altLang="en-US" sz="1800" b="0" i="0" u="none" strike="noStrike" cap="none" normalizeH="0" baseline="0" dirty="0" smtClean="0">
+                <a:ln>
+                  <a:noFill/>
+                </a:ln>
+                <a:solidFill>
+                  <a:schemeClr val="tx1"/>
+                </a:solidFill>
+                <a:effectLst/>
+                <a:latin typeface="Arial" panose="020B0604020202020204" pitchFamily="34" charset="0"/>
+              </a:rPr>
+              <a:t>;  </a:t>
+            </a:r>
+          </a:p>
+          <a:p>
+            <a:pPr marL="0" marR="0" lvl="0" indent="0" algn="l" defTabSz="914400" rtl="0" eaLnBrk="0" fontAlgn="base" latinLnBrk="0" hangingPunct="0">
+              <a:lnSpc>
+                <a:spcPct val="100000"/>
+              </a:lnSpc>
+              <a:spcBef>
+                <a:spcPct val="0"/>
+              </a:spcBef>
+              <a:spcAft>
+                <a:spcPct val="0"/>
+              </a:spcAft>
+              <a:buClrTx/>
+              <a:buSzTx/>
+              <a:tabLst/>
+            </a:pPr>
+            <a:r>
+              <a:rPr kumimoji="0" lang="en-US" altLang="en-US" sz="1800" b="0" i="0" u="none" strike="noStrike" cap="none" normalizeH="0" baseline="0" dirty="0" smtClean="0">
+                <a:ln>
+                  <a:noFill/>
+                </a:ln>
+                <a:solidFill>
+                  <a:schemeClr val="tx1"/>
+                </a:solidFill>
+                <a:effectLst/>
+                <a:latin typeface="Arial" panose="020B0604020202020204" pitchFamily="34" charset="0"/>
+              </a:rPr>
+              <a:t>    name = n;  </a:t>
+            </a:r>
+          </a:p>
+          <a:p>
+            <a:pPr marL="0" marR="0" lvl="0" indent="0" algn="l" defTabSz="914400" rtl="0" eaLnBrk="0" fontAlgn="base" latinLnBrk="0" hangingPunct="0">
+              <a:lnSpc>
+                <a:spcPct val="100000"/>
+              </a:lnSpc>
+              <a:spcBef>
+                <a:spcPct val="0"/>
+              </a:spcBef>
+              <a:spcAft>
+                <a:spcPct val="0"/>
+              </a:spcAft>
+              <a:buClrTx/>
+              <a:buSzTx/>
+              <a:tabLst/>
+            </a:pPr>
+            <a:r>
+              <a:rPr kumimoji="0" lang="en-US" altLang="en-US" sz="1800" b="0" i="0" u="none" strike="noStrike" cap="none" normalizeH="0" baseline="0" dirty="0" smtClean="0">
+                <a:ln>
+                  <a:noFill/>
+                </a:ln>
+                <a:solidFill>
+                  <a:schemeClr val="tx1"/>
+                </a:solidFill>
+                <a:effectLst/>
+                <a:latin typeface="Arial" panose="020B0604020202020204" pitchFamily="34" charset="0"/>
+              </a:rPr>
+              <a:t>    }  </a:t>
+            </a:r>
+          </a:p>
+          <a:p>
+            <a:pPr marL="0" marR="0" lvl="0" indent="0" algn="l" defTabSz="914400" rtl="0" eaLnBrk="0" fontAlgn="base" latinLnBrk="0" hangingPunct="0">
+              <a:lnSpc>
+                <a:spcPct val="100000"/>
+              </a:lnSpc>
+              <a:spcBef>
+                <a:spcPct val="0"/>
+              </a:spcBef>
+              <a:spcAft>
+                <a:spcPct val="0"/>
+              </a:spcAft>
+              <a:buClrTx/>
+              <a:buSzTx/>
+              <a:tabLst/>
+            </a:pPr>
+            <a:r>
+              <a:rPr kumimoji="0" lang="en-US" altLang="en-US" sz="1800" b="0" i="0" u="none" strike="noStrike" cap="none" normalizeH="0" baseline="0" dirty="0" smtClean="0">
+                <a:ln>
+                  <a:noFill/>
+                </a:ln>
+                <a:solidFill>
+                  <a:schemeClr val="tx1"/>
+                </a:solidFill>
+                <a:effectLst/>
+                <a:latin typeface="Arial" panose="020B0604020202020204" pitchFamily="34" charset="0"/>
+              </a:rPr>
+              <a:t>    //constructor to initialize another object  </a:t>
+            </a:r>
+          </a:p>
+          <a:p>
+            <a:pPr marL="0" marR="0" lvl="0" indent="0" algn="l" defTabSz="914400" rtl="0" eaLnBrk="0" fontAlgn="base" latinLnBrk="0" hangingPunct="0">
+              <a:lnSpc>
+                <a:spcPct val="100000"/>
+              </a:lnSpc>
+              <a:spcBef>
+                <a:spcPct val="0"/>
+              </a:spcBef>
+              <a:spcAft>
+                <a:spcPct val="0"/>
+              </a:spcAft>
+              <a:buClrTx/>
+              <a:buSzTx/>
+              <a:tabLst/>
+            </a:pPr>
+            <a:r>
+              <a:rPr kumimoji="0" lang="en-US" altLang="en-US" sz="1800" b="0" i="0" u="none" strike="noStrike" cap="none" normalizeH="0" baseline="0" dirty="0" smtClean="0">
+                <a:ln>
+                  <a:noFill/>
+                </a:ln>
+                <a:solidFill>
+                  <a:schemeClr val="tx1"/>
+                </a:solidFill>
+                <a:effectLst/>
+                <a:latin typeface="Arial" panose="020B0604020202020204" pitchFamily="34" charset="0"/>
+              </a:rPr>
+              <a:t>    Employee(Employee e){  </a:t>
+            </a:r>
+          </a:p>
+          <a:p>
+            <a:pPr marL="0" marR="0" lvl="0" indent="0" algn="l" defTabSz="914400" rtl="0" eaLnBrk="0" fontAlgn="base" latinLnBrk="0" hangingPunct="0">
+              <a:lnSpc>
+                <a:spcPct val="100000"/>
+              </a:lnSpc>
+              <a:spcBef>
+                <a:spcPct val="0"/>
+              </a:spcBef>
+              <a:spcAft>
+                <a:spcPct val="0"/>
+              </a:spcAft>
+              <a:buClrTx/>
+              <a:buSzTx/>
+              <a:tabLst/>
+            </a:pPr>
+            <a:r>
+              <a:rPr kumimoji="0" lang="en-US" altLang="en-US" sz="1800" b="0" i="0" u="none" strike="noStrike" cap="none" normalizeH="0" baseline="0" dirty="0" smtClean="0">
+                <a:ln>
+                  <a:noFill/>
+                </a:ln>
+                <a:solidFill>
+                  <a:schemeClr val="tx1"/>
+                </a:solidFill>
+                <a:effectLst/>
+                <a:latin typeface="Arial" panose="020B0604020202020204" pitchFamily="34" charset="0"/>
+              </a:rPr>
+              <a:t>    id = e.id;  </a:t>
+            </a:r>
+          </a:p>
+          <a:p>
+            <a:pPr marL="0" marR="0" lvl="0" indent="0" algn="l" defTabSz="914400" rtl="0" eaLnBrk="0" fontAlgn="base" latinLnBrk="0" hangingPunct="0">
+              <a:lnSpc>
+                <a:spcPct val="100000"/>
+              </a:lnSpc>
+              <a:spcBef>
+                <a:spcPct val="0"/>
+              </a:spcBef>
+              <a:spcAft>
+                <a:spcPct val="0"/>
+              </a:spcAft>
+              <a:buClrTx/>
+              <a:buSzTx/>
+              <a:tabLst/>
+            </a:pPr>
+            <a:r>
+              <a:rPr kumimoji="0" lang="en-US" altLang="en-US" sz="1800" b="0" i="0" u="none" strike="noStrike" cap="none" normalizeH="0" baseline="0" dirty="0" smtClean="0">
+                <a:ln>
+                  <a:noFill/>
+                </a:ln>
+                <a:solidFill>
+                  <a:schemeClr val="tx1"/>
+                </a:solidFill>
+                <a:effectLst/>
+                <a:latin typeface="Arial" panose="020B0604020202020204" pitchFamily="34" charset="0"/>
+              </a:rPr>
+              <a:t>    name =e.name;  </a:t>
+            </a:r>
+          </a:p>
+          <a:p>
+            <a:pPr marL="0" marR="0" lvl="0" indent="0" algn="l" defTabSz="914400" rtl="0" eaLnBrk="0" fontAlgn="base" latinLnBrk="0" hangingPunct="0">
+              <a:lnSpc>
+                <a:spcPct val="100000"/>
+              </a:lnSpc>
+              <a:spcBef>
+                <a:spcPct val="0"/>
+              </a:spcBef>
+              <a:spcAft>
+                <a:spcPct val="0"/>
+              </a:spcAft>
+              <a:buClrTx/>
+              <a:buSzTx/>
+              <a:tabLst/>
+            </a:pPr>
+            <a:r>
+              <a:rPr kumimoji="0" lang="en-US" altLang="en-US" sz="1800" b="0" i="0" u="none" strike="noStrike" cap="none" normalizeH="0" baseline="0" dirty="0" smtClean="0">
+                <a:ln>
+                  <a:noFill/>
+                </a:ln>
+                <a:solidFill>
+                  <a:schemeClr val="tx1"/>
+                </a:solidFill>
+                <a:effectLst/>
+                <a:latin typeface="Arial" panose="020B0604020202020204" pitchFamily="34" charset="0"/>
+              </a:rPr>
+              <a:t>    }  </a:t>
+            </a:r>
+          </a:p>
+          <a:p>
+            <a:pPr marL="0" marR="0" lvl="0" indent="0" algn="l" defTabSz="914400" rtl="0" eaLnBrk="0" fontAlgn="base" latinLnBrk="0" hangingPunct="0">
+              <a:lnSpc>
+                <a:spcPct val="100000"/>
+              </a:lnSpc>
+              <a:spcBef>
+                <a:spcPct val="0"/>
+              </a:spcBef>
+              <a:spcAft>
+                <a:spcPct val="0"/>
+              </a:spcAft>
+              <a:buClrTx/>
+              <a:buSzTx/>
+              <a:tabLst/>
+            </a:pPr>
+            <a:r>
+              <a:rPr kumimoji="0" lang="en-US" altLang="en-US" sz="1800" b="0" i="0" u="none" strike="noStrike" cap="none" normalizeH="0" baseline="0" dirty="0" smtClean="0">
+                <a:ln>
+                  <a:noFill/>
+                </a:ln>
+                <a:solidFill>
+                  <a:schemeClr val="tx1"/>
+                </a:solidFill>
+                <a:effectLst/>
+                <a:latin typeface="Arial" panose="020B0604020202020204" pitchFamily="34" charset="0"/>
+              </a:rPr>
+              <a:t>    void display(){</a:t>
+            </a:r>
+            <a:r>
+              <a:rPr kumimoji="0" lang="en-US" altLang="en-US" sz="1800" b="0" i="0" u="none" strike="noStrike" cap="none" normalizeH="0" baseline="0" dirty="0" err="1" smtClean="0">
+                <a:ln>
+                  <a:noFill/>
+                </a:ln>
+                <a:solidFill>
+                  <a:schemeClr val="tx1"/>
+                </a:solidFill>
+                <a:effectLst/>
+                <a:latin typeface="Arial" panose="020B0604020202020204" pitchFamily="34" charset="0"/>
+              </a:rPr>
+              <a:t>System.out.println</a:t>
+            </a:r>
+            <a:r>
+              <a:rPr kumimoji="0" lang="en-US" altLang="en-US" sz="1800" b="0" i="0" u="none" strike="noStrike" cap="none" normalizeH="0" baseline="0" dirty="0" smtClean="0">
+                <a:ln>
+                  <a:noFill/>
+                </a:ln>
+                <a:solidFill>
+                  <a:schemeClr val="tx1"/>
+                </a:solidFill>
+                <a:effectLst/>
+                <a:latin typeface="Arial" panose="020B0604020202020204" pitchFamily="34" charset="0"/>
+              </a:rPr>
+              <a:t>(id+" "+name);}  </a:t>
+            </a:r>
+          </a:p>
+          <a:p>
+            <a:pPr marL="0" marR="0" lvl="0" indent="0" algn="l" defTabSz="914400" rtl="0" eaLnBrk="0" fontAlgn="base" latinLnBrk="0" hangingPunct="0">
+              <a:lnSpc>
+                <a:spcPct val="100000"/>
+              </a:lnSpc>
+              <a:spcBef>
+                <a:spcPct val="0"/>
+              </a:spcBef>
+              <a:spcAft>
+                <a:spcPct val="0"/>
+              </a:spcAft>
+              <a:buClrTx/>
+              <a:buSzTx/>
+              <a:tabLst/>
+            </a:pPr>
+            <a:r>
+              <a:rPr kumimoji="0" lang="en-US" altLang="en-US" sz="1800" b="0" i="0" u="none" strike="noStrike" cap="none" normalizeH="0" baseline="0" dirty="0" smtClean="0">
+                <a:ln>
+                  <a:noFill/>
+                </a:ln>
+                <a:solidFill>
+                  <a:schemeClr val="tx1"/>
+                </a:solidFill>
+                <a:effectLst/>
+                <a:latin typeface="Arial" panose="020B0604020202020204" pitchFamily="34" charset="0"/>
+              </a:rPr>
+              <a:t>    public static void main(String </a:t>
+            </a:r>
+            <a:r>
+              <a:rPr kumimoji="0" lang="en-US" altLang="en-US" sz="1800" b="0" i="0" u="none" strike="noStrike" cap="none" normalizeH="0" baseline="0" dirty="0" err="1" smtClean="0">
+                <a:ln>
+                  <a:noFill/>
+                </a:ln>
+                <a:solidFill>
+                  <a:schemeClr val="tx1"/>
+                </a:solidFill>
+                <a:effectLst/>
+                <a:latin typeface="Arial" panose="020B0604020202020204" pitchFamily="34" charset="0"/>
+              </a:rPr>
+              <a:t>args</a:t>
+            </a:r>
+            <a:r>
+              <a:rPr kumimoji="0" lang="en-US" altLang="en-US" sz="1800" b="0" i="0" u="none" strike="noStrike" cap="none" normalizeH="0" baseline="0" dirty="0" smtClean="0">
+                <a:ln>
+                  <a:noFill/>
+                </a:ln>
+                <a:solidFill>
+                  <a:schemeClr val="tx1"/>
+                </a:solidFill>
+                <a:effectLst/>
+                <a:latin typeface="Arial" panose="020B0604020202020204" pitchFamily="34" charset="0"/>
+              </a:rPr>
+              <a:t>[]){  </a:t>
+            </a:r>
+          </a:p>
+          <a:p>
+            <a:pPr lvl="0" eaLnBrk="0" fontAlgn="base" hangingPunct="0">
+              <a:spcBef>
+                <a:spcPct val="0"/>
+              </a:spcBef>
+              <a:spcAft>
+                <a:spcPct val="0"/>
+              </a:spcAft>
+            </a:pPr>
+            <a:r>
+              <a:rPr kumimoji="0" lang="en-US" altLang="en-US" sz="1800" b="0" i="0" u="none" strike="noStrike" cap="none" normalizeH="0" baseline="0" dirty="0" smtClean="0">
+                <a:ln>
+                  <a:noFill/>
+                </a:ln>
+                <a:solidFill>
+                  <a:schemeClr val="tx1"/>
+                </a:solidFill>
+                <a:effectLst/>
+                <a:latin typeface="Arial" panose="020B0604020202020204" pitchFamily="34" charset="0"/>
+              </a:rPr>
+              <a:t>    Employee e1 = new </a:t>
+            </a:r>
+            <a:r>
+              <a:rPr lang="en-US" altLang="en-US" dirty="0">
+                <a:latin typeface="Arial" panose="020B0604020202020204" pitchFamily="34" charset="0"/>
+              </a:rPr>
+              <a:t> Employee</a:t>
+            </a:r>
+            <a:r>
+              <a:rPr kumimoji="0" lang="en-US" altLang="en-US" sz="1800" b="0" i="0" u="none" strike="noStrike" cap="none" normalizeH="0" baseline="0" dirty="0" smtClean="0">
+                <a:ln>
+                  <a:noFill/>
+                </a:ln>
+                <a:solidFill>
+                  <a:schemeClr val="tx1"/>
+                </a:solidFill>
+                <a:effectLst/>
+                <a:latin typeface="Arial" panose="020B0604020202020204" pitchFamily="34" charset="0"/>
+              </a:rPr>
+              <a:t>(111,"Karan");  </a:t>
+            </a:r>
+          </a:p>
+          <a:p>
+            <a:pPr lvl="0" eaLnBrk="0" fontAlgn="base" hangingPunct="0">
+              <a:spcBef>
+                <a:spcPct val="0"/>
+              </a:spcBef>
+              <a:spcAft>
+                <a:spcPct val="0"/>
+              </a:spcAft>
+            </a:pPr>
+            <a:r>
+              <a:rPr kumimoji="0" lang="en-US" altLang="en-US" sz="1800" b="0" i="0" u="none" strike="noStrike" cap="none" normalizeH="0" baseline="0" dirty="0" smtClean="0">
+                <a:ln>
+                  <a:noFill/>
+                </a:ln>
+                <a:solidFill>
+                  <a:schemeClr val="tx1"/>
+                </a:solidFill>
+                <a:effectLst/>
+                <a:latin typeface="Arial" panose="020B0604020202020204" pitchFamily="34" charset="0"/>
+              </a:rPr>
+              <a:t>    </a:t>
+            </a:r>
+            <a:r>
+              <a:rPr lang="en-US" altLang="en-US" dirty="0">
+                <a:latin typeface="Arial" panose="020B0604020202020204" pitchFamily="34" charset="0"/>
+              </a:rPr>
+              <a:t> Employee </a:t>
+            </a:r>
+            <a:r>
+              <a:rPr kumimoji="0" lang="en-US" altLang="en-US" sz="1800" b="0" i="0" u="none" strike="noStrike" cap="none" normalizeH="0" baseline="0" dirty="0" smtClean="0">
+                <a:ln>
+                  <a:noFill/>
+                </a:ln>
+                <a:solidFill>
+                  <a:schemeClr val="tx1"/>
+                </a:solidFill>
+                <a:effectLst/>
+                <a:latin typeface="Arial" panose="020B0604020202020204" pitchFamily="34" charset="0"/>
+              </a:rPr>
+              <a:t> e2 = new </a:t>
+            </a:r>
+            <a:r>
+              <a:rPr lang="en-US" altLang="en-US">
+                <a:latin typeface="Arial" panose="020B0604020202020204" pitchFamily="34" charset="0"/>
+              </a:rPr>
+              <a:t> </a:t>
+            </a:r>
+            <a:r>
+              <a:rPr lang="en-US" altLang="en-US" smtClean="0">
+                <a:latin typeface="Arial" panose="020B0604020202020204" pitchFamily="34" charset="0"/>
+              </a:rPr>
+              <a:t>Employee</a:t>
+            </a:r>
+            <a:r>
+              <a:rPr kumimoji="0" lang="en-US" altLang="en-US" sz="1800" b="0" i="0" u="none" strike="noStrike" cap="none" normalizeH="0" baseline="0" smtClean="0">
+                <a:ln>
+                  <a:noFill/>
+                </a:ln>
+                <a:solidFill>
+                  <a:schemeClr val="tx1"/>
+                </a:solidFill>
+                <a:effectLst/>
+                <a:latin typeface="Arial" panose="020B0604020202020204" pitchFamily="34" charset="0"/>
+              </a:rPr>
+              <a:t>(e1</a:t>
+            </a:r>
+            <a:r>
+              <a:rPr kumimoji="0" lang="en-US" altLang="en-US" sz="1800" b="0" i="0" u="none" strike="noStrike" cap="none" normalizeH="0" baseline="0" dirty="0" smtClean="0">
+                <a:ln>
+                  <a:noFill/>
+                </a:ln>
+                <a:solidFill>
+                  <a:schemeClr val="tx1"/>
+                </a:solidFill>
+                <a:effectLst/>
+                <a:latin typeface="Arial" panose="020B0604020202020204" pitchFamily="34" charset="0"/>
+              </a:rPr>
+              <a:t>);  </a:t>
+            </a:r>
+          </a:p>
+          <a:p>
+            <a:pPr marL="0" marR="0" lvl="0" indent="0" algn="l" defTabSz="914400" rtl="0" eaLnBrk="0" fontAlgn="base" latinLnBrk="0" hangingPunct="0">
+              <a:lnSpc>
+                <a:spcPct val="100000"/>
+              </a:lnSpc>
+              <a:spcBef>
+                <a:spcPct val="0"/>
+              </a:spcBef>
+              <a:spcAft>
+                <a:spcPct val="0"/>
+              </a:spcAft>
+              <a:buClrTx/>
+              <a:buSzTx/>
+              <a:tabLst/>
+            </a:pPr>
+            <a:r>
+              <a:rPr kumimoji="0" lang="en-US" altLang="en-US" sz="1800" b="0" i="0" u="none" strike="noStrike" cap="none" normalizeH="0" baseline="0" dirty="0" smtClean="0">
+                <a:ln>
+                  <a:noFill/>
+                </a:ln>
+                <a:solidFill>
+                  <a:schemeClr val="tx1"/>
+                </a:solidFill>
+                <a:effectLst/>
+                <a:latin typeface="Arial" panose="020B0604020202020204" pitchFamily="34" charset="0"/>
+              </a:rPr>
+              <a:t>    e1.display();  </a:t>
+            </a:r>
+          </a:p>
+          <a:p>
+            <a:pPr marL="0" marR="0" lvl="0" indent="0" algn="l" defTabSz="914400" rtl="0" eaLnBrk="0" fontAlgn="base" latinLnBrk="0" hangingPunct="0">
+              <a:lnSpc>
+                <a:spcPct val="100000"/>
+              </a:lnSpc>
+              <a:spcBef>
+                <a:spcPct val="0"/>
+              </a:spcBef>
+              <a:spcAft>
+                <a:spcPct val="0"/>
+              </a:spcAft>
+              <a:buClrTx/>
+              <a:buSzTx/>
+              <a:tabLst/>
+            </a:pPr>
+            <a:r>
+              <a:rPr kumimoji="0" lang="en-US" altLang="en-US" sz="1800" b="0" i="0" u="none" strike="noStrike" cap="none" normalizeH="0" baseline="0" dirty="0" smtClean="0">
+                <a:ln>
+                  <a:noFill/>
+                </a:ln>
+                <a:solidFill>
+                  <a:schemeClr val="tx1"/>
+                </a:solidFill>
+                <a:effectLst/>
+                <a:latin typeface="Arial" panose="020B0604020202020204" pitchFamily="34" charset="0"/>
+              </a:rPr>
+              <a:t>    e2.display();  }}   </a:t>
+            </a:r>
+          </a:p>
+        </p:txBody>
+      </p:sp>
+    </p:spTree>
+    <p:extLst>
+      <p:ext uri="{BB962C8B-B14F-4D97-AF65-F5344CB8AC3E}">
+        <p14:creationId xmlns:p14="http://schemas.microsoft.com/office/powerpoint/2010/main" val="1720837565"/>
+      </p:ext>
+    </p:extLst>
+  </p:cSld>
+  <p:clrMapOvr>
+    <a:masterClrMapping/>
+  </p:clrMapOvr>
+  <p:timing>
+    <p:tnLst>
+      <p:par>
+        <p:cTn id="1" dur="indefinite" restart="never" nodeType="tmRoot"/>
+      </p:par>
+    </p:tnLst>
+  </p:timing>
+</p:sld>
+</file>
+
+<file path=ppt/slides/slide29.xml><?xml version="1.0" encoding="utf-8"?>
+<p:sld xmlns:a="http://schemas.openxmlformats.org/drawingml/2006/main" xmlns:r="http://schemas.openxmlformats.org/officeDocument/2006/relationships" xmlns:p="http://schemas.openxmlformats.org/presentationml/2006/main">
+  <p:cSld>
+    <p:spTree>
+      <p:nvGrpSpPr>
+        <p:cNvPr id="1" name=""/>
+        <p:cNvGrpSpPr/>
+        <p:nvPr/>
+      </p:nvGrpSpPr>
+      <p:grpSpPr>
+        <a:xfrm>
+          <a:off x="0" y="0"/>
+          <a:ext cx="0" cy="0"/>
+          <a:chOff x="0" y="0"/>
+          <a:chExt cx="0" cy="0"/>
+        </a:xfrm>
+      </p:grpSpPr>
+      <p:sp>
+        <p:nvSpPr>
+          <p:cNvPr id="2" name="Title 1"/>
+          <p:cNvSpPr>
+            <a:spLocks noGrp="1"/>
+          </p:cNvSpPr>
+          <p:nvPr>
+            <p:ph type="title"/>
+          </p:nvPr>
+        </p:nvSpPr>
+        <p:spPr/>
+        <p:txBody>
+          <a:bodyPr/>
+          <a:lstStyle/>
+          <a:p>
+            <a:r>
+              <a:rPr lang="en-US" b="1" dirty="0"/>
+              <a:t>Copying values without constructor</a:t>
+            </a:r>
+            <a:br>
+              <a:rPr lang="en-US" b="1" dirty="0"/>
+            </a:br>
+            <a:endParaRPr lang="en-US" dirty="0"/>
+          </a:p>
+        </p:txBody>
+      </p:sp>
+      <p:sp>
+        <p:nvSpPr>
+          <p:cNvPr id="3" name="Content Placeholder 2"/>
+          <p:cNvSpPr>
+            <a:spLocks noGrp="1"/>
+          </p:cNvSpPr>
+          <p:nvPr>
+            <p:ph idx="1"/>
+          </p:nvPr>
+        </p:nvSpPr>
+        <p:spPr>
+          <a:xfrm>
+            <a:off x="571500" y="1066800"/>
+            <a:ext cx="11036300" cy="5626100"/>
+          </a:xfrm>
+        </p:spPr>
+        <p:txBody>
+          <a:bodyPr>
+            <a:normAutofit fontScale="62500" lnSpcReduction="20000"/>
+          </a:bodyPr>
+          <a:lstStyle/>
+          <a:p>
+            <a:pPr marL="0" indent="0">
+              <a:buNone/>
+            </a:pPr>
+            <a:r>
+              <a:rPr lang="en-US" dirty="0"/>
+              <a:t>class </a:t>
+            </a:r>
+            <a:r>
+              <a:rPr lang="en-US" dirty="0" smtClean="0"/>
+              <a:t>Employee{</a:t>
+            </a:r>
+            <a:r>
+              <a:rPr lang="en-US" dirty="0"/>
+              <a:t>  </a:t>
+            </a:r>
+          </a:p>
+          <a:p>
+            <a:pPr marL="0" indent="0">
+              <a:buNone/>
+            </a:pPr>
+            <a:r>
+              <a:rPr lang="en-US" dirty="0"/>
+              <a:t>    </a:t>
+            </a:r>
+            <a:r>
+              <a:rPr lang="en-US" dirty="0" err="1"/>
+              <a:t>int</a:t>
+            </a:r>
+            <a:r>
+              <a:rPr lang="en-US" dirty="0"/>
+              <a:t> id;  </a:t>
+            </a:r>
+          </a:p>
+          <a:p>
+            <a:pPr marL="0" indent="0">
+              <a:buNone/>
+            </a:pPr>
+            <a:r>
+              <a:rPr lang="en-US" dirty="0"/>
+              <a:t>    String name;  </a:t>
+            </a:r>
+          </a:p>
+          <a:p>
+            <a:pPr marL="0" indent="0">
+              <a:buNone/>
+            </a:pPr>
+            <a:r>
+              <a:rPr lang="en-US" dirty="0"/>
+              <a:t>    </a:t>
+            </a:r>
+            <a:r>
+              <a:rPr lang="en-US" dirty="0" smtClean="0"/>
+              <a:t>Employee(</a:t>
+            </a:r>
+            <a:r>
+              <a:rPr lang="en-US" dirty="0" err="1" smtClean="0"/>
+              <a:t>int</a:t>
+            </a:r>
+            <a:r>
+              <a:rPr lang="en-US" dirty="0"/>
+              <a:t> </a:t>
+            </a:r>
+            <a:r>
+              <a:rPr lang="en-US" dirty="0" err="1"/>
+              <a:t>i,String</a:t>
+            </a:r>
+            <a:r>
+              <a:rPr lang="en-US" dirty="0"/>
+              <a:t> n){  </a:t>
+            </a:r>
+          </a:p>
+          <a:p>
+            <a:pPr marL="0" indent="0">
+              <a:buNone/>
+            </a:pPr>
+            <a:r>
+              <a:rPr lang="en-US" dirty="0"/>
+              <a:t>    id = </a:t>
+            </a:r>
+            <a:r>
+              <a:rPr lang="en-US" dirty="0" err="1"/>
+              <a:t>i</a:t>
+            </a:r>
+            <a:r>
+              <a:rPr lang="en-US" dirty="0"/>
+              <a:t>;  </a:t>
+            </a:r>
+          </a:p>
+          <a:p>
+            <a:pPr marL="0" indent="0">
+              <a:buNone/>
+            </a:pPr>
+            <a:r>
+              <a:rPr lang="en-US" dirty="0"/>
+              <a:t>    name = n;  </a:t>
+            </a:r>
+            <a:r>
+              <a:rPr lang="en-US" dirty="0" smtClean="0"/>
+              <a:t>}</a:t>
+            </a:r>
+            <a:r>
+              <a:rPr lang="en-US" dirty="0"/>
+              <a:t>  </a:t>
+            </a:r>
+          </a:p>
+          <a:p>
+            <a:pPr marL="0" indent="0">
+              <a:buNone/>
+            </a:pPr>
+            <a:r>
+              <a:rPr lang="en-US" dirty="0"/>
+              <a:t>    </a:t>
+            </a:r>
+            <a:r>
+              <a:rPr lang="en-US" dirty="0" smtClean="0"/>
+              <a:t>Employee(){}</a:t>
+            </a:r>
+            <a:r>
+              <a:rPr lang="en-US" dirty="0"/>
+              <a:t>  </a:t>
+            </a:r>
+          </a:p>
+          <a:p>
+            <a:pPr marL="0" indent="0">
+              <a:buNone/>
+            </a:pPr>
+            <a:r>
+              <a:rPr lang="en-US" dirty="0"/>
+              <a:t>    void display(){</a:t>
+            </a:r>
+            <a:r>
+              <a:rPr lang="en-US" dirty="0" err="1"/>
+              <a:t>System.out.println</a:t>
+            </a:r>
+            <a:r>
+              <a:rPr lang="en-US" dirty="0"/>
+              <a:t>(id+" "+name);}  </a:t>
+            </a:r>
+          </a:p>
+          <a:p>
+            <a:pPr marL="0" indent="0">
+              <a:buNone/>
+            </a:pPr>
+            <a:r>
+              <a:rPr lang="en-US" dirty="0"/>
+              <a:t>   </a:t>
+            </a:r>
+          </a:p>
+          <a:p>
+            <a:pPr marL="0" indent="0">
+              <a:buNone/>
+            </a:pPr>
+            <a:r>
+              <a:rPr lang="en-US" dirty="0"/>
+              <a:t>    public static void main(String </a:t>
+            </a:r>
+            <a:r>
+              <a:rPr lang="en-US" dirty="0" err="1"/>
+              <a:t>args</a:t>
+            </a:r>
+            <a:r>
+              <a:rPr lang="en-US" dirty="0"/>
+              <a:t>[]){  </a:t>
+            </a:r>
+          </a:p>
+          <a:p>
+            <a:pPr marL="0" indent="0">
+              <a:buNone/>
+            </a:pPr>
+            <a:r>
+              <a:rPr lang="en-US" dirty="0"/>
+              <a:t>    </a:t>
+            </a:r>
+            <a:r>
+              <a:rPr lang="en-US" dirty="0" smtClean="0"/>
+              <a:t>Employee</a:t>
+            </a:r>
+            <a:r>
+              <a:rPr lang="en-US" dirty="0"/>
+              <a:t> </a:t>
+            </a:r>
+            <a:r>
+              <a:rPr lang="en-US" dirty="0" smtClean="0"/>
+              <a:t>e1</a:t>
+            </a:r>
+            <a:r>
+              <a:rPr lang="en-US" dirty="0"/>
+              <a:t> = new </a:t>
+            </a:r>
+            <a:r>
+              <a:rPr lang="en-US" dirty="0" smtClean="0"/>
+              <a:t>Employee(1,“Ram");</a:t>
+            </a:r>
+            <a:r>
+              <a:rPr lang="en-US" dirty="0"/>
+              <a:t>  </a:t>
+            </a:r>
+          </a:p>
+          <a:p>
+            <a:pPr marL="0" indent="0">
+              <a:buNone/>
+            </a:pPr>
+            <a:r>
+              <a:rPr lang="en-US" dirty="0"/>
+              <a:t>    </a:t>
+            </a:r>
+            <a:r>
+              <a:rPr lang="en-US" dirty="0" smtClean="0"/>
+              <a:t>Employee</a:t>
+            </a:r>
+            <a:r>
+              <a:rPr lang="en-US" dirty="0"/>
+              <a:t> </a:t>
+            </a:r>
+            <a:r>
+              <a:rPr lang="en-US" dirty="0" smtClean="0"/>
+              <a:t>e2</a:t>
+            </a:r>
+            <a:r>
+              <a:rPr lang="en-US" dirty="0"/>
+              <a:t> = new </a:t>
+            </a:r>
+            <a:r>
+              <a:rPr lang="en-US" dirty="0" smtClean="0"/>
+              <a:t>Employee();</a:t>
+            </a:r>
+            <a:r>
+              <a:rPr lang="en-US" dirty="0"/>
+              <a:t>  </a:t>
+            </a:r>
+          </a:p>
+          <a:p>
+            <a:pPr marL="0" indent="0">
+              <a:buNone/>
+            </a:pPr>
+            <a:r>
+              <a:rPr lang="en-US" dirty="0"/>
+              <a:t>    e</a:t>
+            </a:r>
+            <a:r>
+              <a:rPr lang="en-US" dirty="0" smtClean="0"/>
+              <a:t>2.id=e1.id</a:t>
+            </a:r>
+            <a:r>
+              <a:rPr lang="en-US" dirty="0"/>
+              <a:t>;  </a:t>
+            </a:r>
+          </a:p>
+          <a:p>
+            <a:pPr marL="0" indent="0">
+              <a:buNone/>
+            </a:pPr>
+            <a:r>
+              <a:rPr lang="en-US" dirty="0"/>
+              <a:t>    </a:t>
+            </a:r>
+            <a:r>
+              <a:rPr lang="en-US" dirty="0" smtClean="0"/>
+              <a:t>e2.name=e1.name</a:t>
+            </a:r>
+            <a:r>
+              <a:rPr lang="en-US" dirty="0"/>
+              <a:t>;  </a:t>
+            </a:r>
+          </a:p>
+          <a:p>
+            <a:pPr marL="0" indent="0">
+              <a:buNone/>
+            </a:pPr>
+            <a:r>
+              <a:rPr lang="en-US" dirty="0"/>
+              <a:t>    </a:t>
+            </a:r>
+            <a:r>
+              <a:rPr lang="en-US" dirty="0" smtClean="0"/>
+              <a:t>e1.display</a:t>
+            </a:r>
+            <a:r>
+              <a:rPr lang="en-US" dirty="0"/>
+              <a:t>();  </a:t>
+            </a:r>
+          </a:p>
+          <a:p>
+            <a:pPr marL="0" indent="0">
+              <a:buNone/>
+            </a:pPr>
+            <a:r>
+              <a:rPr lang="en-US" dirty="0"/>
+              <a:t>    </a:t>
+            </a:r>
+            <a:r>
+              <a:rPr lang="en-US" dirty="0" smtClean="0"/>
+              <a:t>e2.display</a:t>
+            </a:r>
+            <a:r>
+              <a:rPr lang="en-US" dirty="0"/>
+              <a:t>();  </a:t>
+            </a:r>
+            <a:endParaRPr lang="en-US" dirty="0" smtClean="0"/>
+          </a:p>
+          <a:p>
+            <a:pPr marL="0" indent="0">
+              <a:buNone/>
+            </a:pPr>
+            <a:r>
+              <a:rPr lang="en-US" dirty="0" smtClean="0"/>
+              <a:t>}</a:t>
+            </a:r>
+            <a:r>
+              <a:rPr lang="en-US" dirty="0"/>
+              <a:t> </a:t>
+            </a:r>
+            <a:r>
+              <a:rPr lang="en-US" dirty="0" smtClean="0"/>
+              <a:t>}</a:t>
+            </a:r>
+            <a:r>
+              <a:rPr lang="en-US" dirty="0"/>
+              <a:t>  </a:t>
+            </a:r>
+          </a:p>
+          <a:p>
+            <a:pPr marL="0" indent="0">
+              <a:buNone/>
+            </a:pPr>
+            <a:endParaRPr lang="en-US" dirty="0"/>
+          </a:p>
+        </p:txBody>
+      </p:sp>
+    </p:spTree>
+    <p:extLst>
+      <p:ext uri="{BB962C8B-B14F-4D97-AF65-F5344CB8AC3E}">
+        <p14:creationId xmlns:p14="http://schemas.microsoft.com/office/powerpoint/2010/main" val="543770587"/>
       </p:ext>
     </p:extLst>
   </p:cSld>
@@ -3555,6 +9277,118 @@
     <p:extLst>
       <p:ext uri="{BB962C8B-B14F-4D97-AF65-F5344CB8AC3E}">
         <p14:creationId xmlns:p14="http://schemas.microsoft.com/office/powerpoint/2010/main" val="2885358620"/>
+      </p:ext>
+    </p:extLst>
+  </p:cSld>
+  <p:clrMapOvr>
+    <a:masterClrMapping/>
+  </p:clrMapOvr>
+  <p:timing>
+    <p:tnLst>
+      <p:par>
+        <p:cTn id="1" dur="indefinite" restart="never" nodeType="tmRoot"/>
+      </p:par>
+    </p:tnLst>
+  </p:timing>
+</p:sld>
+</file>
+
+<file path=ppt/slides/slide30.xml><?xml version="1.0" encoding="utf-8"?>
+<p:sld xmlns:a="http://schemas.openxmlformats.org/drawingml/2006/main" xmlns:r="http://schemas.openxmlformats.org/officeDocument/2006/relationships" xmlns:p="http://schemas.openxmlformats.org/presentationml/2006/main">
+  <p:cSld>
+    <p:spTree>
+      <p:nvGrpSpPr>
+        <p:cNvPr id="1" name=""/>
+        <p:cNvGrpSpPr/>
+        <p:nvPr/>
+      </p:nvGrpSpPr>
+      <p:grpSpPr>
+        <a:xfrm>
+          <a:off x="0" y="0"/>
+          <a:ext cx="0" cy="0"/>
+          <a:chOff x="0" y="0"/>
+          <a:chExt cx="0" cy="0"/>
+        </a:xfrm>
+      </p:grpSpPr>
+      <p:sp>
+        <p:nvSpPr>
+          <p:cNvPr id="2" name="Title 1"/>
+          <p:cNvSpPr>
+            <a:spLocks noGrp="1"/>
+          </p:cNvSpPr>
+          <p:nvPr>
+            <p:ph type="title"/>
+          </p:nvPr>
+        </p:nvSpPr>
+        <p:spPr/>
+        <p:txBody>
+          <a:bodyPr/>
+          <a:lstStyle/>
+          <a:p>
+            <a:r>
+              <a:rPr lang="en-US" dirty="0" smtClean="0"/>
+              <a:t>Questions</a:t>
+            </a:r>
+            <a:endParaRPr lang="en-US" dirty="0"/>
+          </a:p>
+        </p:txBody>
+      </p:sp>
+      <p:sp>
+        <p:nvSpPr>
+          <p:cNvPr id="3" name="Content Placeholder 2"/>
+          <p:cNvSpPr>
+            <a:spLocks noGrp="1"/>
+          </p:cNvSpPr>
+          <p:nvPr>
+            <p:ph idx="1"/>
+          </p:nvPr>
+        </p:nvSpPr>
+        <p:spPr/>
+        <p:txBody>
+          <a:bodyPr/>
+          <a:lstStyle/>
+          <a:p>
+            <a:r>
+              <a:rPr lang="en-US" dirty="0"/>
+              <a:t>Difference between constructor and method in Java</a:t>
+            </a:r>
+          </a:p>
+          <a:p>
+            <a:r>
+              <a:rPr lang="en-US" dirty="0"/>
+              <a:t>Does constructor return any value?</a:t>
+            </a:r>
+          </a:p>
+          <a:p>
+            <a:r>
+              <a:rPr lang="en-US" dirty="0"/>
+              <a:t>Can constructor perform other tasks instead of initialization?</a:t>
+            </a:r>
+          </a:p>
+          <a:p>
+            <a:r>
+              <a:rPr lang="en-US" dirty="0"/>
+              <a:t>Is there Constructor class in Java?</a:t>
+            </a:r>
+          </a:p>
+          <a:p>
+            <a:r>
+              <a:rPr lang="en-US" dirty="0"/>
+              <a:t>What is the purpose of Constructor class?</a:t>
+            </a:r>
+          </a:p>
+          <a:p>
+            <a:pPr marL="0" indent="0">
+              <a:buNone/>
+            </a:pPr>
+            <a:endParaRPr lang="en-US" dirty="0"/>
+          </a:p>
+        </p:txBody>
+      </p:sp>
+    </p:spTree>
+    <p:extLst>
+      <p:ext uri="{BB962C8B-B14F-4D97-AF65-F5344CB8AC3E}">
+        <p14:creationId xmlns:p14="http://schemas.microsoft.com/office/powerpoint/2010/main" val="3254084796"/>
       </p:ext>
     </p:extLst>
   </p:cSld>
@@ -4715,6 +10549,13 @@
   <p:clrMapOvr>
     <a:masterClrMapping/>
   </p:clrMapOvr>
+  <p:timing>
+    <p:tnLst>
+      <p:par>
+        <p:cTn id="1" dur="indefinite" restart="never" nodeType="tmRoot"/>
+      </p:par>
+    </p:tnLst>
+  </p:timing>
 </p:sld>
 </file>
 
